--- a/cours/docker/DOCKER.pptx
+++ b/cours/docker/DOCKER.pptx
@@ -8248,7 +8248,7 @@
           <a:p>
             <a:fld id="{CB65154C-7F48-4927-B043-E64196FDC33B}" type="datetimeFigureOut">
               <a:rPr lang="en-US" smtClean="0"/>
-              <a:t>9/22/2020</a:t>
+              <a:t>10/3/2020</a:t>
             </a:fld>
             <a:endParaRPr lang="en-US" dirty="0"/>
           </a:p>
@@ -8446,7 +8446,7 @@
           <a:p>
             <a:fld id="{CB65154C-7F48-4927-B043-E64196FDC33B}" type="datetimeFigureOut">
               <a:rPr lang="en-US" smtClean="0"/>
-              <a:t>9/22/2020</a:t>
+              <a:t>10/3/2020</a:t>
             </a:fld>
             <a:endParaRPr lang="en-US" dirty="0"/>
           </a:p>
@@ -8654,7 +8654,7 @@
           <a:p>
             <a:fld id="{CB65154C-7F48-4927-B043-E64196FDC33B}" type="datetimeFigureOut">
               <a:rPr lang="en-US" smtClean="0"/>
-              <a:t>9/22/2020</a:t>
+              <a:t>10/3/2020</a:t>
             </a:fld>
             <a:endParaRPr lang="en-US" dirty="0"/>
           </a:p>
@@ -8852,7 +8852,7 @@
           <a:p>
             <a:fld id="{CB65154C-7F48-4927-B043-E64196FDC33B}" type="datetimeFigureOut">
               <a:rPr lang="en-US" smtClean="0"/>
-              <a:t>9/22/2020</a:t>
+              <a:t>10/3/2020</a:t>
             </a:fld>
             <a:endParaRPr lang="en-US" dirty="0"/>
           </a:p>
@@ -9127,7 +9127,7 @@
           <a:p>
             <a:fld id="{CB65154C-7F48-4927-B043-E64196FDC33B}" type="datetimeFigureOut">
               <a:rPr lang="en-US" smtClean="0"/>
-              <a:t>9/22/2020</a:t>
+              <a:t>10/3/2020</a:t>
             </a:fld>
             <a:endParaRPr lang="en-US" dirty="0"/>
           </a:p>
@@ -9392,7 +9392,7 @@
           <a:p>
             <a:fld id="{CB65154C-7F48-4927-B043-E64196FDC33B}" type="datetimeFigureOut">
               <a:rPr lang="en-US" smtClean="0"/>
-              <a:t>9/22/2020</a:t>
+              <a:t>10/3/2020</a:t>
             </a:fld>
             <a:endParaRPr lang="en-US" dirty="0"/>
           </a:p>
@@ -9804,7 +9804,7 @@
           <a:p>
             <a:fld id="{CB65154C-7F48-4927-B043-E64196FDC33B}" type="datetimeFigureOut">
               <a:rPr lang="en-US" smtClean="0"/>
-              <a:t>9/22/2020</a:t>
+              <a:t>10/3/2020</a:t>
             </a:fld>
             <a:endParaRPr lang="en-US" dirty="0"/>
           </a:p>
@@ -9945,7 +9945,7 @@
           <a:p>
             <a:fld id="{CB65154C-7F48-4927-B043-E64196FDC33B}" type="datetimeFigureOut">
               <a:rPr lang="en-US" smtClean="0"/>
-              <a:t>9/22/2020</a:t>
+              <a:t>10/3/2020</a:t>
             </a:fld>
             <a:endParaRPr lang="en-US" dirty="0"/>
           </a:p>
@@ -10058,7 +10058,7 @@
           <a:p>
             <a:fld id="{CB65154C-7F48-4927-B043-E64196FDC33B}" type="datetimeFigureOut">
               <a:rPr lang="en-US" smtClean="0"/>
-              <a:t>9/22/2020</a:t>
+              <a:t>10/3/2020</a:t>
             </a:fld>
             <a:endParaRPr lang="en-US" dirty="0"/>
           </a:p>
@@ -10369,7 +10369,7 @@
           <a:p>
             <a:fld id="{CB65154C-7F48-4927-B043-E64196FDC33B}" type="datetimeFigureOut">
               <a:rPr lang="en-US" smtClean="0"/>
-              <a:t>9/22/2020</a:t>
+              <a:t>10/3/2020</a:t>
             </a:fld>
             <a:endParaRPr lang="en-US" dirty="0"/>
           </a:p>
@@ -10657,7 +10657,7 @@
           <a:p>
             <a:fld id="{CB65154C-7F48-4927-B043-E64196FDC33B}" type="datetimeFigureOut">
               <a:rPr lang="en-US" smtClean="0"/>
-              <a:t>9/22/2020</a:t>
+              <a:t>10/3/2020</a:t>
             </a:fld>
             <a:endParaRPr lang="en-US" dirty="0"/>
           </a:p>
@@ -10901,7 +10901,7 @@
           <a:p>
             <a:fld id="{CB65154C-7F48-4927-B043-E64196FDC33B}" type="datetimeFigureOut">
               <a:rPr lang="en-US" smtClean="0"/>
-              <a:t>9/22/2020</a:t>
+              <a:t>10/3/2020</a:t>
             </a:fld>
             <a:endParaRPr lang="en-US" dirty="0"/>
           </a:p>
@@ -15208,138 +15208,51 @@
           <a:lstStyle/>
           <a:p>
             <a:r>
-              <a:rPr lang="fr-FR" sz="4000">
+              <a:rPr lang="fr-FR" sz="4000" dirty="0">
                 <a:solidFill>
                   <a:srgbClr val="FFFFFF"/>
                 </a:solidFill>
               </a:rPr>
-              <a:t>Comment marche docker?</a:t>
+              <a:t>Le fonctionnement de Docker </a:t>
             </a:r>
           </a:p>
         </p:txBody>
       </p:sp>
-      <p:sp>
-        <p:nvSpPr>
-          <p:cNvPr id="3" name="Content Placeholder 2">
+      <p:pic>
+        <p:nvPicPr>
+          <p:cNvPr id="7" name="Content Placeholder 6" descr="Diagram&#10;&#10;Description automatically generated">
             <a:extLst>
               <a:ext uri="{FF2B5EF4-FFF2-40B4-BE49-F238E27FC236}">
-                <a16:creationId xmlns:a16="http://schemas.microsoft.com/office/drawing/2014/main" id="{24BB66CE-B558-4403-A508-30C99A403BCC}"/>
+                <a16:creationId xmlns:a16="http://schemas.microsoft.com/office/drawing/2014/main" id="{9EE7D156-886C-46D9-B111-DE8C0506BA5D}"/>
               </a:ext>
             </a:extLst>
           </p:cNvPr>
-          <p:cNvSpPr>
-            <a:spLocks noGrp="1"/>
-          </p:cNvSpPr>
+          <p:cNvPicPr>
+            <a:picLocks noGrp="1" noChangeAspect="1"/>
+          </p:cNvPicPr>
           <p:nvPr>
             <p:ph idx="1"/>
           </p:nvPr>
-        </p:nvSpPr>
+        </p:nvPicPr>
+        <p:blipFill>
+          <a:blip r:embed="rId2">
+            <a:extLst>
+              <a:ext uri="{28A0092B-C50C-407E-A947-70E740481C1C}">
+                <a14:useLocalDpi xmlns:a14="http://schemas.microsoft.com/office/drawing/2010/main" val="0"/>
+              </a:ext>
+            </a:extLst>
+          </a:blip>
+          <a:stretch>
+            <a:fillRect/>
+          </a:stretch>
+        </p:blipFill>
         <p:spPr>
           <a:xfrm>
-            <a:off x="1367624" y="2490436"/>
-            <a:ext cx="9708995" cy="3567173"/>
+            <a:off x="812935" y="3083198"/>
+            <a:ext cx="10515600" cy="3195262"/>
           </a:xfrm>
         </p:spPr>
-        <p:txBody>
-          <a:bodyPr anchor="ctr">
-            <a:normAutofit/>
-          </a:bodyPr>
-          <a:lstStyle/>
-          <a:p>
-            <a:endParaRPr lang="fr-FR" sz="1300"/>
-          </a:p>
-          <a:p>
-            <a:r>
-              <a:rPr lang="fr-FR" sz="1300"/>
-              <a:t>Une image docker: </a:t>
-            </a:r>
-          </a:p>
-          <a:p>
-            <a:pPr marL="457200" lvl="1" indent="0">
-              <a:buNone/>
-            </a:pPr>
-            <a:r>
-              <a:rPr lang="fr-FR" sz="1300"/>
-              <a:t>Un patron pour instancier un conteneur docker se basera.</a:t>
-            </a:r>
-          </a:p>
-          <a:p>
-            <a:pPr marL="457200" lvl="1" indent="0">
-              <a:buNone/>
-            </a:pPr>
-            <a:r>
-              <a:rPr lang="fr-FR" sz="1300"/>
-              <a:t>Il défini l’environement dans lequel l’application réside.</a:t>
-            </a:r>
-          </a:p>
-          <a:p>
-            <a:r>
-              <a:rPr lang="fr-FR" sz="1300"/>
-              <a:t>Un conteneur docker:</a:t>
-            </a:r>
-          </a:p>
-          <a:p>
-            <a:pPr marL="457200" lvl="1" indent="0">
-              <a:buNone/>
-            </a:pPr>
-            <a:r>
-              <a:rPr lang="fr-FR" sz="1300"/>
-              <a:t>Une instance d’une image docker dans lequel l’application tourne.</a:t>
-            </a:r>
-          </a:p>
-          <a:p>
-            <a:r>
-              <a:rPr lang="fr-FR" sz="1300"/>
-              <a:t>Un Dockerfile:</a:t>
-            </a:r>
-          </a:p>
-          <a:p>
-            <a:pPr marL="457200" lvl="1" indent="0">
-              <a:buNone/>
-            </a:pPr>
-            <a:r>
-              <a:rPr lang="fr-FR" sz="1300"/>
-              <a:t>Un fichier qui donne une liste d’instructions au docker daemon pour créer une novelle image docker.</a:t>
-            </a:r>
-          </a:p>
-          <a:p>
-            <a:r>
-              <a:rPr lang="fr-FR" sz="1300"/>
-              <a:t>Le docker engine:</a:t>
-            </a:r>
-          </a:p>
-          <a:p>
-            <a:pPr marL="457200" lvl="1" indent="0">
-              <a:buNone/>
-            </a:pPr>
-            <a:r>
-              <a:rPr lang="fr-FR" sz="1300"/>
-              <a:t>Le moteur de conteneurisation qui assure la gestion et communication des conteneurs.</a:t>
-            </a:r>
-          </a:p>
-          <a:p>
-            <a:r>
-              <a:rPr lang="fr-FR" sz="1300"/>
-              <a:t>Un volume:</a:t>
-            </a:r>
-          </a:p>
-          <a:p>
-            <a:pPr marL="457200" lvl="1" indent="0">
-              <a:buNone/>
-            </a:pPr>
-            <a:r>
-              <a:rPr lang="fr-FR" sz="1300"/>
-              <a:t>Un système pour gérer les fichiers entre l’hôte et docker.</a:t>
-            </a:r>
-          </a:p>
-          <a:p>
-            <a:pPr marL="457200" lvl="1" indent="0">
-              <a:buNone/>
-            </a:pPr>
-            <a:endParaRPr lang="fr-FR" sz="1300"/>
-          </a:p>
-        </p:txBody>
-      </p:sp>
+      </p:pic>
     </p:spTree>
     <p:extLst>
       <p:ext uri="{BB962C8B-B14F-4D97-AF65-F5344CB8AC3E}">

--- a/cours/docker/DOCKER.pptx
+++ b/cours/docker/DOCKER.pptx
@@ -7,18 +7,16 @@
   <p:sldIdLst>
     <p:sldId id="256" r:id="rId2"/>
     <p:sldId id="257" r:id="rId3"/>
-    <p:sldId id="259" r:id="rId4"/>
-    <p:sldId id="260" r:id="rId5"/>
-    <p:sldId id="261" r:id="rId6"/>
-    <p:sldId id="262" r:id="rId7"/>
-    <p:sldId id="263" r:id="rId8"/>
-    <p:sldId id="264" r:id="rId9"/>
-    <p:sldId id="265" r:id="rId10"/>
-    <p:sldId id="266" r:id="rId11"/>
-    <p:sldId id="267" r:id="rId12"/>
-    <p:sldId id="268" r:id="rId13"/>
-    <p:sldId id="269" r:id="rId14"/>
-    <p:sldId id="272" r:id="rId15"/>
+    <p:sldId id="260" r:id="rId4"/>
+    <p:sldId id="261" r:id="rId5"/>
+    <p:sldId id="262" r:id="rId6"/>
+    <p:sldId id="263" r:id="rId7"/>
+    <p:sldId id="264" r:id="rId8"/>
+    <p:sldId id="265" r:id="rId9"/>
+    <p:sldId id="266" r:id="rId10"/>
+    <p:sldId id="267" r:id="rId11"/>
+    <p:sldId id="268" r:id="rId12"/>
+    <p:sldId id="269" r:id="rId13"/>
   </p:sldIdLst>
   <p:sldSz cx="12192000" cy="6858000"/>
   <p:notesSz cx="6858000" cy="9144000"/>
@@ -1690,15 +1688,15 @@
 </file>
 
 <file path=ppt/diagrams/colors3.xml><?xml version="1.0" encoding="utf-8"?>
-<dgm:colorsDef xmlns:dgm="http://schemas.openxmlformats.org/drawingml/2006/diagram" xmlns:a="http://schemas.openxmlformats.org/drawingml/2006/main" uniqueId="urn:microsoft.com/office/officeart/2005/8/colors/colorful5">
+<dgm:colorsDef xmlns:dgm="http://schemas.openxmlformats.org/drawingml/2006/diagram" xmlns:a="http://schemas.openxmlformats.org/drawingml/2006/main" uniqueId="urn:microsoft.com/office/officeart/2005/8/colors/accent1_2">
   <dgm:title val=""/>
   <dgm:desc val=""/>
   <dgm:catLst>
-    <dgm:cat type="colorful" pri="10500"/>
+    <dgm:cat type="accent1" pri="11200"/>
   </dgm:catLst>
   <dgm:styleLbl name="node0">
     <dgm:fillClrLst meth="repeat">
-      <a:schemeClr val="accent4"/>
+      <a:schemeClr val="accent1"/>
     </dgm:fillClrLst>
     <dgm:linClrLst meth="repeat">
       <a:schemeClr val="lt1"/>
@@ -1708,10 +1706,21 @@
     <dgm:txFillClrLst/>
     <dgm:txEffectClrLst/>
   </dgm:styleLbl>
+  <dgm:styleLbl name="alignNode1">
+    <dgm:fillClrLst meth="repeat">
+      <a:schemeClr val="accent1"/>
+    </dgm:fillClrLst>
+    <dgm:linClrLst meth="repeat">
+      <a:schemeClr val="accent1"/>
+    </dgm:linClrLst>
+    <dgm:effectClrLst/>
+    <dgm:txLinClrLst/>
+    <dgm:txFillClrLst/>
+    <dgm:txEffectClrLst/>
+  </dgm:styleLbl>
   <dgm:styleLbl name="node1">
-    <dgm:fillClrLst>
-      <a:schemeClr val="accent5"/>
-      <a:schemeClr val="accent6"/>
+    <dgm:fillClrLst meth="repeat">
+      <a:schemeClr val="accent1"/>
     </dgm:fillClrLst>
     <dgm:linClrLst meth="repeat">
       <a:schemeClr val="lt1"/>
@@ -1721,24 +1730,9 @@
     <dgm:txFillClrLst/>
     <dgm:txEffectClrLst/>
   </dgm:styleLbl>
-  <dgm:styleLbl name="alignNode1">
-    <dgm:fillClrLst>
-      <a:schemeClr val="accent5"/>
-      <a:schemeClr val="accent6"/>
-    </dgm:fillClrLst>
-    <dgm:linClrLst>
-      <a:schemeClr val="accent5"/>
-      <a:schemeClr val="accent6"/>
-    </dgm:linClrLst>
-    <dgm:effectClrLst/>
-    <dgm:txLinClrLst/>
-    <dgm:txFillClrLst/>
-    <dgm:txEffectClrLst/>
-  </dgm:styleLbl>
   <dgm:styleLbl name="lnNode1">
-    <dgm:fillClrLst>
-      <a:schemeClr val="accent5"/>
-      <a:schemeClr val="accent6"/>
+    <dgm:fillClrLst meth="repeat">
+      <a:schemeClr val="accent1"/>
     </dgm:fillClrLst>
     <dgm:linClrLst meth="repeat">
       <a:schemeClr val="lt1"/>
@@ -1749,11 +1743,8 @@
     <dgm:txEffectClrLst/>
   </dgm:styleLbl>
   <dgm:styleLbl name="vennNode1">
-    <dgm:fillClrLst>
-      <a:schemeClr val="accent5">
-        <a:alpha val="50000"/>
-      </a:schemeClr>
-      <a:schemeClr val="accent6">
+    <dgm:fillClrLst meth="repeat">
+      <a:schemeClr val="accent1">
         <a:alpha val="50000"/>
       </a:schemeClr>
     </dgm:fillClrLst>
@@ -1766,19 +1757,7 @@
     <dgm:txEffectClrLst/>
   </dgm:styleLbl>
   <dgm:styleLbl name="node2">
-    <dgm:fillClrLst>
-      <a:schemeClr val="accent6"/>
-    </dgm:fillClrLst>
-    <dgm:linClrLst meth="repeat">
-      <a:schemeClr val="lt1"/>
-    </dgm:linClrLst>
-    <dgm:effectClrLst/>
-    <dgm:txLinClrLst/>
-    <dgm:txFillClrLst/>
-    <dgm:txEffectClrLst/>
-  </dgm:styleLbl>
-  <dgm:styleLbl name="node3">
-    <dgm:fillClrLst>
+    <dgm:fillClrLst meth="repeat">
       <a:schemeClr val="accent1"/>
     </dgm:fillClrLst>
     <dgm:linClrLst meth="repeat">
@@ -1789,9 +1768,9 @@
     <dgm:txFillClrLst/>
     <dgm:txEffectClrLst/>
   </dgm:styleLbl>
-  <dgm:styleLbl name="node4">
-    <dgm:fillClrLst>
-      <a:schemeClr val="accent2"/>
+  <dgm:styleLbl name="node3">
+    <dgm:fillClrLst meth="repeat">
+      <a:schemeClr val="accent1"/>
     </dgm:fillClrLst>
     <dgm:linClrLst meth="repeat">
       <a:schemeClr val="lt1"/>
@@ -1801,12 +1780,21 @@
     <dgm:txFillClrLst/>
     <dgm:txEffectClrLst/>
   </dgm:styleLbl>
+  <dgm:styleLbl name="node4">
+    <dgm:fillClrLst meth="repeat">
+      <a:schemeClr val="accent1"/>
+    </dgm:fillClrLst>
+    <dgm:linClrLst meth="repeat">
+      <a:schemeClr val="lt1"/>
+    </dgm:linClrLst>
+    <dgm:effectClrLst/>
+    <dgm:txLinClrLst/>
+    <dgm:txFillClrLst/>
+    <dgm:txEffectClrLst/>
+  </dgm:styleLbl>
   <dgm:styleLbl name="fgImgPlace1">
-    <dgm:fillClrLst>
-      <a:schemeClr val="accent5">
-        <a:tint val="50000"/>
-      </a:schemeClr>
-      <a:schemeClr val="accent6">
+    <dgm:fillClrLst meth="repeat">
+      <a:schemeClr val="accent1">
         <a:tint val="50000"/>
       </a:schemeClr>
     </dgm:fillClrLst>
@@ -1821,12 +1809,9 @@
     <dgm:txEffectClrLst/>
   </dgm:styleLbl>
   <dgm:styleLbl name="alignImgPlace1">
-    <dgm:fillClrLst>
-      <a:schemeClr val="accent5">
+    <dgm:fillClrLst meth="repeat">
+      <a:schemeClr val="accent1">
         <a:tint val="50000"/>
-      </a:schemeClr>
-      <a:schemeClr val="accent6">
-        <a:tint val="20000"/>
       </a:schemeClr>
     </dgm:fillClrLst>
     <dgm:linClrLst meth="repeat">
@@ -1840,12 +1825,9 @@
     <dgm:txEffectClrLst/>
   </dgm:styleLbl>
   <dgm:styleLbl name="bgImgPlace1">
-    <dgm:fillClrLst>
-      <a:schemeClr val="accent5">
+    <dgm:fillClrLst meth="repeat">
+      <a:schemeClr val="accent1">
         <a:tint val="50000"/>
-      </a:schemeClr>
-      <a:schemeClr val="accent6">
-        <a:tint val="20000"/>
       </a:schemeClr>
     </dgm:fillClrLst>
     <dgm:linClrLst meth="repeat">
@@ -1859,84 +1841,14 @@
     <dgm:txEffectClrLst/>
   </dgm:styleLbl>
   <dgm:styleLbl name="sibTrans2D1">
-    <dgm:fillClrLst>
-      <a:schemeClr val="accent5"/>
-      <a:schemeClr val="accent6"/>
+    <dgm:fillClrLst meth="repeat">
+      <a:schemeClr val="accent1">
+        <a:tint val="60000"/>
+      </a:schemeClr>
     </dgm:fillClrLst>
     <dgm:linClrLst meth="repeat">
-      <a:schemeClr val="lt1"/>
-    </dgm:linClrLst>
-    <dgm:effectClrLst/>
-    <dgm:txLinClrLst/>
-    <dgm:txFillClrLst/>
-    <dgm:txEffectClrLst/>
-  </dgm:styleLbl>
-  <dgm:styleLbl name="fgSibTrans2D1">
-    <dgm:fillClrLst>
-      <a:schemeClr val="accent5"/>
-      <a:schemeClr val="accent6"/>
-    </dgm:fillClrLst>
-    <dgm:linClrLst meth="repeat">
-      <a:schemeClr val="lt1"/>
-    </dgm:linClrLst>
-    <dgm:effectClrLst/>
-    <dgm:txLinClrLst/>
-    <dgm:txFillClrLst meth="repeat">
-      <a:schemeClr val="lt1"/>
-    </dgm:txFillClrLst>
-    <dgm:txEffectClrLst/>
-  </dgm:styleLbl>
-  <dgm:styleLbl name="bgSibTrans2D1">
-    <dgm:fillClrLst>
-      <a:schemeClr val="accent5"/>
-      <a:schemeClr val="accent6"/>
-    </dgm:fillClrLst>
-    <dgm:linClrLst meth="repeat">
-      <a:schemeClr val="lt1"/>
-    </dgm:linClrLst>
-    <dgm:effectClrLst/>
-    <dgm:txLinClrLst/>
-    <dgm:txFillClrLst meth="repeat">
-      <a:schemeClr val="lt1"/>
-    </dgm:txFillClrLst>
-    <dgm:txEffectClrLst/>
-  </dgm:styleLbl>
-  <dgm:styleLbl name="sibTrans1D1">
-    <dgm:fillClrLst/>
-    <dgm:linClrLst>
-      <a:schemeClr val="accent5"/>
-      <a:schemeClr val="accent6"/>
-    </dgm:linClrLst>
-    <dgm:effectClrLst/>
-    <dgm:txLinClrLst/>
-    <dgm:txFillClrLst meth="repeat">
-      <a:schemeClr val="tx1"/>
-    </dgm:txFillClrLst>
-    <dgm:txEffectClrLst/>
-  </dgm:styleLbl>
-  <dgm:styleLbl name="callout">
-    <dgm:fillClrLst meth="repeat">
-      <a:schemeClr val="accent5"/>
-    </dgm:fillClrLst>
-    <dgm:linClrLst meth="repeat">
-      <a:schemeClr val="accent5">
-        <a:tint val="50000"/>
-      </a:schemeClr>
-    </dgm:linClrLst>
-    <dgm:effectClrLst/>
-    <dgm:txLinClrLst/>
-    <dgm:txFillClrLst meth="repeat">
-      <a:schemeClr val="tx1"/>
-    </dgm:txFillClrLst>
-    <dgm:txEffectClrLst/>
-  </dgm:styleLbl>
-  <dgm:styleLbl name="asst0">
-    <dgm:fillClrLst meth="repeat">
-      <a:schemeClr val="accent5"/>
-    </dgm:fillClrLst>
-    <dgm:linClrLst meth="repeat">
-      <a:schemeClr val="lt1">
-        <a:shade val="80000"/>
+      <a:schemeClr val="accent1">
+        <a:tint val="60000"/>
       </a:schemeClr>
     </dgm:linClrLst>
     <dgm:effectClrLst/>
@@ -1944,13 +1856,15 @@
     <dgm:txFillClrLst/>
     <dgm:txEffectClrLst/>
   </dgm:styleLbl>
-  <dgm:styleLbl name="asst1">
+  <dgm:styleLbl name="fgSibTrans2D1">
     <dgm:fillClrLst meth="repeat">
-      <a:schemeClr val="accent6"/>
+      <a:schemeClr val="accent1">
+        <a:tint val="60000"/>
+      </a:schemeClr>
     </dgm:fillClrLst>
     <dgm:linClrLst meth="repeat">
-      <a:schemeClr val="lt1">
-        <a:shade val="80000"/>
+      <a:schemeClr val="accent1">
+        <a:tint val="60000"/>
       </a:schemeClr>
     </dgm:linClrLst>
     <dgm:effectClrLst/>
@@ -1958,129 +1872,25 @@
     <dgm:txFillClrLst/>
     <dgm:txEffectClrLst/>
   </dgm:styleLbl>
-  <dgm:styleLbl name="asst2">
-    <dgm:fillClrLst>
-      <a:schemeClr val="accent1"/>
+  <dgm:styleLbl name="bgSibTrans2D1">
+    <dgm:fillClrLst meth="repeat">
+      <a:schemeClr val="accent1">
+        <a:tint val="60000"/>
+      </a:schemeClr>
     </dgm:fillClrLst>
     <dgm:linClrLst meth="repeat">
-      <a:schemeClr val="lt1"/>
+      <a:schemeClr val="accent1">
+        <a:tint val="60000"/>
+      </a:schemeClr>
     </dgm:linClrLst>
     <dgm:effectClrLst/>
     <dgm:txLinClrLst/>
     <dgm:txFillClrLst/>
     <dgm:txEffectClrLst/>
   </dgm:styleLbl>
-  <dgm:styleLbl name="asst3">
-    <dgm:fillClrLst>
-      <a:schemeClr val="accent2"/>
-    </dgm:fillClrLst>
-    <dgm:linClrLst meth="repeat">
-      <a:schemeClr val="lt1"/>
-    </dgm:linClrLst>
-    <dgm:effectClrLst/>
-    <dgm:txLinClrLst/>
-    <dgm:txFillClrLst/>
-    <dgm:txEffectClrLst/>
-  </dgm:styleLbl>
-  <dgm:styleLbl name="asst4">
-    <dgm:fillClrLst>
-      <a:schemeClr val="accent3"/>
-    </dgm:fillClrLst>
-    <dgm:linClrLst meth="repeat">
-      <a:schemeClr val="lt1"/>
-    </dgm:linClrLst>
-    <dgm:effectClrLst/>
-    <dgm:txLinClrLst/>
-    <dgm:txFillClrLst/>
-    <dgm:txEffectClrLst/>
-  </dgm:styleLbl>
-  <dgm:styleLbl name="parChTrans2D1">
-    <dgm:fillClrLst meth="repeat">
-      <a:schemeClr val="accent5"/>
-    </dgm:fillClrLst>
-    <dgm:linClrLst meth="repeat">
-      <a:schemeClr val="lt1"/>
-    </dgm:linClrLst>
-    <dgm:effectClrLst/>
-    <dgm:txLinClrLst/>
-    <dgm:txFillClrLst meth="repeat">
-      <a:schemeClr val="lt1"/>
-    </dgm:txFillClrLst>
-    <dgm:txEffectClrLst/>
-  </dgm:styleLbl>
-  <dgm:styleLbl name="parChTrans2D2">
-    <dgm:fillClrLst meth="repeat">
-      <a:schemeClr val="accent6"/>
-    </dgm:fillClrLst>
-    <dgm:linClrLst meth="repeat">
-      <a:schemeClr val="lt1"/>
-    </dgm:linClrLst>
-    <dgm:effectClrLst/>
-    <dgm:txLinClrLst/>
-    <dgm:txFillClrLst/>
-    <dgm:txEffectClrLst/>
-  </dgm:styleLbl>
-  <dgm:styleLbl name="parChTrans2D3">
-    <dgm:fillClrLst meth="repeat">
-      <a:schemeClr val="accent6"/>
-    </dgm:fillClrLst>
-    <dgm:linClrLst meth="repeat">
-      <a:schemeClr val="lt1"/>
-    </dgm:linClrLst>
-    <dgm:effectClrLst/>
-    <dgm:txLinClrLst/>
-    <dgm:txFillClrLst/>
-    <dgm:txEffectClrLst/>
-  </dgm:styleLbl>
-  <dgm:styleLbl name="parChTrans2D4">
+  <dgm:styleLbl name="sibTrans1D1">
     <dgm:fillClrLst meth="repeat">
       <a:schemeClr val="accent1"/>
-    </dgm:fillClrLst>
-    <dgm:linClrLst meth="repeat">
-      <a:schemeClr val="lt1"/>
-    </dgm:linClrLst>
-    <dgm:effectClrLst/>
-    <dgm:txLinClrLst/>
-    <dgm:txFillClrLst meth="repeat">
-      <a:schemeClr val="lt1"/>
-    </dgm:txFillClrLst>
-    <dgm:txEffectClrLst/>
-  </dgm:styleLbl>
-  <dgm:styleLbl name="parChTrans1D1">
-    <dgm:fillClrLst meth="repeat">
-      <a:schemeClr val="accent5"/>
-    </dgm:fillClrLst>
-    <dgm:linClrLst meth="repeat">
-      <a:schemeClr val="accent5"/>
-    </dgm:linClrLst>
-    <dgm:effectClrLst/>
-    <dgm:txLinClrLst/>
-    <dgm:txFillClrLst meth="repeat">
-      <a:schemeClr val="tx1"/>
-    </dgm:txFillClrLst>
-    <dgm:txEffectClrLst/>
-  </dgm:styleLbl>
-  <dgm:styleLbl name="parChTrans1D2">
-    <dgm:fillClrLst meth="repeat">
-      <a:schemeClr val="accent6">
-        <a:tint val="90000"/>
-      </a:schemeClr>
-    </dgm:fillClrLst>
-    <dgm:linClrLst meth="repeat">
-      <a:schemeClr val="accent6"/>
-    </dgm:linClrLst>
-    <dgm:effectClrLst/>
-    <dgm:txLinClrLst/>
-    <dgm:txFillClrLst meth="repeat">
-      <a:schemeClr val="tx1"/>
-    </dgm:txFillClrLst>
-    <dgm:txEffectClrLst/>
-  </dgm:styleLbl>
-  <dgm:styleLbl name="parChTrans1D3">
-    <dgm:fillClrLst meth="repeat">
-      <a:schemeClr val="accent6">
-        <a:tint val="70000"/>
-      </a:schemeClr>
     </dgm:fillClrLst>
     <dgm:linClrLst meth="repeat">
       <a:schemeClr val="accent1"/>
@@ -2092,14 +1902,14 @@
     </dgm:txFillClrLst>
     <dgm:txEffectClrLst/>
   </dgm:styleLbl>
-  <dgm:styleLbl name="parChTrans1D4">
+  <dgm:styleLbl name="callout">
     <dgm:fillClrLst meth="repeat">
-      <a:schemeClr val="accent6">
+      <a:schemeClr val="accent1"/>
+    </dgm:fillClrLst>
+    <dgm:linClrLst meth="repeat">
+      <a:schemeClr val="accent1">
         <a:tint val="50000"/>
       </a:schemeClr>
-    </dgm:fillClrLst>
-    <dgm:linClrLst meth="repeat">
-      <a:schemeClr val="accent2"/>
     </dgm:linClrLst>
     <dgm:effectClrLst/>
     <dgm:txLinClrLst/>
@@ -2108,15 +1918,198 @@
     </dgm:txFillClrLst>
     <dgm:txEffectClrLst/>
   </dgm:styleLbl>
+  <dgm:styleLbl name="asst0">
+    <dgm:fillClrLst meth="repeat">
+      <a:schemeClr val="accent1"/>
+    </dgm:fillClrLst>
+    <dgm:linClrLst meth="repeat">
+      <a:schemeClr val="lt1"/>
+    </dgm:linClrLst>
+    <dgm:effectClrLst/>
+    <dgm:txLinClrLst/>
+    <dgm:txFillClrLst/>
+    <dgm:txEffectClrLst/>
+  </dgm:styleLbl>
+  <dgm:styleLbl name="asst1">
+    <dgm:fillClrLst meth="repeat">
+      <a:schemeClr val="accent1"/>
+    </dgm:fillClrLst>
+    <dgm:linClrLst meth="repeat">
+      <a:schemeClr val="lt1"/>
+    </dgm:linClrLst>
+    <dgm:effectClrLst/>
+    <dgm:txLinClrLst/>
+    <dgm:txFillClrLst/>
+    <dgm:txEffectClrLst/>
+  </dgm:styleLbl>
+  <dgm:styleLbl name="asst2">
+    <dgm:fillClrLst meth="repeat">
+      <a:schemeClr val="accent1"/>
+    </dgm:fillClrLst>
+    <dgm:linClrLst meth="repeat">
+      <a:schemeClr val="lt1"/>
+    </dgm:linClrLst>
+    <dgm:effectClrLst/>
+    <dgm:txLinClrLst/>
+    <dgm:txFillClrLst/>
+    <dgm:txEffectClrLst/>
+  </dgm:styleLbl>
+  <dgm:styleLbl name="asst3">
+    <dgm:fillClrLst meth="repeat">
+      <a:schemeClr val="accent1"/>
+    </dgm:fillClrLst>
+    <dgm:linClrLst meth="repeat">
+      <a:schemeClr val="lt1"/>
+    </dgm:linClrLst>
+    <dgm:effectClrLst/>
+    <dgm:txLinClrLst/>
+    <dgm:txFillClrLst/>
+    <dgm:txEffectClrLst/>
+  </dgm:styleLbl>
+  <dgm:styleLbl name="asst4">
+    <dgm:fillClrLst meth="repeat">
+      <a:schemeClr val="accent1"/>
+    </dgm:fillClrLst>
+    <dgm:linClrLst meth="repeat">
+      <a:schemeClr val="lt1"/>
+    </dgm:linClrLst>
+    <dgm:effectClrLst/>
+    <dgm:txLinClrLst/>
+    <dgm:txFillClrLst/>
+    <dgm:txEffectClrLst/>
+  </dgm:styleLbl>
+  <dgm:styleLbl name="parChTrans2D1">
+    <dgm:fillClrLst meth="repeat">
+      <a:schemeClr val="accent1">
+        <a:tint val="60000"/>
+      </a:schemeClr>
+    </dgm:fillClrLst>
+    <dgm:linClrLst meth="repeat">
+      <a:schemeClr val="accent1">
+        <a:tint val="60000"/>
+      </a:schemeClr>
+    </dgm:linClrLst>
+    <dgm:effectClrLst/>
+    <dgm:txLinClrLst/>
+    <dgm:txFillClrLst meth="repeat">
+      <a:schemeClr val="lt1"/>
+    </dgm:txFillClrLst>
+    <dgm:txEffectClrLst/>
+  </dgm:styleLbl>
+  <dgm:styleLbl name="parChTrans2D2">
+    <dgm:fillClrLst meth="repeat">
+      <a:schemeClr val="accent1"/>
+    </dgm:fillClrLst>
+    <dgm:linClrLst meth="repeat">
+      <a:schemeClr val="accent1"/>
+    </dgm:linClrLst>
+    <dgm:effectClrLst/>
+    <dgm:txLinClrLst/>
+    <dgm:txFillClrLst meth="repeat">
+      <a:schemeClr val="lt1"/>
+    </dgm:txFillClrLst>
+    <dgm:txEffectClrLst/>
+  </dgm:styleLbl>
+  <dgm:styleLbl name="parChTrans2D3">
+    <dgm:fillClrLst meth="repeat">
+      <a:schemeClr val="accent1"/>
+    </dgm:fillClrLst>
+    <dgm:linClrLst meth="repeat">
+      <a:schemeClr val="accent1"/>
+    </dgm:linClrLst>
+    <dgm:effectClrLst/>
+    <dgm:txLinClrLst/>
+    <dgm:txFillClrLst meth="repeat">
+      <a:schemeClr val="lt1"/>
+    </dgm:txFillClrLst>
+    <dgm:txEffectClrLst/>
+  </dgm:styleLbl>
+  <dgm:styleLbl name="parChTrans2D4">
+    <dgm:fillClrLst meth="repeat">
+      <a:schemeClr val="accent1"/>
+    </dgm:fillClrLst>
+    <dgm:linClrLst meth="repeat">
+      <a:schemeClr val="accent1"/>
+    </dgm:linClrLst>
+    <dgm:effectClrLst/>
+    <dgm:txLinClrLst/>
+    <dgm:txFillClrLst meth="repeat">
+      <a:schemeClr val="lt1"/>
+    </dgm:txFillClrLst>
+    <dgm:txEffectClrLst/>
+  </dgm:styleLbl>
+  <dgm:styleLbl name="parChTrans1D1">
+    <dgm:fillClrLst meth="repeat">
+      <a:schemeClr val="accent1"/>
+    </dgm:fillClrLst>
+    <dgm:linClrLst meth="repeat">
+      <a:schemeClr val="accent1">
+        <a:shade val="60000"/>
+      </a:schemeClr>
+    </dgm:linClrLst>
+    <dgm:effectClrLst/>
+    <dgm:txLinClrLst/>
+    <dgm:txFillClrLst meth="repeat">
+      <a:schemeClr val="tx1"/>
+    </dgm:txFillClrLst>
+    <dgm:txEffectClrLst/>
+  </dgm:styleLbl>
+  <dgm:styleLbl name="parChTrans1D2">
+    <dgm:fillClrLst meth="repeat">
+      <a:schemeClr val="accent1"/>
+    </dgm:fillClrLst>
+    <dgm:linClrLst meth="repeat">
+      <a:schemeClr val="accent1">
+        <a:shade val="60000"/>
+      </a:schemeClr>
+    </dgm:linClrLst>
+    <dgm:effectClrLst/>
+    <dgm:txLinClrLst/>
+    <dgm:txFillClrLst meth="repeat">
+      <a:schemeClr val="tx1"/>
+    </dgm:txFillClrLst>
+    <dgm:txEffectClrLst/>
+  </dgm:styleLbl>
+  <dgm:styleLbl name="parChTrans1D3">
+    <dgm:fillClrLst meth="repeat">
+      <a:schemeClr val="accent1"/>
+    </dgm:fillClrLst>
+    <dgm:linClrLst meth="repeat">
+      <a:schemeClr val="accent1">
+        <a:shade val="80000"/>
+      </a:schemeClr>
+    </dgm:linClrLst>
+    <dgm:effectClrLst/>
+    <dgm:txLinClrLst/>
+    <dgm:txFillClrLst meth="repeat">
+      <a:schemeClr val="tx1"/>
+    </dgm:txFillClrLst>
+    <dgm:txEffectClrLst/>
+  </dgm:styleLbl>
+  <dgm:styleLbl name="parChTrans1D4">
+    <dgm:fillClrLst meth="repeat">
+      <a:schemeClr val="accent1"/>
+    </dgm:fillClrLst>
+    <dgm:linClrLst meth="repeat">
+      <a:schemeClr val="accent1">
+        <a:shade val="80000"/>
+      </a:schemeClr>
+    </dgm:linClrLst>
+    <dgm:effectClrLst/>
+    <dgm:txLinClrLst/>
+    <dgm:txFillClrLst meth="repeat">
+      <a:schemeClr val="tx1"/>
+    </dgm:txFillClrLst>
+    <dgm:txEffectClrLst/>
+  </dgm:styleLbl>
   <dgm:styleLbl name="fgAcc1">
     <dgm:fillClrLst meth="repeat">
       <a:schemeClr val="lt1">
         <a:alpha val="90000"/>
       </a:schemeClr>
     </dgm:fillClrLst>
-    <dgm:linClrLst>
-      <a:schemeClr val="accent5"/>
-      <a:schemeClr val="accent6"/>
+    <dgm:linClrLst meth="repeat">
+      <a:schemeClr val="accent1"/>
     </dgm:linClrLst>
     <dgm:effectClrLst/>
     <dgm:txLinClrLst/>
@@ -2131,9 +2124,8 @@
         <a:alpha val="90000"/>
       </a:schemeClr>
     </dgm:fillClrLst>
-    <dgm:linClrLst>
-      <a:schemeClr val="accent5"/>
-      <a:schemeClr val="accent6"/>
+    <dgm:linClrLst meth="repeat">
+      <a:schemeClr val="accent1"/>
     </dgm:linClrLst>
     <dgm:effectClrLst/>
     <dgm:txLinClrLst/>
@@ -2148,9 +2140,8 @@
         <a:alpha val="90000"/>
       </a:schemeClr>
     </dgm:fillClrLst>
-    <dgm:linClrLst>
-      <a:schemeClr val="accent5"/>
-      <a:schemeClr val="accent6"/>
+    <dgm:linClrLst meth="repeat">
+      <a:schemeClr val="accent1"/>
     </dgm:linClrLst>
     <dgm:effectClrLst/>
     <dgm:txLinClrLst/>
@@ -2166,7 +2157,7 @@
       </a:schemeClr>
     </dgm:fillClrLst>
     <dgm:linClrLst meth="repeat">
-      <a:schemeClr val="accent5"/>
+      <a:schemeClr val="accent1"/>
     </dgm:linClrLst>
     <dgm:effectClrLst/>
     <dgm:txLinClrLst/>
@@ -2181,9 +2172,8 @@
         <a:alpha val="90000"/>
       </a:schemeClr>
     </dgm:fillClrLst>
-    <dgm:linClrLst>
-      <a:schemeClr val="accent5"/>
-      <a:schemeClr val="accent6"/>
+    <dgm:linClrLst meth="repeat">
+      <a:schemeClr val="accent1"/>
     </dgm:linClrLst>
     <dgm:effectClrLst/>
     <dgm:txLinClrLst/>
@@ -2196,9 +2186,8 @@
     <dgm:fillClrLst meth="repeat">
       <a:schemeClr val="lt1"/>
     </dgm:fillClrLst>
-    <dgm:linClrLst>
-      <a:schemeClr val="accent5"/>
-      <a:schemeClr val="accent6"/>
+    <dgm:linClrLst meth="repeat">
+      <a:schemeClr val="accent1"/>
     </dgm:linClrLst>
     <dgm:effectClrLst/>
     <dgm:txLinClrLst/>
@@ -2211,9 +2200,8 @@
     <dgm:fillClrLst meth="repeat">
       <a:schemeClr val="lt1"/>
     </dgm:fillClrLst>
-    <dgm:linClrLst>
-      <a:schemeClr val="accent5"/>
-      <a:schemeClr val="accent6"/>
+    <dgm:linClrLst meth="repeat">
+      <a:schemeClr val="accent1"/>
     </dgm:linClrLst>
     <dgm:effectClrLst/>
     <dgm:txLinClrLst/>
@@ -2226,9 +2214,8 @@
     <dgm:fillClrLst meth="repeat">
       <a:schemeClr val="lt1"/>
     </dgm:fillClrLst>
-    <dgm:linClrLst>
-      <a:schemeClr val="accent5"/>
-      <a:schemeClr val="accent6"/>
+    <dgm:linClrLst meth="repeat">
+      <a:schemeClr val="accent1"/>
     </dgm:linClrLst>
     <dgm:effectClrLst/>
     <dgm:txLinClrLst/>
@@ -2238,24 +2225,16 @@
     <dgm:txEffectClrLst/>
   </dgm:styleLbl>
   <dgm:styleLbl name="fgAccFollowNode1">
-    <dgm:fillClrLst>
-      <a:schemeClr val="accent5">
+    <dgm:fillClrLst meth="repeat">
+      <a:schemeClr val="accent1">
+        <a:alpha val="90000"/>
         <a:tint val="40000"/>
-        <a:alpha val="90000"/>
-      </a:schemeClr>
-      <a:schemeClr val="accent6">
-        <a:tint val="40000"/>
-        <a:alpha val="90000"/>
       </a:schemeClr>
     </dgm:fillClrLst>
-    <dgm:linClrLst>
-      <a:schemeClr val="accent5">
+    <dgm:linClrLst meth="repeat">
+      <a:schemeClr val="accent1">
+        <a:alpha val="90000"/>
         <a:tint val="40000"/>
-        <a:alpha val="90000"/>
-      </a:schemeClr>
-      <a:schemeClr val="accent5">
-        <a:tint val="40000"/>
-        <a:alpha val="90000"/>
       </a:schemeClr>
     </dgm:linClrLst>
     <dgm:effectClrLst/>
@@ -2266,24 +2245,16 @@
     <dgm:txEffectClrLst/>
   </dgm:styleLbl>
   <dgm:styleLbl name="alignAccFollowNode1">
-    <dgm:fillClrLst>
-      <a:schemeClr val="accent5">
+    <dgm:fillClrLst meth="repeat">
+      <a:schemeClr val="accent1">
+        <a:alpha val="90000"/>
         <a:tint val="40000"/>
-        <a:alpha val="90000"/>
-      </a:schemeClr>
-      <a:schemeClr val="accent6">
-        <a:tint val="40000"/>
-        <a:alpha val="90000"/>
       </a:schemeClr>
     </dgm:fillClrLst>
-    <dgm:linClrLst>
-      <a:schemeClr val="accent5">
+    <dgm:linClrLst meth="repeat">
+      <a:schemeClr val="accent1">
+        <a:alpha val="90000"/>
         <a:tint val="40000"/>
-        <a:alpha val="90000"/>
-      </a:schemeClr>
-      <a:schemeClr val="accent6">
-        <a:tint val="40000"/>
-        <a:alpha val="90000"/>
       </a:schemeClr>
     </dgm:linClrLst>
     <dgm:effectClrLst/>
@@ -2294,24 +2265,16 @@
     <dgm:txEffectClrLst/>
   </dgm:styleLbl>
   <dgm:styleLbl name="bgAccFollowNode1">
-    <dgm:fillClrLst>
-      <a:schemeClr val="accent5">
+    <dgm:fillClrLst meth="repeat">
+      <a:schemeClr val="accent1">
+        <a:alpha val="90000"/>
         <a:tint val="40000"/>
-        <a:alpha val="90000"/>
-      </a:schemeClr>
-      <a:schemeClr val="accent6">
-        <a:tint val="40000"/>
-        <a:alpha val="90000"/>
       </a:schemeClr>
     </dgm:fillClrLst>
-    <dgm:linClrLst>
-      <a:schemeClr val="accent5">
+    <dgm:linClrLst meth="repeat">
+      <a:schemeClr val="accent1">
+        <a:alpha val="90000"/>
         <a:tint val="40000"/>
-        <a:alpha val="90000"/>
-      </a:schemeClr>
-      <a:schemeClr val="accent6">
-        <a:tint val="40000"/>
-        <a:alpha val="90000"/>
       </a:schemeClr>
     </dgm:linClrLst>
     <dgm:effectClrLst/>
@@ -2327,39 +2290,7 @@
         <a:alpha val="90000"/>
       </a:schemeClr>
     </dgm:fillClrLst>
-    <dgm:linClrLst>
-      <a:schemeClr val="accent4"/>
-    </dgm:linClrLst>
-    <dgm:effectClrLst/>
-    <dgm:txLinClrLst/>
-    <dgm:txFillClrLst meth="repeat">
-      <a:schemeClr val="dk1"/>
-    </dgm:txFillClrLst>
-    <dgm:txEffectClrLst/>
-  </dgm:styleLbl>
-  <dgm:styleLbl name="fgAcc2">
-    <dgm:fillClrLst meth="repeat">
-      <a:schemeClr val="lt1">
-        <a:alpha val="90000"/>
-      </a:schemeClr>
-    </dgm:fillClrLst>
-    <dgm:linClrLst>
-      <a:schemeClr val="accent6"/>
-    </dgm:linClrLst>
-    <dgm:effectClrLst/>
-    <dgm:txLinClrLst/>
-    <dgm:txFillClrLst meth="repeat">
-      <a:schemeClr val="dk1"/>
-    </dgm:txFillClrLst>
-    <dgm:txEffectClrLst/>
-  </dgm:styleLbl>
-  <dgm:styleLbl name="fgAcc3">
-    <dgm:fillClrLst meth="repeat">
-      <a:schemeClr val="lt1">
-        <a:alpha val="90000"/>
-      </a:schemeClr>
-    </dgm:fillClrLst>
-    <dgm:linClrLst>
+    <dgm:linClrLst meth="repeat">
       <a:schemeClr val="accent1"/>
     </dgm:linClrLst>
     <dgm:effectClrLst/>
@@ -2369,14 +2300,14 @@
     </dgm:txFillClrLst>
     <dgm:txEffectClrLst/>
   </dgm:styleLbl>
-  <dgm:styleLbl name="fgAcc4">
+  <dgm:styleLbl name="fgAcc2">
     <dgm:fillClrLst meth="repeat">
       <a:schemeClr val="lt1">
         <a:alpha val="90000"/>
       </a:schemeClr>
     </dgm:fillClrLst>
-    <dgm:linClrLst>
-      <a:schemeClr val="accent2"/>
+    <dgm:linClrLst meth="repeat">
+      <a:schemeClr val="accent1"/>
     </dgm:linClrLst>
     <dgm:effectClrLst/>
     <dgm:txLinClrLst/>
@@ -2385,14 +2316,14 @@
     </dgm:txFillClrLst>
     <dgm:txEffectClrLst/>
   </dgm:styleLbl>
-  <dgm:styleLbl name="bgShp">
+  <dgm:styleLbl name="fgAcc3">
     <dgm:fillClrLst meth="repeat">
-      <a:schemeClr val="accent5">
-        <a:tint val="40000"/>
+      <a:schemeClr val="lt1">
+        <a:alpha val="90000"/>
       </a:schemeClr>
     </dgm:fillClrLst>
     <dgm:linClrLst meth="repeat">
-      <a:schemeClr val="dk1"/>
+      <a:schemeClr val="accent1"/>
     </dgm:linClrLst>
     <dgm:effectClrLst/>
     <dgm:txLinClrLst/>
@@ -2401,14 +2332,46 @@
     </dgm:txFillClrLst>
     <dgm:txEffectClrLst/>
   </dgm:styleLbl>
-  <dgm:styleLbl name="dkBgShp">
+  <dgm:styleLbl name="fgAcc4">
     <dgm:fillClrLst meth="repeat">
-      <a:schemeClr val="accent5">
-        <a:shade val="90000"/>
+      <a:schemeClr val="lt1">
+        <a:alpha val="90000"/>
       </a:schemeClr>
     </dgm:fillClrLst>
     <dgm:linClrLst meth="repeat">
+      <a:schemeClr val="accent1"/>
+    </dgm:linClrLst>
+    <dgm:effectClrLst/>
+    <dgm:txLinClrLst/>
+    <dgm:txFillClrLst meth="repeat">
       <a:schemeClr val="dk1"/>
+    </dgm:txFillClrLst>
+    <dgm:txEffectClrLst/>
+  </dgm:styleLbl>
+  <dgm:styleLbl name="bgShp">
+    <dgm:fillClrLst meth="repeat">
+      <a:schemeClr val="accent1">
+        <a:tint val="40000"/>
+      </a:schemeClr>
+    </dgm:fillClrLst>
+    <dgm:linClrLst meth="repeat">
+      <a:schemeClr val="accent1"/>
+    </dgm:linClrLst>
+    <dgm:effectClrLst/>
+    <dgm:txLinClrLst/>
+    <dgm:txFillClrLst meth="repeat">
+      <a:schemeClr val="dk1"/>
+    </dgm:txFillClrLst>
+    <dgm:txEffectClrLst/>
+  </dgm:styleLbl>
+  <dgm:styleLbl name="dkBgShp">
+    <dgm:fillClrLst meth="repeat">
+      <a:schemeClr val="accent1">
+        <a:shade val="80000"/>
+      </a:schemeClr>
+    </dgm:fillClrLst>
+    <dgm:linClrLst meth="repeat">
+      <a:schemeClr val="accent1"/>
     </dgm:linClrLst>
     <dgm:effectClrLst/>
     <dgm:txLinClrLst/>
@@ -2419,13 +2382,13 @@
   </dgm:styleLbl>
   <dgm:styleLbl name="trBgShp">
     <dgm:fillClrLst meth="repeat">
-      <a:schemeClr val="accent5">
+      <a:schemeClr val="accent1">
         <a:tint val="50000"/>
         <a:alpha val="40000"/>
       </a:schemeClr>
     </dgm:fillClrLst>
     <dgm:linClrLst meth="repeat">
-      <a:schemeClr val="accent5"/>
+      <a:schemeClr val="accent1"/>
     </dgm:linClrLst>
     <dgm:effectClrLst/>
     <dgm:txLinClrLst/>
@@ -2436,8 +2399,8 @@
   </dgm:styleLbl>
   <dgm:styleLbl name="fgShp">
     <dgm:fillClrLst meth="repeat">
-      <a:schemeClr val="accent5">
-        <a:tint val="40000"/>
+      <a:schemeClr val="accent1">
+        <a:tint val="60000"/>
       </a:schemeClr>
     </dgm:fillClrLst>
     <dgm:linClrLst meth="repeat">
@@ -2731,278 +2694,8 @@
 <file path=ppt/diagrams/data2.xml><?xml version="1.0" encoding="utf-8"?>
 <dgm:dataModel xmlns:dgm="http://schemas.openxmlformats.org/drawingml/2006/diagram" xmlns:a="http://schemas.openxmlformats.org/drawingml/2006/main">
   <dgm:ptLst>
-    <dgm:pt modelId="{CC30BE26-F1EC-4077-8FBD-152CAEEF4AF9}" type="doc">
-      <dgm:prSet loTypeId="urn:microsoft.com/office/officeart/2005/8/layout/list1" loCatId="list" qsTypeId="urn:microsoft.com/office/officeart/2005/8/quickstyle/simple1" qsCatId="simple" csTypeId="urn:microsoft.com/office/officeart/2005/8/colors/colorful5" csCatId="colorful"/>
-      <dgm:spPr/>
-      <dgm:t>
-        <a:bodyPr/>
-        <a:lstStyle/>
-        <a:p>
-          <a:endParaRPr lang="en-US"/>
-        </a:p>
-      </dgm:t>
-    </dgm:pt>
-    <dgm:pt modelId="{76521B6B-24BB-4CDB-AB78-9FFBA65BA46C}">
-      <dgm:prSet/>
-      <dgm:spPr/>
-      <dgm:t>
-        <a:bodyPr/>
-        <a:lstStyle/>
-        <a:p>
-          <a:r>
-            <a:rPr lang="fr-FR"/>
-            <a:t>L’architecture traditionnelle</a:t>
-          </a:r>
-          <a:endParaRPr lang="en-US"/>
-        </a:p>
-      </dgm:t>
-    </dgm:pt>
-    <dgm:pt modelId="{0945C00F-3FBB-4340-8539-556607BE3A10}" type="parTrans" cxnId="{42B23DA4-F602-4F45-BC2A-2F295192D511}">
-      <dgm:prSet/>
-      <dgm:spPr/>
-      <dgm:t>
-        <a:bodyPr/>
-        <a:lstStyle/>
-        <a:p>
-          <a:endParaRPr lang="en-US"/>
-        </a:p>
-      </dgm:t>
-    </dgm:pt>
-    <dgm:pt modelId="{C4CC2381-C7A2-444E-984F-335D20C27673}" type="sibTrans" cxnId="{42B23DA4-F602-4F45-BC2A-2F295192D511}">
-      <dgm:prSet/>
-      <dgm:spPr/>
-      <dgm:t>
-        <a:bodyPr/>
-        <a:lstStyle/>
-        <a:p>
-          <a:endParaRPr lang="en-US"/>
-        </a:p>
-      </dgm:t>
-    </dgm:pt>
-    <dgm:pt modelId="{AD998F3C-436F-46CA-80AA-B3DB3FDE01C1}">
-      <dgm:prSet/>
-      <dgm:spPr/>
-      <dgm:t>
-        <a:bodyPr/>
-        <a:lstStyle/>
-        <a:p>
-          <a:r>
-            <a:rPr lang="fr-FR"/>
-            <a:t>La virtualisation</a:t>
-          </a:r>
-          <a:endParaRPr lang="en-US"/>
-        </a:p>
-      </dgm:t>
-    </dgm:pt>
-    <dgm:pt modelId="{110D48EF-D54A-434C-AE12-391B37249F83}" type="parTrans" cxnId="{43E41A3A-B329-4D63-90BF-56C0880877B3}">
-      <dgm:prSet/>
-      <dgm:spPr/>
-      <dgm:t>
-        <a:bodyPr/>
-        <a:lstStyle/>
-        <a:p>
-          <a:endParaRPr lang="en-US"/>
-        </a:p>
-      </dgm:t>
-    </dgm:pt>
-    <dgm:pt modelId="{5BE2F122-C62F-43AC-9806-03F3E55E18CA}" type="sibTrans" cxnId="{43E41A3A-B329-4D63-90BF-56C0880877B3}">
-      <dgm:prSet/>
-      <dgm:spPr/>
-      <dgm:t>
-        <a:bodyPr/>
-        <a:lstStyle/>
-        <a:p>
-          <a:endParaRPr lang="en-US"/>
-        </a:p>
-      </dgm:t>
-    </dgm:pt>
-    <dgm:pt modelId="{A5A1C5AE-2181-4DA3-BA99-FC2D9AF67542}">
-      <dgm:prSet/>
-      <dgm:spPr/>
-      <dgm:t>
-        <a:bodyPr/>
-        <a:lstStyle/>
-        <a:p>
-          <a:r>
-            <a:rPr lang="fr-FR"/>
-            <a:t>La conteneurisation</a:t>
-          </a:r>
-          <a:endParaRPr lang="en-US"/>
-        </a:p>
-      </dgm:t>
-    </dgm:pt>
-    <dgm:pt modelId="{79E78A3B-BF52-4425-AE98-889E3564B4BF}" type="parTrans" cxnId="{44DD267A-05AE-4D77-833D-023A37584FF1}">
-      <dgm:prSet/>
-      <dgm:spPr/>
-      <dgm:t>
-        <a:bodyPr/>
-        <a:lstStyle/>
-        <a:p>
-          <a:endParaRPr lang="en-US"/>
-        </a:p>
-      </dgm:t>
-    </dgm:pt>
-    <dgm:pt modelId="{67E74976-E8F8-42CA-95A0-54E7D0508D44}" type="sibTrans" cxnId="{44DD267A-05AE-4D77-833D-023A37584FF1}">
-      <dgm:prSet/>
-      <dgm:spPr/>
-      <dgm:t>
-        <a:bodyPr/>
-        <a:lstStyle/>
-        <a:p>
-          <a:endParaRPr lang="en-US"/>
-        </a:p>
-      </dgm:t>
-    </dgm:pt>
-    <dgm:pt modelId="{73211658-6AB3-48EC-A3D7-FCE12F4D1DFB}" type="pres">
-      <dgm:prSet presAssocID="{CC30BE26-F1EC-4077-8FBD-152CAEEF4AF9}" presName="linear" presStyleCnt="0">
-        <dgm:presLayoutVars>
-          <dgm:dir/>
-          <dgm:animLvl val="lvl"/>
-          <dgm:resizeHandles val="exact"/>
-        </dgm:presLayoutVars>
-      </dgm:prSet>
-      <dgm:spPr/>
-    </dgm:pt>
-    <dgm:pt modelId="{9F0C5D02-DA94-4123-8C55-664E4863ED44}" type="pres">
-      <dgm:prSet presAssocID="{76521B6B-24BB-4CDB-AB78-9FFBA65BA46C}" presName="parentLin" presStyleCnt="0"/>
-      <dgm:spPr/>
-    </dgm:pt>
-    <dgm:pt modelId="{FF393C64-976F-4F10-BBCC-2989A9D6DAF5}" type="pres">
-      <dgm:prSet presAssocID="{76521B6B-24BB-4CDB-AB78-9FFBA65BA46C}" presName="parentLeftMargin" presStyleLbl="node1" presStyleIdx="0" presStyleCnt="3"/>
-      <dgm:spPr/>
-    </dgm:pt>
-    <dgm:pt modelId="{60ABE095-FE64-49AA-94DA-5A475980F386}" type="pres">
-      <dgm:prSet presAssocID="{76521B6B-24BB-4CDB-AB78-9FFBA65BA46C}" presName="parentText" presStyleLbl="node1" presStyleIdx="0" presStyleCnt="3">
-        <dgm:presLayoutVars>
-          <dgm:chMax val="0"/>
-          <dgm:bulletEnabled val="1"/>
-        </dgm:presLayoutVars>
-      </dgm:prSet>
-      <dgm:spPr/>
-    </dgm:pt>
-    <dgm:pt modelId="{2DF82449-DB8A-4C3F-8861-4999482E5BF5}" type="pres">
-      <dgm:prSet presAssocID="{76521B6B-24BB-4CDB-AB78-9FFBA65BA46C}" presName="negativeSpace" presStyleCnt="0"/>
-      <dgm:spPr/>
-    </dgm:pt>
-    <dgm:pt modelId="{D43E7950-9530-4923-96A8-FB4CF22DCB97}" type="pres">
-      <dgm:prSet presAssocID="{76521B6B-24BB-4CDB-AB78-9FFBA65BA46C}" presName="childText" presStyleLbl="conFgAcc1" presStyleIdx="0" presStyleCnt="3">
-        <dgm:presLayoutVars>
-          <dgm:bulletEnabled val="1"/>
-        </dgm:presLayoutVars>
-      </dgm:prSet>
-      <dgm:spPr/>
-    </dgm:pt>
-    <dgm:pt modelId="{410D2D5C-7194-4141-A37D-1F716BD5312E}" type="pres">
-      <dgm:prSet presAssocID="{C4CC2381-C7A2-444E-984F-335D20C27673}" presName="spaceBetweenRectangles" presStyleCnt="0"/>
-      <dgm:spPr/>
-    </dgm:pt>
-    <dgm:pt modelId="{93AAE561-F7A9-4A7E-BCDD-69CA46CCFAEF}" type="pres">
-      <dgm:prSet presAssocID="{AD998F3C-436F-46CA-80AA-B3DB3FDE01C1}" presName="parentLin" presStyleCnt="0"/>
-      <dgm:spPr/>
-    </dgm:pt>
-    <dgm:pt modelId="{5EAA7D7C-06D3-45F8-A378-03E248523EBF}" type="pres">
-      <dgm:prSet presAssocID="{AD998F3C-436F-46CA-80AA-B3DB3FDE01C1}" presName="parentLeftMargin" presStyleLbl="node1" presStyleIdx="0" presStyleCnt="3"/>
-      <dgm:spPr/>
-    </dgm:pt>
-    <dgm:pt modelId="{21031297-E223-49C8-97A2-20830CD9D5D4}" type="pres">
-      <dgm:prSet presAssocID="{AD998F3C-436F-46CA-80AA-B3DB3FDE01C1}" presName="parentText" presStyleLbl="node1" presStyleIdx="1" presStyleCnt="3">
-        <dgm:presLayoutVars>
-          <dgm:chMax val="0"/>
-          <dgm:bulletEnabled val="1"/>
-        </dgm:presLayoutVars>
-      </dgm:prSet>
-      <dgm:spPr/>
-    </dgm:pt>
-    <dgm:pt modelId="{7FCE89C0-4668-47AD-B25A-575E7063B70F}" type="pres">
-      <dgm:prSet presAssocID="{AD998F3C-436F-46CA-80AA-B3DB3FDE01C1}" presName="negativeSpace" presStyleCnt="0"/>
-      <dgm:spPr/>
-    </dgm:pt>
-    <dgm:pt modelId="{12CF664F-AB83-413D-9F29-A3B198160327}" type="pres">
-      <dgm:prSet presAssocID="{AD998F3C-436F-46CA-80AA-B3DB3FDE01C1}" presName="childText" presStyleLbl="conFgAcc1" presStyleIdx="1" presStyleCnt="3">
-        <dgm:presLayoutVars>
-          <dgm:bulletEnabled val="1"/>
-        </dgm:presLayoutVars>
-      </dgm:prSet>
-      <dgm:spPr/>
-    </dgm:pt>
-    <dgm:pt modelId="{DF967123-741D-45BE-AC24-4DD48080A1FD}" type="pres">
-      <dgm:prSet presAssocID="{5BE2F122-C62F-43AC-9806-03F3E55E18CA}" presName="spaceBetweenRectangles" presStyleCnt="0"/>
-      <dgm:spPr/>
-    </dgm:pt>
-    <dgm:pt modelId="{5C71D46F-4FE9-4541-875B-E979C698B5BF}" type="pres">
-      <dgm:prSet presAssocID="{A5A1C5AE-2181-4DA3-BA99-FC2D9AF67542}" presName="parentLin" presStyleCnt="0"/>
-      <dgm:spPr/>
-    </dgm:pt>
-    <dgm:pt modelId="{F02B1838-66DB-400C-88FD-B6E4E4950E52}" type="pres">
-      <dgm:prSet presAssocID="{A5A1C5AE-2181-4DA3-BA99-FC2D9AF67542}" presName="parentLeftMargin" presStyleLbl="node1" presStyleIdx="1" presStyleCnt="3"/>
-      <dgm:spPr/>
-    </dgm:pt>
-    <dgm:pt modelId="{50A02DBA-93F0-40A1-815F-AE2E38535FFD}" type="pres">
-      <dgm:prSet presAssocID="{A5A1C5AE-2181-4DA3-BA99-FC2D9AF67542}" presName="parentText" presStyleLbl="node1" presStyleIdx="2" presStyleCnt="3">
-        <dgm:presLayoutVars>
-          <dgm:chMax val="0"/>
-          <dgm:bulletEnabled val="1"/>
-        </dgm:presLayoutVars>
-      </dgm:prSet>
-      <dgm:spPr/>
-    </dgm:pt>
-    <dgm:pt modelId="{D9F002AD-1765-4E4F-94F9-70793E748C71}" type="pres">
-      <dgm:prSet presAssocID="{A5A1C5AE-2181-4DA3-BA99-FC2D9AF67542}" presName="negativeSpace" presStyleCnt="0"/>
-      <dgm:spPr/>
-    </dgm:pt>
-    <dgm:pt modelId="{C5C26921-8DB5-4F89-8C6A-34055847D947}" type="pres">
-      <dgm:prSet presAssocID="{A5A1C5AE-2181-4DA3-BA99-FC2D9AF67542}" presName="childText" presStyleLbl="conFgAcc1" presStyleIdx="2" presStyleCnt="3">
-        <dgm:presLayoutVars>
-          <dgm:bulletEnabled val="1"/>
-        </dgm:presLayoutVars>
-      </dgm:prSet>
-      <dgm:spPr/>
-    </dgm:pt>
-  </dgm:ptLst>
-  <dgm:cxnLst>
-    <dgm:cxn modelId="{2DDF5E03-2A39-4770-A7E3-385D2542F966}" type="presOf" srcId="{76521B6B-24BB-4CDB-AB78-9FFBA65BA46C}" destId="{FF393C64-976F-4F10-BBCC-2989A9D6DAF5}" srcOrd="0" destOrd="0" presId="urn:microsoft.com/office/officeart/2005/8/layout/list1"/>
-    <dgm:cxn modelId="{43E41A3A-B329-4D63-90BF-56C0880877B3}" srcId="{CC30BE26-F1EC-4077-8FBD-152CAEEF4AF9}" destId="{AD998F3C-436F-46CA-80AA-B3DB3FDE01C1}" srcOrd="1" destOrd="0" parTransId="{110D48EF-D54A-434C-AE12-391B37249F83}" sibTransId="{5BE2F122-C62F-43AC-9806-03F3E55E18CA}"/>
-    <dgm:cxn modelId="{7516AE3B-6776-475F-BFB9-DDCEBF86D436}" type="presOf" srcId="{A5A1C5AE-2181-4DA3-BA99-FC2D9AF67542}" destId="{50A02DBA-93F0-40A1-815F-AE2E38535FFD}" srcOrd="1" destOrd="0" presId="urn:microsoft.com/office/officeart/2005/8/layout/list1"/>
-    <dgm:cxn modelId="{94A5EA52-FA61-4166-B13F-B05B31AF017F}" type="presOf" srcId="{AD998F3C-436F-46CA-80AA-B3DB3FDE01C1}" destId="{21031297-E223-49C8-97A2-20830CD9D5D4}" srcOrd="1" destOrd="0" presId="urn:microsoft.com/office/officeart/2005/8/layout/list1"/>
-    <dgm:cxn modelId="{44DD267A-05AE-4D77-833D-023A37584FF1}" srcId="{CC30BE26-F1EC-4077-8FBD-152CAEEF4AF9}" destId="{A5A1C5AE-2181-4DA3-BA99-FC2D9AF67542}" srcOrd="2" destOrd="0" parTransId="{79E78A3B-BF52-4425-AE98-889E3564B4BF}" sibTransId="{67E74976-E8F8-42CA-95A0-54E7D0508D44}"/>
-    <dgm:cxn modelId="{2EE08E8C-885A-4446-8F1C-3AC7FDA05365}" type="presOf" srcId="{AD998F3C-436F-46CA-80AA-B3DB3FDE01C1}" destId="{5EAA7D7C-06D3-45F8-A378-03E248523EBF}" srcOrd="0" destOrd="0" presId="urn:microsoft.com/office/officeart/2005/8/layout/list1"/>
-    <dgm:cxn modelId="{DC336699-8628-4CD0-A0AD-D4A9F82D2351}" type="presOf" srcId="{A5A1C5AE-2181-4DA3-BA99-FC2D9AF67542}" destId="{F02B1838-66DB-400C-88FD-B6E4E4950E52}" srcOrd="0" destOrd="0" presId="urn:microsoft.com/office/officeart/2005/8/layout/list1"/>
-    <dgm:cxn modelId="{15540C9A-1E19-48F6-9483-21CC70AED3FD}" type="presOf" srcId="{CC30BE26-F1EC-4077-8FBD-152CAEEF4AF9}" destId="{73211658-6AB3-48EC-A3D7-FCE12F4D1DFB}" srcOrd="0" destOrd="0" presId="urn:microsoft.com/office/officeart/2005/8/layout/list1"/>
-    <dgm:cxn modelId="{42B23DA4-F602-4F45-BC2A-2F295192D511}" srcId="{CC30BE26-F1EC-4077-8FBD-152CAEEF4AF9}" destId="{76521B6B-24BB-4CDB-AB78-9FFBA65BA46C}" srcOrd="0" destOrd="0" parTransId="{0945C00F-3FBB-4340-8539-556607BE3A10}" sibTransId="{C4CC2381-C7A2-444E-984F-335D20C27673}"/>
-    <dgm:cxn modelId="{BD87FDDF-25BE-4DB1-9F4E-A013DD380803}" type="presOf" srcId="{76521B6B-24BB-4CDB-AB78-9FFBA65BA46C}" destId="{60ABE095-FE64-49AA-94DA-5A475980F386}" srcOrd="1" destOrd="0" presId="urn:microsoft.com/office/officeart/2005/8/layout/list1"/>
-    <dgm:cxn modelId="{D6F3BBCE-BFA6-4895-9D37-1BDD4DBABBA3}" type="presParOf" srcId="{73211658-6AB3-48EC-A3D7-FCE12F4D1DFB}" destId="{9F0C5D02-DA94-4123-8C55-664E4863ED44}" srcOrd="0" destOrd="0" presId="urn:microsoft.com/office/officeart/2005/8/layout/list1"/>
-    <dgm:cxn modelId="{7DA33B72-8735-4BE0-BF6F-7FD99CB5C93F}" type="presParOf" srcId="{9F0C5D02-DA94-4123-8C55-664E4863ED44}" destId="{FF393C64-976F-4F10-BBCC-2989A9D6DAF5}" srcOrd="0" destOrd="0" presId="urn:microsoft.com/office/officeart/2005/8/layout/list1"/>
-    <dgm:cxn modelId="{CC94DFBD-4D4D-44EE-AD8F-6EA0C28F48B0}" type="presParOf" srcId="{9F0C5D02-DA94-4123-8C55-664E4863ED44}" destId="{60ABE095-FE64-49AA-94DA-5A475980F386}" srcOrd="1" destOrd="0" presId="urn:microsoft.com/office/officeart/2005/8/layout/list1"/>
-    <dgm:cxn modelId="{1D7210CF-2C6C-449C-BAA9-D72B5011956D}" type="presParOf" srcId="{73211658-6AB3-48EC-A3D7-FCE12F4D1DFB}" destId="{2DF82449-DB8A-4C3F-8861-4999482E5BF5}" srcOrd="1" destOrd="0" presId="urn:microsoft.com/office/officeart/2005/8/layout/list1"/>
-    <dgm:cxn modelId="{3D5BE26D-94FF-4C5E-BA5F-48E7AE7D7E63}" type="presParOf" srcId="{73211658-6AB3-48EC-A3D7-FCE12F4D1DFB}" destId="{D43E7950-9530-4923-96A8-FB4CF22DCB97}" srcOrd="2" destOrd="0" presId="urn:microsoft.com/office/officeart/2005/8/layout/list1"/>
-    <dgm:cxn modelId="{E07678FD-7421-416F-8BAF-C7BECE2E19F2}" type="presParOf" srcId="{73211658-6AB3-48EC-A3D7-FCE12F4D1DFB}" destId="{410D2D5C-7194-4141-A37D-1F716BD5312E}" srcOrd="3" destOrd="0" presId="urn:microsoft.com/office/officeart/2005/8/layout/list1"/>
-    <dgm:cxn modelId="{F9B977E3-19F4-418C-B4D9-25AC1D54E5EE}" type="presParOf" srcId="{73211658-6AB3-48EC-A3D7-FCE12F4D1DFB}" destId="{93AAE561-F7A9-4A7E-BCDD-69CA46CCFAEF}" srcOrd="4" destOrd="0" presId="urn:microsoft.com/office/officeart/2005/8/layout/list1"/>
-    <dgm:cxn modelId="{D1DBB07C-AC6D-477B-8349-164F6B3323EA}" type="presParOf" srcId="{93AAE561-F7A9-4A7E-BCDD-69CA46CCFAEF}" destId="{5EAA7D7C-06D3-45F8-A378-03E248523EBF}" srcOrd="0" destOrd="0" presId="urn:microsoft.com/office/officeart/2005/8/layout/list1"/>
-    <dgm:cxn modelId="{21C2F1F6-9F26-405D-B4AC-F83E99DC9581}" type="presParOf" srcId="{93AAE561-F7A9-4A7E-BCDD-69CA46CCFAEF}" destId="{21031297-E223-49C8-97A2-20830CD9D5D4}" srcOrd="1" destOrd="0" presId="urn:microsoft.com/office/officeart/2005/8/layout/list1"/>
-    <dgm:cxn modelId="{B651A1DA-0734-4A37-8A66-5CFCA8DC93FD}" type="presParOf" srcId="{73211658-6AB3-48EC-A3D7-FCE12F4D1DFB}" destId="{7FCE89C0-4668-47AD-B25A-575E7063B70F}" srcOrd="5" destOrd="0" presId="urn:microsoft.com/office/officeart/2005/8/layout/list1"/>
-    <dgm:cxn modelId="{9F9C9559-DD4E-46D9-9726-78E36F54F5AD}" type="presParOf" srcId="{73211658-6AB3-48EC-A3D7-FCE12F4D1DFB}" destId="{12CF664F-AB83-413D-9F29-A3B198160327}" srcOrd="6" destOrd="0" presId="urn:microsoft.com/office/officeart/2005/8/layout/list1"/>
-    <dgm:cxn modelId="{E74CCE84-7BF9-4E5F-8881-1C7B1F668952}" type="presParOf" srcId="{73211658-6AB3-48EC-A3D7-FCE12F4D1DFB}" destId="{DF967123-741D-45BE-AC24-4DD48080A1FD}" srcOrd="7" destOrd="0" presId="urn:microsoft.com/office/officeart/2005/8/layout/list1"/>
-    <dgm:cxn modelId="{7DF1A263-2F9D-45C7-B405-62A2637C5F17}" type="presParOf" srcId="{73211658-6AB3-48EC-A3D7-FCE12F4D1DFB}" destId="{5C71D46F-4FE9-4541-875B-E979C698B5BF}" srcOrd="8" destOrd="0" presId="urn:microsoft.com/office/officeart/2005/8/layout/list1"/>
-    <dgm:cxn modelId="{32496195-CAE6-40E4-ADCA-2149627AD4C6}" type="presParOf" srcId="{5C71D46F-4FE9-4541-875B-E979C698B5BF}" destId="{F02B1838-66DB-400C-88FD-B6E4E4950E52}" srcOrd="0" destOrd="0" presId="urn:microsoft.com/office/officeart/2005/8/layout/list1"/>
-    <dgm:cxn modelId="{65585AFC-3AA4-4859-88EE-2C1808DBC2FD}" type="presParOf" srcId="{5C71D46F-4FE9-4541-875B-E979C698B5BF}" destId="{50A02DBA-93F0-40A1-815F-AE2E38535FFD}" srcOrd="1" destOrd="0" presId="urn:microsoft.com/office/officeart/2005/8/layout/list1"/>
-    <dgm:cxn modelId="{64B18DAA-3C63-4A48-8D45-9DE29B6ADAD9}" type="presParOf" srcId="{73211658-6AB3-48EC-A3D7-FCE12F4D1DFB}" destId="{D9F002AD-1765-4E4F-94F9-70793E748C71}" srcOrd="9" destOrd="0" presId="urn:microsoft.com/office/officeart/2005/8/layout/list1"/>
-    <dgm:cxn modelId="{FCAF9B68-B223-4798-9B47-86BD6BA5E1F4}" type="presParOf" srcId="{73211658-6AB3-48EC-A3D7-FCE12F4D1DFB}" destId="{C5C26921-8DB5-4F89-8C6A-34055847D947}" srcOrd="10" destOrd="0" presId="urn:microsoft.com/office/officeart/2005/8/layout/list1"/>
-  </dgm:cxnLst>
-  <dgm:bg/>
-  <dgm:whole/>
-  <dgm:extLst>
-    <a:ext uri="http://schemas.microsoft.com/office/drawing/2008/diagram">
-      <dsp:dataModelExt xmlns:dsp="http://schemas.microsoft.com/office/drawing/2008/diagram" relId="rId6" minVer="http://schemas.openxmlformats.org/drawingml/2006/diagram"/>
-    </a:ext>
-  </dgm:extLst>
-</dgm:dataModel>
-</file>
-
-<file path=ppt/diagrams/data3.xml><?xml version="1.0" encoding="utf-8"?>
-<dgm:dataModel xmlns:dgm="http://schemas.openxmlformats.org/drawingml/2006/diagram" xmlns:a="http://schemas.openxmlformats.org/drawingml/2006/main">
-  <dgm:ptLst>
     <dgm:pt modelId="{3E716A25-69D3-4A6D-9FC9-EEC8EAD37375}" type="doc">
-      <dgm:prSet loTypeId="urn:microsoft.com/office/officeart/2005/8/layout/vList2" loCatId="list" qsTypeId="urn:microsoft.com/office/officeart/2005/8/quickstyle/simple1" qsCatId="simple" csTypeId="urn:microsoft.com/office/officeart/2005/8/colors/colorful5" csCatId="colorful"/>
+      <dgm:prSet loTypeId="urn:microsoft.com/office/officeart/2005/8/layout/vList2" loCatId="list" qsTypeId="urn:microsoft.com/office/officeart/2005/8/quickstyle/simple1" qsCatId="simple" csTypeId="urn:microsoft.com/office/officeart/2005/8/colors/colorful5" csCatId="colorful" phldr="1"/>
       <dgm:spPr/>
       <dgm:t>
         <a:bodyPr/>
@@ -3168,10 +2861,10 @@
         <a:lstStyle/>
         <a:p>
           <a:r>
-            <a:rPr lang="fr-FR"/>
-            <a:t>Commandes Docker</a:t>
+            <a:rPr lang="fr-FR" dirty="0"/>
+            <a:t>Des fonctionnalités Docker</a:t>
           </a:r>
-          <a:endParaRPr lang="en-US"/>
+          <a:endParaRPr lang="en-US" dirty="0"/>
         </a:p>
       </dgm:t>
     </dgm:pt>
@@ -3289,6 +2982,199 @@
     <dgm:cxn modelId="{0C6972F5-4CF8-4776-85AC-BAC114526BA5}" type="presParOf" srcId="{1DA91748-FC28-44BD-B677-BE089DAFDBA4}" destId="{46A17985-4E71-45F1-9263-0B389DD166F0}" srcOrd="6" destOrd="0" presId="urn:microsoft.com/office/officeart/2005/8/layout/vList2"/>
     <dgm:cxn modelId="{24B30DD4-50B7-43C5-88E3-A07B1C2A7311}" type="presParOf" srcId="{1DA91748-FC28-44BD-B677-BE089DAFDBA4}" destId="{E9DAB214-AE24-4EE9-BB3E-57A2EE48CE0B}" srcOrd="7" destOrd="0" presId="urn:microsoft.com/office/officeart/2005/8/layout/vList2"/>
     <dgm:cxn modelId="{A615785A-AF61-42C6-8E14-BDD15F6FB2CE}" type="presParOf" srcId="{1DA91748-FC28-44BD-B677-BE089DAFDBA4}" destId="{FDB73E89-EE95-41FD-80C2-3041A128AE10}" srcOrd="8" destOrd="0" presId="urn:microsoft.com/office/officeart/2005/8/layout/vList2"/>
+  </dgm:cxnLst>
+  <dgm:bg/>
+  <dgm:whole/>
+  <dgm:extLst>
+    <a:ext uri="http://schemas.microsoft.com/office/drawing/2008/diagram">
+      <dsp:dataModelExt xmlns:dsp="http://schemas.microsoft.com/office/drawing/2008/diagram" relId="rId6" minVer="http://schemas.openxmlformats.org/drawingml/2006/diagram"/>
+    </a:ext>
+  </dgm:extLst>
+</dgm:dataModel>
+</file>
+
+<file path=ppt/diagrams/data3.xml><?xml version="1.0" encoding="utf-8"?>
+<dgm:dataModel xmlns:dgm="http://schemas.openxmlformats.org/drawingml/2006/diagram" xmlns:a="http://schemas.openxmlformats.org/drawingml/2006/main">
+  <dgm:ptLst>
+    <dgm:pt modelId="{1948971B-08A8-454C-A681-B5776C8C77BC}" type="doc">
+      <dgm:prSet loTypeId="urn:microsoft.com/office/officeart/2005/8/layout/chevron1" loCatId="process" qsTypeId="urn:microsoft.com/office/officeart/2005/8/quickstyle/simple1" qsCatId="simple" csTypeId="urn:microsoft.com/office/officeart/2005/8/colors/accent1_2" csCatId="accent1" phldr="1"/>
+      <dgm:spPr/>
+    </dgm:pt>
+    <dgm:pt modelId="{71272BE0-5C51-45FF-9537-4F05C4A698F4}">
+      <dgm:prSet phldrT="[Text]"/>
+      <dgm:spPr/>
+      <dgm:t>
+        <a:bodyPr/>
+        <a:lstStyle/>
+        <a:p>
+          <a:r>
+            <a:rPr lang="fr-FR" dirty="0"/>
+            <a:t>Docker image</a:t>
+          </a:r>
+        </a:p>
+      </dgm:t>
+    </dgm:pt>
+    <dgm:pt modelId="{550A85F8-27D3-4510-8F26-34BB796372BA}" type="parTrans" cxnId="{E6D2BA7C-467B-45EA-AD2F-1DDF42D3EF02}">
+      <dgm:prSet/>
+      <dgm:spPr/>
+      <dgm:t>
+        <a:bodyPr/>
+        <a:lstStyle/>
+        <a:p>
+          <a:endParaRPr lang="fr-FR"/>
+        </a:p>
+      </dgm:t>
+    </dgm:pt>
+    <dgm:pt modelId="{F51F661A-4716-4451-93E0-9B4FE2F66108}" type="sibTrans" cxnId="{E6D2BA7C-467B-45EA-AD2F-1DDF42D3EF02}">
+      <dgm:prSet/>
+      <dgm:spPr/>
+      <dgm:t>
+        <a:bodyPr/>
+        <a:lstStyle/>
+        <a:p>
+          <a:endParaRPr lang="fr-FR"/>
+        </a:p>
+      </dgm:t>
+    </dgm:pt>
+    <dgm:pt modelId="{6F99FBD6-ABED-4B14-AE77-5B6B802A5A54}">
+      <dgm:prSet phldrT="[Text]"/>
+      <dgm:spPr/>
+      <dgm:t>
+        <a:bodyPr/>
+        <a:lstStyle/>
+        <a:p>
+          <a:r>
+            <a:rPr lang="fr-FR" dirty="0"/>
+            <a:t>Docker </a:t>
+          </a:r>
+          <a:r>
+            <a:rPr lang="fr-FR" dirty="0" err="1"/>
+            <a:t>Contianer</a:t>
+          </a:r>
+          <a:endParaRPr lang="fr-FR" dirty="0"/>
+        </a:p>
+      </dgm:t>
+    </dgm:pt>
+    <dgm:pt modelId="{60906A40-DEF0-4A6F-8020-751CC61F8D2C}" type="parTrans" cxnId="{B6252536-AE34-4837-B76B-B8E04F29886D}">
+      <dgm:prSet/>
+      <dgm:spPr/>
+      <dgm:t>
+        <a:bodyPr/>
+        <a:lstStyle/>
+        <a:p>
+          <a:endParaRPr lang="fr-FR"/>
+        </a:p>
+      </dgm:t>
+    </dgm:pt>
+    <dgm:pt modelId="{B9F43144-B505-4928-9806-30693DD99C00}" type="sibTrans" cxnId="{B6252536-AE34-4837-B76B-B8E04F29886D}">
+      <dgm:prSet/>
+      <dgm:spPr/>
+      <dgm:t>
+        <a:bodyPr/>
+        <a:lstStyle/>
+        <a:p>
+          <a:endParaRPr lang="fr-FR"/>
+        </a:p>
+      </dgm:t>
+    </dgm:pt>
+    <dgm:pt modelId="{A181F046-93D4-47BB-B241-8ACB4D219191}">
+      <dgm:prSet phldrT="[Text]"/>
+      <dgm:spPr/>
+      <dgm:t>
+        <a:bodyPr/>
+        <a:lstStyle/>
+        <a:p>
+          <a:r>
+            <a:rPr lang="fr-FR" dirty="0"/>
+            <a:t>Docker</a:t>
+          </a:r>
+        </a:p>
+      </dgm:t>
+    </dgm:pt>
+    <dgm:pt modelId="{09129E00-064B-4158-9C01-7F19F6FE8FDF}" type="sibTrans" cxnId="{8BC79B5C-3F0B-4704-9F33-F611634AD729}">
+      <dgm:prSet/>
+      <dgm:spPr/>
+      <dgm:t>
+        <a:bodyPr/>
+        <a:lstStyle/>
+        <a:p>
+          <a:endParaRPr lang="fr-FR"/>
+        </a:p>
+      </dgm:t>
+    </dgm:pt>
+    <dgm:pt modelId="{1F5D4ADE-8C1C-498E-B931-B21E52D0D00B}" type="parTrans" cxnId="{8BC79B5C-3F0B-4704-9F33-F611634AD729}">
+      <dgm:prSet/>
+      <dgm:spPr/>
+      <dgm:t>
+        <a:bodyPr/>
+        <a:lstStyle/>
+        <a:p>
+          <a:endParaRPr lang="fr-FR"/>
+        </a:p>
+      </dgm:t>
+    </dgm:pt>
+    <dgm:pt modelId="{8838F2FD-6CF1-40E3-B714-0F545E06554D}" type="pres">
+      <dgm:prSet presAssocID="{1948971B-08A8-454C-A681-B5776C8C77BC}" presName="Name0" presStyleCnt="0">
+        <dgm:presLayoutVars>
+          <dgm:dir/>
+          <dgm:animLvl val="lvl"/>
+          <dgm:resizeHandles val="exact"/>
+        </dgm:presLayoutVars>
+      </dgm:prSet>
+      <dgm:spPr/>
+    </dgm:pt>
+    <dgm:pt modelId="{F1F74A2C-A409-4BB4-B784-53C8A113003B}" type="pres">
+      <dgm:prSet presAssocID="{A181F046-93D4-47BB-B241-8ACB4D219191}" presName="parTxOnly" presStyleLbl="node1" presStyleIdx="0" presStyleCnt="3">
+        <dgm:presLayoutVars>
+          <dgm:chMax val="0"/>
+          <dgm:chPref val="0"/>
+          <dgm:bulletEnabled val="1"/>
+        </dgm:presLayoutVars>
+      </dgm:prSet>
+      <dgm:spPr/>
+    </dgm:pt>
+    <dgm:pt modelId="{50C66A8D-7D7E-4827-8120-93AF860F5422}" type="pres">
+      <dgm:prSet presAssocID="{09129E00-064B-4158-9C01-7F19F6FE8FDF}" presName="parTxOnlySpace" presStyleCnt="0"/>
+      <dgm:spPr/>
+    </dgm:pt>
+    <dgm:pt modelId="{F6554876-414D-49BA-A2F8-CE56E2E56738}" type="pres">
+      <dgm:prSet presAssocID="{71272BE0-5C51-45FF-9537-4F05C4A698F4}" presName="parTxOnly" presStyleLbl="node1" presStyleIdx="1" presStyleCnt="3">
+        <dgm:presLayoutVars>
+          <dgm:chMax val="0"/>
+          <dgm:chPref val="0"/>
+          <dgm:bulletEnabled val="1"/>
+        </dgm:presLayoutVars>
+      </dgm:prSet>
+      <dgm:spPr/>
+    </dgm:pt>
+    <dgm:pt modelId="{7C947098-3638-4A61-914D-B6E5EEBEDA5E}" type="pres">
+      <dgm:prSet presAssocID="{F51F661A-4716-4451-93E0-9B4FE2F66108}" presName="parTxOnlySpace" presStyleCnt="0"/>
+      <dgm:spPr/>
+    </dgm:pt>
+    <dgm:pt modelId="{0805FCDF-F8D1-4510-AC52-A17868EF8944}" type="pres">
+      <dgm:prSet presAssocID="{6F99FBD6-ABED-4B14-AE77-5B6B802A5A54}" presName="parTxOnly" presStyleLbl="node1" presStyleIdx="2" presStyleCnt="3">
+        <dgm:presLayoutVars>
+          <dgm:chMax val="0"/>
+          <dgm:chPref val="0"/>
+          <dgm:bulletEnabled val="1"/>
+        </dgm:presLayoutVars>
+      </dgm:prSet>
+      <dgm:spPr/>
+    </dgm:pt>
+  </dgm:ptLst>
+  <dgm:cxnLst>
+    <dgm:cxn modelId="{09801127-163A-40DF-A53C-482FE76311A4}" type="presOf" srcId="{1948971B-08A8-454C-A681-B5776C8C77BC}" destId="{8838F2FD-6CF1-40E3-B714-0F545E06554D}" srcOrd="0" destOrd="0" presId="urn:microsoft.com/office/officeart/2005/8/layout/chevron1"/>
+    <dgm:cxn modelId="{B6252536-AE34-4837-B76B-B8E04F29886D}" srcId="{1948971B-08A8-454C-A681-B5776C8C77BC}" destId="{6F99FBD6-ABED-4B14-AE77-5B6B802A5A54}" srcOrd="2" destOrd="0" parTransId="{60906A40-DEF0-4A6F-8020-751CC61F8D2C}" sibTransId="{B9F43144-B505-4928-9806-30693DD99C00}"/>
+    <dgm:cxn modelId="{8BC79B5C-3F0B-4704-9F33-F611634AD729}" srcId="{1948971B-08A8-454C-A681-B5776C8C77BC}" destId="{A181F046-93D4-47BB-B241-8ACB4D219191}" srcOrd="0" destOrd="0" parTransId="{1F5D4ADE-8C1C-498E-B931-B21E52D0D00B}" sibTransId="{09129E00-064B-4158-9C01-7F19F6FE8FDF}"/>
+    <dgm:cxn modelId="{B9D7EC7A-0B17-4EDC-A04E-7B9AA4B38D5F}" type="presOf" srcId="{A181F046-93D4-47BB-B241-8ACB4D219191}" destId="{F1F74A2C-A409-4BB4-B784-53C8A113003B}" srcOrd="0" destOrd="0" presId="urn:microsoft.com/office/officeart/2005/8/layout/chevron1"/>
+    <dgm:cxn modelId="{E6D2BA7C-467B-45EA-AD2F-1DDF42D3EF02}" srcId="{1948971B-08A8-454C-A681-B5776C8C77BC}" destId="{71272BE0-5C51-45FF-9537-4F05C4A698F4}" srcOrd="1" destOrd="0" parTransId="{550A85F8-27D3-4510-8F26-34BB796372BA}" sibTransId="{F51F661A-4716-4451-93E0-9B4FE2F66108}"/>
+    <dgm:cxn modelId="{9E07C08E-4234-40A1-B95F-6F0568BCBA9D}" type="presOf" srcId="{71272BE0-5C51-45FF-9537-4F05C4A698F4}" destId="{F6554876-414D-49BA-A2F8-CE56E2E56738}" srcOrd="0" destOrd="0" presId="urn:microsoft.com/office/officeart/2005/8/layout/chevron1"/>
+    <dgm:cxn modelId="{AEB878D5-5916-4367-82F8-4F984538F10D}" type="presOf" srcId="{6F99FBD6-ABED-4B14-AE77-5B6B802A5A54}" destId="{0805FCDF-F8D1-4510-AC52-A17868EF8944}" srcOrd="0" destOrd="0" presId="urn:microsoft.com/office/officeart/2005/8/layout/chevron1"/>
+    <dgm:cxn modelId="{5F0DD8DB-41D2-41F6-9EA6-DB15ED5101E6}" type="presParOf" srcId="{8838F2FD-6CF1-40E3-B714-0F545E06554D}" destId="{F1F74A2C-A409-4BB4-B784-53C8A113003B}" srcOrd="0" destOrd="0" presId="urn:microsoft.com/office/officeart/2005/8/layout/chevron1"/>
+    <dgm:cxn modelId="{6D757338-63F1-4038-A326-F177D2EE8271}" type="presParOf" srcId="{8838F2FD-6CF1-40E3-B714-0F545E06554D}" destId="{50C66A8D-7D7E-4827-8120-93AF860F5422}" srcOrd="1" destOrd="0" presId="urn:microsoft.com/office/officeart/2005/8/layout/chevron1"/>
+    <dgm:cxn modelId="{442EECA3-E9CF-4BF5-B60C-F37CD794E56C}" type="presParOf" srcId="{8838F2FD-6CF1-40E3-B714-0F545E06554D}" destId="{F6554876-414D-49BA-A2F8-CE56E2E56738}" srcOrd="2" destOrd="0" presId="urn:microsoft.com/office/officeart/2005/8/layout/chevron1"/>
+    <dgm:cxn modelId="{4223691D-5EB9-4822-BECD-277DBD63B046}" type="presParOf" srcId="{8838F2FD-6CF1-40E3-B714-0F545E06554D}" destId="{7C947098-3638-4A61-914D-B6E5EEBEDA5E}" srcOrd="3" destOrd="0" presId="urn:microsoft.com/office/officeart/2005/8/layout/chevron1"/>
+    <dgm:cxn modelId="{281CC0C8-8294-4F57-8469-F191A36EC8EC}" type="presParOf" srcId="{8838F2FD-6CF1-40E3-B714-0F545E06554D}" destId="{0805FCDF-F8D1-4510-AC52-A17868EF8944}" srcOrd="4" destOrd="0" presId="urn:microsoft.com/office/officeart/2005/8/layout/chevron1"/>
   </dgm:cxnLst>
   <dgm:bg/>
   <dgm:whole/>
@@ -3638,402 +3524,6 @@
 </file>
 
 <file path=ppt/diagrams/drawing2.xml><?xml version="1.0" encoding="utf-8"?>
-<dsp:drawing xmlns:dgm="http://schemas.openxmlformats.org/drawingml/2006/diagram" xmlns:dsp="http://schemas.microsoft.com/office/drawing/2008/diagram" xmlns:a="http://schemas.openxmlformats.org/drawingml/2006/main">
-  <dsp:spTree>
-    <dsp:nvGrpSpPr>
-      <dsp:cNvPr id="0" name=""/>
-      <dsp:cNvGrpSpPr/>
-    </dsp:nvGrpSpPr>
-    <dsp:grpSpPr/>
-    <dsp:sp modelId="{D43E7950-9530-4923-96A8-FB4CF22DCB97}">
-      <dsp:nvSpPr>
-        <dsp:cNvPr id="0" name=""/>
-        <dsp:cNvSpPr/>
-      </dsp:nvSpPr>
-      <dsp:spPr>
-        <a:xfrm>
-          <a:off x="0" y="1589003"/>
-          <a:ext cx="5257800" cy="579600"/>
-        </a:xfrm>
-        <a:prstGeom prst="rect">
-          <a:avLst/>
-        </a:prstGeom>
-        <a:solidFill>
-          <a:schemeClr val="lt1">
-            <a:alpha val="90000"/>
-            <a:hueOff val="0"/>
-            <a:satOff val="0"/>
-            <a:lumOff val="0"/>
-            <a:alphaOff val="0"/>
-          </a:schemeClr>
-        </a:solidFill>
-        <a:ln w="12700" cap="flat" cmpd="sng" algn="ctr">
-          <a:solidFill>
-            <a:schemeClr val="accent5">
-              <a:hueOff val="0"/>
-              <a:satOff val="0"/>
-              <a:lumOff val="0"/>
-              <a:alphaOff val="0"/>
-            </a:schemeClr>
-          </a:solidFill>
-          <a:prstDash val="solid"/>
-          <a:miter lim="800000"/>
-        </a:ln>
-        <a:effectLst/>
-      </dsp:spPr>
-      <dsp:style>
-        <a:lnRef idx="2">
-          <a:scrgbClr r="0" g="0" b="0"/>
-        </a:lnRef>
-        <a:fillRef idx="1">
-          <a:scrgbClr r="0" g="0" b="0"/>
-        </a:fillRef>
-        <a:effectRef idx="0">
-          <a:scrgbClr r="0" g="0" b="0"/>
-        </a:effectRef>
-        <a:fontRef idx="minor"/>
-      </dsp:style>
-    </dsp:sp>
-    <dsp:sp modelId="{60ABE095-FE64-49AA-94DA-5A475980F386}">
-      <dsp:nvSpPr>
-        <dsp:cNvPr id="0" name=""/>
-        <dsp:cNvSpPr/>
-      </dsp:nvSpPr>
-      <dsp:spPr>
-        <a:xfrm>
-          <a:off x="262890" y="1249523"/>
-          <a:ext cx="3680460" cy="678960"/>
-        </a:xfrm>
-        <a:prstGeom prst="roundRect">
-          <a:avLst/>
-        </a:prstGeom>
-        <a:solidFill>
-          <a:schemeClr val="accent5">
-            <a:hueOff val="0"/>
-            <a:satOff val="0"/>
-            <a:lumOff val="0"/>
-            <a:alphaOff val="0"/>
-          </a:schemeClr>
-        </a:solidFill>
-        <a:ln w="12700" cap="flat" cmpd="sng" algn="ctr">
-          <a:solidFill>
-            <a:schemeClr val="lt1">
-              <a:hueOff val="0"/>
-              <a:satOff val="0"/>
-              <a:lumOff val="0"/>
-              <a:alphaOff val="0"/>
-            </a:schemeClr>
-          </a:solidFill>
-          <a:prstDash val="solid"/>
-          <a:miter lim="800000"/>
-        </a:ln>
-        <a:effectLst/>
-      </dsp:spPr>
-      <dsp:style>
-        <a:lnRef idx="2">
-          <a:scrgbClr r="0" g="0" b="0"/>
-        </a:lnRef>
-        <a:fillRef idx="1">
-          <a:scrgbClr r="0" g="0" b="0"/>
-        </a:fillRef>
-        <a:effectRef idx="0">
-          <a:scrgbClr r="0" g="0" b="0"/>
-        </a:effectRef>
-        <a:fontRef idx="minor">
-          <a:schemeClr val="lt1"/>
-        </a:fontRef>
-      </dsp:style>
-      <dsp:txBody>
-        <a:bodyPr spcFirstLastPara="0" vert="horz" wrap="square" lIns="139113" tIns="0" rIns="139113" bIns="0" numCol="1" spcCol="1270" anchor="ctr" anchorCtr="0">
-          <a:noAutofit/>
-        </a:bodyPr>
-        <a:lstStyle/>
-        <a:p>
-          <a:pPr marL="0" lvl="0" indent="0" algn="l" defTabSz="1022350">
-            <a:lnSpc>
-              <a:spcPct val="90000"/>
-            </a:lnSpc>
-            <a:spcBef>
-              <a:spcPct val="0"/>
-            </a:spcBef>
-            <a:spcAft>
-              <a:spcPct val="35000"/>
-            </a:spcAft>
-            <a:buNone/>
-          </a:pPr>
-          <a:r>
-            <a:rPr lang="fr-FR" sz="2300" kern="1200"/>
-            <a:t>L’architecture traditionnelle</a:t>
-          </a:r>
-          <a:endParaRPr lang="en-US" sz="2300" kern="1200"/>
-        </a:p>
-      </dsp:txBody>
-      <dsp:txXfrm>
-        <a:off x="296034" y="1282667"/>
-        <a:ext cx="3614172" cy="612672"/>
-      </dsp:txXfrm>
-    </dsp:sp>
-    <dsp:sp modelId="{12CF664F-AB83-413D-9F29-A3B198160327}">
-      <dsp:nvSpPr>
-        <dsp:cNvPr id="0" name=""/>
-        <dsp:cNvSpPr/>
-      </dsp:nvSpPr>
-      <dsp:spPr>
-        <a:xfrm>
-          <a:off x="0" y="2632284"/>
-          <a:ext cx="5257800" cy="579600"/>
-        </a:xfrm>
-        <a:prstGeom prst="rect">
-          <a:avLst/>
-        </a:prstGeom>
-        <a:solidFill>
-          <a:schemeClr val="lt1">
-            <a:alpha val="90000"/>
-            <a:hueOff val="0"/>
-            <a:satOff val="0"/>
-            <a:lumOff val="0"/>
-            <a:alphaOff val="0"/>
-          </a:schemeClr>
-        </a:solidFill>
-        <a:ln w="12700" cap="flat" cmpd="sng" algn="ctr">
-          <a:solidFill>
-            <a:schemeClr val="accent5">
-              <a:hueOff val="-3379271"/>
-              <a:satOff val="-8710"/>
-              <a:lumOff val="-5883"/>
-              <a:alphaOff val="0"/>
-            </a:schemeClr>
-          </a:solidFill>
-          <a:prstDash val="solid"/>
-          <a:miter lim="800000"/>
-        </a:ln>
-        <a:effectLst/>
-      </dsp:spPr>
-      <dsp:style>
-        <a:lnRef idx="2">
-          <a:scrgbClr r="0" g="0" b="0"/>
-        </a:lnRef>
-        <a:fillRef idx="1">
-          <a:scrgbClr r="0" g="0" b="0"/>
-        </a:fillRef>
-        <a:effectRef idx="0">
-          <a:scrgbClr r="0" g="0" b="0"/>
-        </a:effectRef>
-        <a:fontRef idx="minor"/>
-      </dsp:style>
-    </dsp:sp>
-    <dsp:sp modelId="{21031297-E223-49C8-97A2-20830CD9D5D4}">
-      <dsp:nvSpPr>
-        <dsp:cNvPr id="0" name=""/>
-        <dsp:cNvSpPr/>
-      </dsp:nvSpPr>
-      <dsp:spPr>
-        <a:xfrm>
-          <a:off x="262890" y="2292803"/>
-          <a:ext cx="3680460" cy="678960"/>
-        </a:xfrm>
-        <a:prstGeom prst="roundRect">
-          <a:avLst/>
-        </a:prstGeom>
-        <a:solidFill>
-          <a:schemeClr val="accent5">
-            <a:hueOff val="-3379271"/>
-            <a:satOff val="-8710"/>
-            <a:lumOff val="-5883"/>
-            <a:alphaOff val="0"/>
-          </a:schemeClr>
-        </a:solidFill>
-        <a:ln w="12700" cap="flat" cmpd="sng" algn="ctr">
-          <a:solidFill>
-            <a:schemeClr val="lt1">
-              <a:hueOff val="0"/>
-              <a:satOff val="0"/>
-              <a:lumOff val="0"/>
-              <a:alphaOff val="0"/>
-            </a:schemeClr>
-          </a:solidFill>
-          <a:prstDash val="solid"/>
-          <a:miter lim="800000"/>
-        </a:ln>
-        <a:effectLst/>
-      </dsp:spPr>
-      <dsp:style>
-        <a:lnRef idx="2">
-          <a:scrgbClr r="0" g="0" b="0"/>
-        </a:lnRef>
-        <a:fillRef idx="1">
-          <a:scrgbClr r="0" g="0" b="0"/>
-        </a:fillRef>
-        <a:effectRef idx="0">
-          <a:scrgbClr r="0" g="0" b="0"/>
-        </a:effectRef>
-        <a:fontRef idx="minor">
-          <a:schemeClr val="lt1"/>
-        </a:fontRef>
-      </dsp:style>
-      <dsp:txBody>
-        <a:bodyPr spcFirstLastPara="0" vert="horz" wrap="square" lIns="139113" tIns="0" rIns="139113" bIns="0" numCol="1" spcCol="1270" anchor="ctr" anchorCtr="0">
-          <a:noAutofit/>
-        </a:bodyPr>
-        <a:lstStyle/>
-        <a:p>
-          <a:pPr marL="0" lvl="0" indent="0" algn="l" defTabSz="1022350">
-            <a:lnSpc>
-              <a:spcPct val="90000"/>
-            </a:lnSpc>
-            <a:spcBef>
-              <a:spcPct val="0"/>
-            </a:spcBef>
-            <a:spcAft>
-              <a:spcPct val="35000"/>
-            </a:spcAft>
-            <a:buNone/>
-          </a:pPr>
-          <a:r>
-            <a:rPr lang="fr-FR" sz="2300" kern="1200"/>
-            <a:t>La virtualisation</a:t>
-          </a:r>
-          <a:endParaRPr lang="en-US" sz="2300" kern="1200"/>
-        </a:p>
-      </dsp:txBody>
-      <dsp:txXfrm>
-        <a:off x="296034" y="2325947"/>
-        <a:ext cx="3614172" cy="612672"/>
-      </dsp:txXfrm>
-    </dsp:sp>
-    <dsp:sp modelId="{C5C26921-8DB5-4F89-8C6A-34055847D947}">
-      <dsp:nvSpPr>
-        <dsp:cNvPr id="0" name=""/>
-        <dsp:cNvSpPr/>
-      </dsp:nvSpPr>
-      <dsp:spPr>
-        <a:xfrm>
-          <a:off x="0" y="3675563"/>
-          <a:ext cx="5257800" cy="579600"/>
-        </a:xfrm>
-        <a:prstGeom prst="rect">
-          <a:avLst/>
-        </a:prstGeom>
-        <a:solidFill>
-          <a:schemeClr val="lt1">
-            <a:alpha val="90000"/>
-            <a:hueOff val="0"/>
-            <a:satOff val="0"/>
-            <a:lumOff val="0"/>
-            <a:alphaOff val="0"/>
-          </a:schemeClr>
-        </a:solidFill>
-        <a:ln w="12700" cap="flat" cmpd="sng" algn="ctr">
-          <a:solidFill>
-            <a:schemeClr val="accent5">
-              <a:hueOff val="-6758543"/>
-              <a:satOff val="-17419"/>
-              <a:lumOff val="-11765"/>
-              <a:alphaOff val="0"/>
-            </a:schemeClr>
-          </a:solidFill>
-          <a:prstDash val="solid"/>
-          <a:miter lim="800000"/>
-        </a:ln>
-        <a:effectLst/>
-      </dsp:spPr>
-      <dsp:style>
-        <a:lnRef idx="2">
-          <a:scrgbClr r="0" g="0" b="0"/>
-        </a:lnRef>
-        <a:fillRef idx="1">
-          <a:scrgbClr r="0" g="0" b="0"/>
-        </a:fillRef>
-        <a:effectRef idx="0">
-          <a:scrgbClr r="0" g="0" b="0"/>
-        </a:effectRef>
-        <a:fontRef idx="minor"/>
-      </dsp:style>
-    </dsp:sp>
-    <dsp:sp modelId="{50A02DBA-93F0-40A1-815F-AE2E38535FFD}">
-      <dsp:nvSpPr>
-        <dsp:cNvPr id="0" name=""/>
-        <dsp:cNvSpPr/>
-      </dsp:nvSpPr>
-      <dsp:spPr>
-        <a:xfrm>
-          <a:off x="262890" y="3336084"/>
-          <a:ext cx="3680460" cy="678960"/>
-        </a:xfrm>
-        <a:prstGeom prst="roundRect">
-          <a:avLst/>
-        </a:prstGeom>
-        <a:solidFill>
-          <a:schemeClr val="accent5">
-            <a:hueOff val="-6758543"/>
-            <a:satOff val="-17419"/>
-            <a:lumOff val="-11765"/>
-            <a:alphaOff val="0"/>
-          </a:schemeClr>
-        </a:solidFill>
-        <a:ln w="12700" cap="flat" cmpd="sng" algn="ctr">
-          <a:solidFill>
-            <a:schemeClr val="lt1">
-              <a:hueOff val="0"/>
-              <a:satOff val="0"/>
-              <a:lumOff val="0"/>
-              <a:alphaOff val="0"/>
-            </a:schemeClr>
-          </a:solidFill>
-          <a:prstDash val="solid"/>
-          <a:miter lim="800000"/>
-        </a:ln>
-        <a:effectLst/>
-      </dsp:spPr>
-      <dsp:style>
-        <a:lnRef idx="2">
-          <a:scrgbClr r="0" g="0" b="0"/>
-        </a:lnRef>
-        <a:fillRef idx="1">
-          <a:scrgbClr r="0" g="0" b="0"/>
-        </a:fillRef>
-        <a:effectRef idx="0">
-          <a:scrgbClr r="0" g="0" b="0"/>
-        </a:effectRef>
-        <a:fontRef idx="minor">
-          <a:schemeClr val="lt1"/>
-        </a:fontRef>
-      </dsp:style>
-      <dsp:txBody>
-        <a:bodyPr spcFirstLastPara="0" vert="horz" wrap="square" lIns="139113" tIns="0" rIns="139113" bIns="0" numCol="1" spcCol="1270" anchor="ctr" anchorCtr="0">
-          <a:noAutofit/>
-        </a:bodyPr>
-        <a:lstStyle/>
-        <a:p>
-          <a:pPr marL="0" lvl="0" indent="0" algn="l" defTabSz="1022350">
-            <a:lnSpc>
-              <a:spcPct val="90000"/>
-            </a:lnSpc>
-            <a:spcBef>
-              <a:spcPct val="0"/>
-            </a:spcBef>
-            <a:spcAft>
-              <a:spcPct val="35000"/>
-            </a:spcAft>
-            <a:buNone/>
-          </a:pPr>
-          <a:r>
-            <a:rPr lang="fr-FR" sz="2300" kern="1200"/>
-            <a:t>La conteneurisation</a:t>
-          </a:r>
-          <a:endParaRPr lang="en-US" sz="2300" kern="1200"/>
-        </a:p>
-      </dsp:txBody>
-      <dsp:txXfrm>
-        <a:off x="296034" y="3369228"/>
-        <a:ext cx="3614172" cy="612672"/>
-      </dsp:txXfrm>
-    </dsp:sp>
-  </dsp:spTree>
-</dsp:drawing>
-</file>
-
-<file path=ppt/diagrams/drawing3.xml><?xml version="1.0" encoding="utf-8"?>
 <dsp:drawing xmlns:dgm="http://schemas.openxmlformats.org/drawingml/2006/diagram" xmlns:dsp="http://schemas.microsoft.com/office/drawing/2008/diagram" xmlns:a="http://schemas.openxmlformats.org/drawingml/2006/main">
   <dsp:spTree>
     <dsp:nvGrpSpPr>
@@ -4425,15 +3915,266 @@
             <a:buNone/>
           </a:pPr>
           <a:r>
-            <a:rPr lang="fr-FR" sz="3900" kern="1200"/>
-            <a:t>Commandes Docker</a:t>
+            <a:rPr lang="fr-FR" sz="3900" kern="1200" dirty="0"/>
+            <a:t>Des fonctionnalités Docker</a:t>
           </a:r>
-          <a:endParaRPr lang="en-US" sz="3900" kern="1200"/>
+          <a:endParaRPr lang="en-US" sz="3900" kern="1200" dirty="0"/>
         </a:p>
       </dsp:txBody>
       <dsp:txXfrm>
         <a:off x="45663" y="4295422"/>
         <a:ext cx="6497934" cy="844089"/>
+      </dsp:txXfrm>
+    </dsp:sp>
+  </dsp:spTree>
+</dsp:drawing>
+</file>
+
+<file path=ppt/diagrams/drawing3.xml><?xml version="1.0" encoding="utf-8"?>
+<dsp:drawing xmlns:dgm="http://schemas.openxmlformats.org/drawingml/2006/diagram" xmlns:dsp="http://schemas.microsoft.com/office/drawing/2008/diagram" xmlns:a="http://schemas.openxmlformats.org/drawingml/2006/main">
+  <dsp:spTree>
+    <dsp:nvGrpSpPr>
+      <dsp:cNvPr id="0" name=""/>
+      <dsp:cNvGrpSpPr/>
+    </dsp:nvGrpSpPr>
+    <dsp:grpSpPr/>
+    <dsp:sp modelId="{F1F74A2C-A409-4BB4-B784-53C8A113003B}">
+      <dsp:nvSpPr>
+        <dsp:cNvPr id="0" name=""/>
+        <dsp:cNvSpPr/>
+      </dsp:nvSpPr>
+      <dsp:spPr>
+        <a:xfrm>
+          <a:off x="3080" y="1424994"/>
+          <a:ext cx="3753370" cy="1501348"/>
+        </a:xfrm>
+        <a:prstGeom prst="chevron">
+          <a:avLst/>
+        </a:prstGeom>
+        <a:solidFill>
+          <a:schemeClr val="accent1">
+            <a:hueOff val="0"/>
+            <a:satOff val="0"/>
+            <a:lumOff val="0"/>
+            <a:alphaOff val="0"/>
+          </a:schemeClr>
+        </a:solidFill>
+        <a:ln w="12700" cap="flat" cmpd="sng" algn="ctr">
+          <a:solidFill>
+            <a:schemeClr val="lt1">
+              <a:hueOff val="0"/>
+              <a:satOff val="0"/>
+              <a:lumOff val="0"/>
+              <a:alphaOff val="0"/>
+            </a:schemeClr>
+          </a:solidFill>
+          <a:prstDash val="solid"/>
+          <a:miter lim="800000"/>
+        </a:ln>
+        <a:effectLst/>
+      </dsp:spPr>
+      <dsp:style>
+        <a:lnRef idx="2">
+          <a:scrgbClr r="0" g="0" b="0"/>
+        </a:lnRef>
+        <a:fillRef idx="1">
+          <a:scrgbClr r="0" g="0" b="0"/>
+        </a:fillRef>
+        <a:effectRef idx="0">
+          <a:scrgbClr r="0" g="0" b="0"/>
+        </a:effectRef>
+        <a:fontRef idx="minor">
+          <a:schemeClr val="lt1"/>
+        </a:fontRef>
+      </dsp:style>
+      <dsp:txBody>
+        <a:bodyPr spcFirstLastPara="0" vert="horz" wrap="square" lIns="160020" tIns="53340" rIns="53340" bIns="53340" numCol="1" spcCol="1270" anchor="ctr" anchorCtr="0">
+          <a:noAutofit/>
+        </a:bodyPr>
+        <a:lstStyle/>
+        <a:p>
+          <a:pPr marL="0" lvl="0" indent="0" algn="ctr" defTabSz="1778000">
+            <a:lnSpc>
+              <a:spcPct val="90000"/>
+            </a:lnSpc>
+            <a:spcBef>
+              <a:spcPct val="0"/>
+            </a:spcBef>
+            <a:spcAft>
+              <a:spcPct val="35000"/>
+            </a:spcAft>
+            <a:buNone/>
+          </a:pPr>
+          <a:r>
+            <a:rPr lang="fr-FR" sz="4000" kern="1200" dirty="0"/>
+            <a:t>Docker</a:t>
+          </a:r>
+        </a:p>
+      </dsp:txBody>
+      <dsp:txXfrm>
+        <a:off x="753754" y="1424994"/>
+        <a:ext cx="2252022" cy="1501348"/>
+      </dsp:txXfrm>
+    </dsp:sp>
+    <dsp:sp modelId="{F6554876-414D-49BA-A2F8-CE56E2E56738}">
+      <dsp:nvSpPr>
+        <dsp:cNvPr id="0" name=""/>
+        <dsp:cNvSpPr/>
+      </dsp:nvSpPr>
+      <dsp:spPr>
+        <a:xfrm>
+          <a:off x="3381114" y="1424994"/>
+          <a:ext cx="3753370" cy="1501348"/>
+        </a:xfrm>
+        <a:prstGeom prst="chevron">
+          <a:avLst/>
+        </a:prstGeom>
+        <a:solidFill>
+          <a:schemeClr val="accent1">
+            <a:hueOff val="0"/>
+            <a:satOff val="0"/>
+            <a:lumOff val="0"/>
+            <a:alphaOff val="0"/>
+          </a:schemeClr>
+        </a:solidFill>
+        <a:ln w="12700" cap="flat" cmpd="sng" algn="ctr">
+          <a:solidFill>
+            <a:schemeClr val="lt1">
+              <a:hueOff val="0"/>
+              <a:satOff val="0"/>
+              <a:lumOff val="0"/>
+              <a:alphaOff val="0"/>
+            </a:schemeClr>
+          </a:solidFill>
+          <a:prstDash val="solid"/>
+          <a:miter lim="800000"/>
+        </a:ln>
+        <a:effectLst/>
+      </dsp:spPr>
+      <dsp:style>
+        <a:lnRef idx="2">
+          <a:scrgbClr r="0" g="0" b="0"/>
+        </a:lnRef>
+        <a:fillRef idx="1">
+          <a:scrgbClr r="0" g="0" b="0"/>
+        </a:fillRef>
+        <a:effectRef idx="0">
+          <a:scrgbClr r="0" g="0" b="0"/>
+        </a:effectRef>
+        <a:fontRef idx="minor">
+          <a:schemeClr val="lt1"/>
+        </a:fontRef>
+      </dsp:style>
+      <dsp:txBody>
+        <a:bodyPr spcFirstLastPara="0" vert="horz" wrap="square" lIns="160020" tIns="53340" rIns="53340" bIns="53340" numCol="1" spcCol="1270" anchor="ctr" anchorCtr="0">
+          <a:noAutofit/>
+        </a:bodyPr>
+        <a:lstStyle/>
+        <a:p>
+          <a:pPr marL="0" lvl="0" indent="0" algn="ctr" defTabSz="1778000">
+            <a:lnSpc>
+              <a:spcPct val="90000"/>
+            </a:lnSpc>
+            <a:spcBef>
+              <a:spcPct val="0"/>
+            </a:spcBef>
+            <a:spcAft>
+              <a:spcPct val="35000"/>
+            </a:spcAft>
+            <a:buNone/>
+          </a:pPr>
+          <a:r>
+            <a:rPr lang="fr-FR" sz="4000" kern="1200" dirty="0"/>
+            <a:t>Docker image</a:t>
+          </a:r>
+        </a:p>
+      </dsp:txBody>
+      <dsp:txXfrm>
+        <a:off x="4131788" y="1424994"/>
+        <a:ext cx="2252022" cy="1501348"/>
+      </dsp:txXfrm>
+    </dsp:sp>
+    <dsp:sp modelId="{0805FCDF-F8D1-4510-AC52-A17868EF8944}">
+      <dsp:nvSpPr>
+        <dsp:cNvPr id="0" name=""/>
+        <dsp:cNvSpPr/>
+      </dsp:nvSpPr>
+      <dsp:spPr>
+        <a:xfrm>
+          <a:off x="6759148" y="1424994"/>
+          <a:ext cx="3753370" cy="1501348"/>
+        </a:xfrm>
+        <a:prstGeom prst="chevron">
+          <a:avLst/>
+        </a:prstGeom>
+        <a:solidFill>
+          <a:schemeClr val="accent1">
+            <a:hueOff val="0"/>
+            <a:satOff val="0"/>
+            <a:lumOff val="0"/>
+            <a:alphaOff val="0"/>
+          </a:schemeClr>
+        </a:solidFill>
+        <a:ln w="12700" cap="flat" cmpd="sng" algn="ctr">
+          <a:solidFill>
+            <a:schemeClr val="lt1">
+              <a:hueOff val="0"/>
+              <a:satOff val="0"/>
+              <a:lumOff val="0"/>
+              <a:alphaOff val="0"/>
+            </a:schemeClr>
+          </a:solidFill>
+          <a:prstDash val="solid"/>
+          <a:miter lim="800000"/>
+        </a:ln>
+        <a:effectLst/>
+      </dsp:spPr>
+      <dsp:style>
+        <a:lnRef idx="2">
+          <a:scrgbClr r="0" g="0" b="0"/>
+        </a:lnRef>
+        <a:fillRef idx="1">
+          <a:scrgbClr r="0" g="0" b="0"/>
+        </a:fillRef>
+        <a:effectRef idx="0">
+          <a:scrgbClr r="0" g="0" b="0"/>
+        </a:effectRef>
+        <a:fontRef idx="minor">
+          <a:schemeClr val="lt1"/>
+        </a:fontRef>
+      </dsp:style>
+      <dsp:txBody>
+        <a:bodyPr spcFirstLastPara="0" vert="horz" wrap="square" lIns="160020" tIns="53340" rIns="53340" bIns="53340" numCol="1" spcCol="1270" anchor="ctr" anchorCtr="0">
+          <a:noAutofit/>
+        </a:bodyPr>
+        <a:lstStyle/>
+        <a:p>
+          <a:pPr marL="0" lvl="0" indent="0" algn="ctr" defTabSz="1778000">
+            <a:lnSpc>
+              <a:spcPct val="90000"/>
+            </a:lnSpc>
+            <a:spcBef>
+              <a:spcPct val="0"/>
+            </a:spcBef>
+            <a:spcAft>
+              <a:spcPct val="35000"/>
+            </a:spcAft>
+            <a:buNone/>
+          </a:pPr>
+          <a:r>
+            <a:rPr lang="fr-FR" sz="4000" kern="1200" dirty="0"/>
+            <a:t>Docker </a:t>
+          </a:r>
+          <a:r>
+            <a:rPr lang="fr-FR" sz="4000" kern="1200" dirty="0" err="1"/>
+            <a:t>Contianer</a:t>
+          </a:r>
+          <a:endParaRPr lang="fr-FR" sz="4000" kern="1200" dirty="0"/>
+        </a:p>
+      </dsp:txBody>
+      <dsp:txXfrm>
+        <a:off x="7509822" y="1424994"/>
+        <a:ext cx="2252022" cy="1501348"/>
       </dsp:txXfrm>
     </dsp:sp>
   </dsp:spTree>
@@ -4608,231 +4349,6 @@
 </file>
 
 <file path=ppt/diagrams/layout2.xml><?xml version="1.0" encoding="utf-8"?>
-<dgm:layoutDef xmlns:dgm="http://schemas.openxmlformats.org/drawingml/2006/diagram" xmlns:a="http://schemas.openxmlformats.org/drawingml/2006/main" uniqueId="urn:microsoft.com/office/officeart/2005/8/layout/list1">
-  <dgm:title val=""/>
-  <dgm:desc val=""/>
-  <dgm:catLst>
-    <dgm:cat type="list" pri="4000"/>
-  </dgm:catLst>
-  <dgm:sampData>
-    <dgm:dataModel>
-      <dgm:ptLst>
-        <dgm:pt modelId="0" type="doc"/>
-        <dgm:pt modelId="1">
-          <dgm:prSet phldr="1"/>
-        </dgm:pt>
-        <dgm:pt modelId="2">
-          <dgm:prSet phldr="1"/>
-        </dgm:pt>
-        <dgm:pt modelId="3">
-          <dgm:prSet phldr="1"/>
-        </dgm:pt>
-      </dgm:ptLst>
-      <dgm:cxnLst>
-        <dgm:cxn modelId="4" srcId="0" destId="1" srcOrd="0" destOrd="0"/>
-        <dgm:cxn modelId="5" srcId="0" destId="2" srcOrd="1" destOrd="0"/>
-        <dgm:cxn modelId="6" srcId="0" destId="3" srcOrd="2" destOrd="0"/>
-      </dgm:cxnLst>
-      <dgm:bg/>
-      <dgm:whole/>
-    </dgm:dataModel>
-  </dgm:sampData>
-  <dgm:styleData>
-    <dgm:dataModel>
-      <dgm:ptLst>
-        <dgm:pt modelId="0" type="doc"/>
-        <dgm:pt modelId="1"/>
-        <dgm:pt modelId="2"/>
-      </dgm:ptLst>
-      <dgm:cxnLst>
-        <dgm:cxn modelId="4" srcId="0" destId="1" srcOrd="0" destOrd="0"/>
-        <dgm:cxn modelId="5" srcId="0" destId="2" srcOrd="1" destOrd="0"/>
-      </dgm:cxnLst>
-      <dgm:bg/>
-      <dgm:whole/>
-    </dgm:dataModel>
-  </dgm:styleData>
-  <dgm:clrData>
-    <dgm:dataModel>
-      <dgm:ptLst>
-        <dgm:pt modelId="0" type="doc"/>
-        <dgm:pt modelId="1"/>
-        <dgm:pt modelId="2"/>
-        <dgm:pt modelId="3"/>
-        <dgm:pt modelId="4"/>
-      </dgm:ptLst>
-      <dgm:cxnLst>
-        <dgm:cxn modelId="5" srcId="0" destId="1" srcOrd="0" destOrd="0"/>
-        <dgm:cxn modelId="6" srcId="0" destId="2" srcOrd="1" destOrd="0"/>
-        <dgm:cxn modelId="7" srcId="0" destId="3" srcOrd="2" destOrd="0"/>
-        <dgm:cxn modelId="8" srcId="0" destId="4" srcOrd="3" destOrd="0"/>
-      </dgm:cxnLst>
-      <dgm:bg/>
-      <dgm:whole/>
-    </dgm:dataModel>
-  </dgm:clrData>
-  <dgm:layoutNode name="linear">
-    <dgm:varLst>
-      <dgm:dir/>
-      <dgm:animLvl val="lvl"/>
-      <dgm:resizeHandles val="exact"/>
-    </dgm:varLst>
-    <dgm:choose name="Name0">
-      <dgm:if name="Name1" func="var" arg="dir" op="equ" val="norm">
-        <dgm:alg type="lin">
-          <dgm:param type="linDir" val="fromT"/>
-          <dgm:param type="vertAlign" val="mid"/>
-          <dgm:param type="horzAlign" val="l"/>
-          <dgm:param type="nodeHorzAlign" val="l"/>
-        </dgm:alg>
-      </dgm:if>
-      <dgm:else name="Name2">
-        <dgm:alg type="lin">
-          <dgm:param type="linDir" val="fromT"/>
-          <dgm:param type="vertAlign" val="mid"/>
-          <dgm:param type="horzAlign" val="r"/>
-          <dgm:param type="nodeHorzAlign" val="r"/>
-        </dgm:alg>
-      </dgm:else>
-    </dgm:choose>
-    <dgm:shape xmlns:r="http://schemas.openxmlformats.org/officeDocument/2006/relationships" r:blip="">
-      <dgm:adjLst/>
-    </dgm:shape>
-    <dgm:presOf/>
-    <dgm:constrLst>
-      <dgm:constr type="w" for="ch" forName="parentLin" refType="w"/>
-      <dgm:constr type="h" for="ch" forName="parentLin" val="INF"/>
-      <dgm:constr type="w" for="des" forName="parentLeftMargin" refType="w" fact="0.05"/>
-      <dgm:constr type="w" for="des" forName="parentText" refType="w" fact="0.7"/>
-      <dgm:constr type="h" for="des" forName="parentText" refType="primFontSz" refFor="des" refForName="parentText" fact="0.82"/>
-      <dgm:constr type="h" for="ch" forName="negativeSpace" refType="primFontSz" refFor="des" refForName="parentText" fact="-0.41"/>
-      <dgm:constr type="h" for="ch" forName="negativeSpace" refType="h" refFor="des" refForName="parentText" op="lte" fact="-0.82"/>
-      <dgm:constr type="h" for="ch" forName="negativeSpace" refType="h" refFor="des" refForName="parentText" op="gte" fact="-0.82"/>
-      <dgm:constr type="w" for="ch" forName="childText" refType="w"/>
-      <dgm:constr type="h" for="ch" forName="childText" refType="primFontSz" refFor="des" refForName="parentText" fact="0.7"/>
-      <dgm:constr type="primFontSz" for="des" forName="parentText" val="65"/>
-      <dgm:constr type="primFontSz" for="ch" forName="childText" refType="primFontSz" refFor="des" refForName="parentText"/>
-      <dgm:constr type="tMarg" for="ch" forName="childText" refType="primFontSz" refFor="des" refForName="parentText" fact="1.64"/>
-      <dgm:constr type="tMarg" for="ch" forName="childText" refType="h" refFor="des" refForName="parentText" op="lte" fact="3.28"/>
-      <dgm:constr type="tMarg" for="ch" forName="childText" refType="h" refFor="des" refForName="parentText" op="gte" fact="3.28"/>
-      <dgm:constr type="lMarg" for="ch" forName="childText" refType="w" fact="0.22"/>
-      <dgm:constr type="rMarg" for="ch" forName="childText" refType="lMarg" refFor="ch" refForName="childText"/>
-      <dgm:constr type="lMarg" for="des" forName="parentText" refType="w" fact="0.075"/>
-      <dgm:constr type="rMarg" for="des" forName="parentText" refType="lMarg" refFor="des" refForName="parentText"/>
-      <dgm:constr type="h" for="ch" forName="spaceBetweenRectangles" refType="primFontSz" refFor="des" refForName="parentText" fact="0.15"/>
-    </dgm:constrLst>
-    <dgm:ruleLst>
-      <dgm:rule type="primFontSz" for="des" forName="parentText" val="5" fact="NaN" max="NaN"/>
-    </dgm:ruleLst>
-    <dgm:forEach name="Name3" axis="ch" ptType="node">
-      <dgm:layoutNode name="parentLin">
-        <dgm:choose name="Name4">
-          <dgm:if name="Name5" func="var" arg="dir" op="equ" val="norm">
-            <dgm:alg type="lin">
-              <dgm:param type="linDir" val="fromL"/>
-              <dgm:param type="horzAlign" val="l"/>
-              <dgm:param type="nodeHorzAlign" val="l"/>
-            </dgm:alg>
-          </dgm:if>
-          <dgm:else name="Name6">
-            <dgm:alg type="lin">
-              <dgm:param type="linDir" val="fromR"/>
-              <dgm:param type="horzAlign" val="r"/>
-              <dgm:param type="nodeHorzAlign" val="r"/>
-            </dgm:alg>
-          </dgm:else>
-        </dgm:choose>
-        <dgm:shape xmlns:r="http://schemas.openxmlformats.org/officeDocument/2006/relationships" r:blip="">
-          <dgm:adjLst/>
-        </dgm:shape>
-        <dgm:presOf/>
-        <dgm:constrLst/>
-        <dgm:ruleLst/>
-        <dgm:layoutNode name="parentLeftMargin">
-          <dgm:alg type="sp"/>
-          <dgm:shape xmlns:r="http://schemas.openxmlformats.org/officeDocument/2006/relationships" type="rect" r:blip="" hideGeom="1">
-            <dgm:adjLst/>
-          </dgm:shape>
-          <dgm:presOf axis="self"/>
-          <dgm:constrLst>
-            <dgm:constr type="h"/>
-          </dgm:constrLst>
-          <dgm:ruleLst/>
-        </dgm:layoutNode>
-        <dgm:layoutNode name="parentText" styleLbl="node1">
-          <dgm:varLst>
-            <dgm:chMax val="0"/>
-            <dgm:bulletEnabled val="1"/>
-          </dgm:varLst>
-          <dgm:choose name="Name7">
-            <dgm:if name="Name8" func="var" arg="dir" op="equ" val="norm">
-              <dgm:alg type="tx">
-                <dgm:param type="parTxLTRAlign" val="l"/>
-                <dgm:param type="parTxRTLAlign" val="l"/>
-              </dgm:alg>
-            </dgm:if>
-            <dgm:else name="Name9">
-              <dgm:alg type="tx">
-                <dgm:param type="parTxLTRAlign" val="r"/>
-                <dgm:param type="parTxRTLAlign" val="r"/>
-              </dgm:alg>
-            </dgm:else>
-          </dgm:choose>
-          <dgm:shape xmlns:r="http://schemas.openxmlformats.org/officeDocument/2006/relationships" type="roundRect" r:blip="">
-            <dgm:adjLst/>
-          </dgm:shape>
-          <dgm:presOf axis="self" ptType="node"/>
-          <dgm:constrLst>
-            <dgm:constr type="tMarg"/>
-            <dgm:constr type="bMarg"/>
-          </dgm:constrLst>
-          <dgm:ruleLst/>
-        </dgm:layoutNode>
-      </dgm:layoutNode>
-      <dgm:layoutNode name="negativeSpace">
-        <dgm:alg type="sp"/>
-        <dgm:shape xmlns:r="http://schemas.openxmlformats.org/officeDocument/2006/relationships" r:blip="">
-          <dgm:adjLst/>
-        </dgm:shape>
-        <dgm:presOf/>
-        <dgm:constrLst/>
-        <dgm:ruleLst/>
-      </dgm:layoutNode>
-      <dgm:layoutNode name="childText" styleLbl="conFgAcc1">
-        <dgm:varLst>
-          <dgm:bulletEnabled val="1"/>
-        </dgm:varLst>
-        <dgm:alg type="tx">
-          <dgm:param type="stBulletLvl" val="1"/>
-        </dgm:alg>
-        <dgm:shape xmlns:r="http://schemas.openxmlformats.org/officeDocument/2006/relationships" type="rect" r:blip="" zOrderOff="-2">
-          <dgm:adjLst/>
-        </dgm:shape>
-        <dgm:presOf axis="des" ptType="node"/>
-        <dgm:constrLst>
-          <dgm:constr type="secFontSz" refType="primFontSz"/>
-        </dgm:constrLst>
-        <dgm:ruleLst>
-          <dgm:rule type="h" val="INF" fact="NaN" max="NaN"/>
-        </dgm:ruleLst>
-      </dgm:layoutNode>
-      <dgm:forEach name="Name10" axis="followSib" ptType="sibTrans" cnt="1">
-        <dgm:layoutNode name="spaceBetweenRectangles">
-          <dgm:alg type="sp"/>
-          <dgm:shape xmlns:r="http://schemas.openxmlformats.org/officeDocument/2006/relationships" r:blip="">
-            <dgm:adjLst/>
-          </dgm:shape>
-          <dgm:presOf/>
-          <dgm:constrLst/>
-          <dgm:ruleLst/>
-        </dgm:layoutNode>
-      </dgm:forEach>
-    </dgm:forEach>
-  </dgm:layoutNode>
-</dgm:layoutDef>
-</file>
-
-<file path=ppt/diagrams/layout3.xml><?xml version="1.0" encoding="utf-8"?>
 <dgm:layoutDef xmlns:dgm="http://schemas.openxmlformats.org/drawingml/2006/diagram" xmlns:a="http://schemas.openxmlformats.org/drawingml/2006/main" uniqueId="urn:microsoft.com/office/officeart/2005/8/layout/vList2">
   <dgm:title val=""/>
   <dgm:desc val=""/>
@@ -4999,6 +4515,289 @@
 </dgm:layoutDef>
 </file>
 
+<file path=ppt/diagrams/layout3.xml><?xml version="1.0" encoding="utf-8"?>
+<dgm:layoutDef xmlns:dgm="http://schemas.openxmlformats.org/drawingml/2006/diagram" xmlns:a="http://schemas.openxmlformats.org/drawingml/2006/main" uniqueId="urn:microsoft.com/office/officeart/2005/8/layout/chevron1">
+  <dgm:title val=""/>
+  <dgm:desc val=""/>
+  <dgm:catLst>
+    <dgm:cat type="process" pri="9000"/>
+  </dgm:catLst>
+  <dgm:sampData useDef="1">
+    <dgm:dataModel>
+      <dgm:ptLst/>
+      <dgm:bg/>
+      <dgm:whole/>
+    </dgm:dataModel>
+  </dgm:sampData>
+  <dgm:styleData>
+    <dgm:dataModel>
+      <dgm:ptLst>
+        <dgm:pt modelId="0" type="doc"/>
+        <dgm:pt modelId="1"/>
+        <dgm:pt modelId="2"/>
+      </dgm:ptLst>
+      <dgm:cxnLst>
+        <dgm:cxn modelId="3" srcId="0" destId="1" srcOrd="0" destOrd="0"/>
+        <dgm:cxn modelId="4" srcId="0" destId="2" srcOrd="1" destOrd="0"/>
+      </dgm:cxnLst>
+      <dgm:bg/>
+      <dgm:whole/>
+    </dgm:dataModel>
+  </dgm:styleData>
+  <dgm:clrData>
+    <dgm:dataModel>
+      <dgm:ptLst>
+        <dgm:pt modelId="0" type="doc"/>
+        <dgm:pt modelId="1"/>
+        <dgm:pt modelId="2"/>
+        <dgm:pt modelId="3"/>
+        <dgm:pt modelId="4"/>
+      </dgm:ptLst>
+      <dgm:cxnLst>
+        <dgm:cxn modelId="5" srcId="0" destId="1" srcOrd="0" destOrd="0"/>
+        <dgm:cxn modelId="6" srcId="0" destId="2" srcOrd="1" destOrd="0"/>
+        <dgm:cxn modelId="7" srcId="0" destId="3" srcOrd="2" destOrd="0"/>
+        <dgm:cxn modelId="8" srcId="0" destId="4" srcOrd="3" destOrd="0"/>
+      </dgm:cxnLst>
+      <dgm:bg/>
+      <dgm:whole/>
+    </dgm:dataModel>
+  </dgm:clrData>
+  <dgm:layoutNode name="Name0">
+    <dgm:varLst>
+      <dgm:dir/>
+      <dgm:animLvl val="lvl"/>
+      <dgm:resizeHandles val="exact"/>
+    </dgm:varLst>
+    <dgm:choose name="Name1">
+      <dgm:if name="Name2" func="var" arg="dir" op="equ" val="norm">
+        <dgm:alg type="lin"/>
+      </dgm:if>
+      <dgm:else name="Name3">
+        <dgm:alg type="lin">
+          <dgm:param type="linDir" val="fromR"/>
+        </dgm:alg>
+      </dgm:else>
+    </dgm:choose>
+    <dgm:shape xmlns:r="http://schemas.openxmlformats.org/officeDocument/2006/relationships" r:blip="">
+      <dgm:adjLst/>
+    </dgm:shape>
+    <dgm:presOf/>
+    <dgm:choose name="Name4">
+      <dgm:if name="Name5" axis="des" func="maxDepth" op="gte" val="2">
+        <dgm:constrLst>
+          <dgm:constr type="h" for="ch" forName="composite" refType="h"/>
+          <dgm:constr type="w" for="ch" forName="composite" refType="w"/>
+          <dgm:constr type="w" for="des" forName="parTx"/>
+          <dgm:constr type="h" for="des" forName="parTx" op="equ"/>
+          <dgm:constr type="w" for="des" forName="desTx"/>
+          <dgm:constr type="h" for="des" forName="desTx" op="equ"/>
+          <dgm:constr type="primFontSz" for="des" forName="parTx" val="65"/>
+          <dgm:constr type="secFontSz" for="des" forName="desTx" refType="primFontSz" refFor="des" refForName="parTx" op="equ"/>
+          <dgm:constr type="h" for="des" forName="parTx" refType="primFontSz" refFor="des" refForName="parTx" fact="1.5"/>
+          <dgm:constr type="h" for="des" forName="desTx" refType="primFontSz" refFor="des" refForName="parTx" fact="0.5"/>
+          <dgm:constr type="w" for="ch" forName="space" op="equ" val="-6"/>
+        </dgm:constrLst>
+        <dgm:ruleLst>
+          <dgm:rule type="w" for="ch" forName="composite" val="0" fact="NaN" max="NaN"/>
+          <dgm:rule type="primFontSz" for="des" forName="parTx" val="5" fact="NaN" max="NaN"/>
+        </dgm:ruleLst>
+        <dgm:forEach name="Name6" axis="ch" ptType="node">
+          <dgm:layoutNode name="composite">
+            <dgm:alg type="composite"/>
+            <dgm:shape xmlns:r="http://schemas.openxmlformats.org/officeDocument/2006/relationships" r:blip="">
+              <dgm:adjLst/>
+            </dgm:shape>
+            <dgm:presOf/>
+            <dgm:choose name="Name7">
+              <dgm:if name="Name8" func="var" arg="dir" op="equ" val="norm">
+                <dgm:constrLst>
+                  <dgm:constr type="l" for="ch" forName="parTx"/>
+                  <dgm:constr type="w" for="ch" forName="parTx" refType="w"/>
+                  <dgm:constr type="t" for="ch" forName="parTx"/>
+                  <dgm:constr type="l" for="ch" forName="desTx"/>
+                  <dgm:constr type="w" for="ch" forName="desTx" refType="w" refFor="ch" refForName="parTx" fact="0.8"/>
+                  <dgm:constr type="t" for="ch" forName="desTx" refType="h" refFor="ch" refForName="parTx" fact="1.125"/>
+                </dgm:constrLst>
+              </dgm:if>
+              <dgm:else name="Name9">
+                <dgm:constrLst>
+                  <dgm:constr type="l" for="ch" forName="parTx"/>
+                  <dgm:constr type="w" for="ch" forName="parTx" refType="w"/>
+                  <dgm:constr type="t" for="ch" forName="parTx"/>
+                  <dgm:constr type="l" for="ch" forName="desTx" refType="w" fact="0.2"/>
+                  <dgm:constr type="w" for="ch" forName="desTx" refType="w" refFor="ch" refForName="parTx" fact="0.8"/>
+                  <dgm:constr type="t" for="ch" forName="desTx" refType="h" refFor="ch" refForName="parTx" fact="1.125"/>
+                </dgm:constrLst>
+              </dgm:else>
+            </dgm:choose>
+            <dgm:ruleLst>
+              <dgm:rule type="h" val="INF" fact="NaN" max="NaN"/>
+            </dgm:ruleLst>
+            <dgm:layoutNode name="parTx">
+              <dgm:varLst>
+                <dgm:chMax val="0"/>
+                <dgm:chPref val="0"/>
+                <dgm:bulletEnabled val="1"/>
+              </dgm:varLst>
+              <dgm:alg type="tx"/>
+              <dgm:choose name="Name10">
+                <dgm:if name="Name11" func="var" arg="dir" op="equ" val="norm">
+                  <dgm:shape xmlns:r="http://schemas.openxmlformats.org/officeDocument/2006/relationships" type="chevron" r:blip="">
+                    <dgm:adjLst/>
+                  </dgm:shape>
+                </dgm:if>
+                <dgm:else name="Name12">
+                  <dgm:shape xmlns:r="http://schemas.openxmlformats.org/officeDocument/2006/relationships" rot="180" type="chevron" r:blip="">
+                    <dgm:adjLst/>
+                  </dgm:shape>
+                </dgm:else>
+              </dgm:choose>
+              <dgm:presOf axis="self" ptType="node"/>
+              <dgm:choose name="Name13">
+                <dgm:if name="Name14" func="var" arg="dir" op="equ" val="norm">
+                  <dgm:constrLst>
+                    <dgm:constr type="h" refType="w" op="lte" fact="0.4"/>
+                    <dgm:constr type="h"/>
+                    <dgm:constr type="tMarg" refType="primFontSz" fact="0.105"/>
+                    <dgm:constr type="bMarg" refType="primFontSz" fact="0.105"/>
+                    <dgm:constr type="lMarg" refType="primFontSz" fact="0.315"/>
+                    <dgm:constr type="rMarg" refType="primFontSz" fact="0.105"/>
+                  </dgm:constrLst>
+                </dgm:if>
+                <dgm:else name="Name15">
+                  <dgm:constrLst>
+                    <dgm:constr type="h" refType="w" op="lte" fact="0.4"/>
+                    <dgm:constr type="h"/>
+                    <dgm:constr type="tMarg" refType="primFontSz" fact="0.105"/>
+                    <dgm:constr type="bMarg" refType="primFontSz" fact="0.105"/>
+                    <dgm:constr type="lMarg" refType="primFontSz" fact="0.105"/>
+                    <dgm:constr type="rMarg" refType="primFontSz" fact="0.315"/>
+                  </dgm:constrLst>
+                </dgm:else>
+              </dgm:choose>
+              <dgm:ruleLst>
+                <dgm:rule type="h" val="INF" fact="NaN" max="NaN"/>
+              </dgm:ruleLst>
+            </dgm:layoutNode>
+            <dgm:layoutNode name="desTx" styleLbl="revTx">
+              <dgm:varLst>
+                <dgm:bulletEnabled val="1"/>
+              </dgm:varLst>
+              <dgm:alg type="tx">
+                <dgm:param type="stBulletLvl" val="1"/>
+              </dgm:alg>
+              <dgm:choose name="Name16">
+                <dgm:if name="Name17" axis="ch" ptType="node" func="cnt" op="gte" val="1">
+                  <dgm:shape xmlns:r="http://schemas.openxmlformats.org/officeDocument/2006/relationships" type="rect" r:blip="">
+                    <dgm:adjLst/>
+                  </dgm:shape>
+                </dgm:if>
+                <dgm:else name="Name18">
+                  <dgm:shape xmlns:r="http://schemas.openxmlformats.org/officeDocument/2006/relationships" type="rect" r:blip="" hideGeom="1">
+                    <dgm:adjLst/>
+                  </dgm:shape>
+                </dgm:else>
+              </dgm:choose>
+              <dgm:presOf axis="des" ptType="node"/>
+              <dgm:constrLst>
+                <dgm:constr type="secFontSz" val="65"/>
+                <dgm:constr type="primFontSz" refType="secFontSz"/>
+                <dgm:constr type="h"/>
+                <dgm:constr type="tMarg"/>
+                <dgm:constr type="bMarg"/>
+                <dgm:constr type="rMarg"/>
+                <dgm:constr type="lMarg"/>
+              </dgm:constrLst>
+              <dgm:ruleLst>
+                <dgm:rule type="h" val="INF" fact="NaN" max="NaN"/>
+              </dgm:ruleLst>
+            </dgm:layoutNode>
+          </dgm:layoutNode>
+          <dgm:forEach name="Name19" axis="followSib" ptType="sibTrans" cnt="1">
+            <dgm:layoutNode name="space">
+              <dgm:alg type="sp"/>
+              <dgm:shape xmlns:r="http://schemas.openxmlformats.org/officeDocument/2006/relationships" r:blip="">
+                <dgm:adjLst/>
+              </dgm:shape>
+              <dgm:presOf/>
+              <dgm:constrLst/>
+              <dgm:ruleLst/>
+            </dgm:layoutNode>
+          </dgm:forEach>
+        </dgm:forEach>
+      </dgm:if>
+      <dgm:else name="Name20">
+        <dgm:constrLst>
+          <dgm:constr type="w" for="ch" forName="parTxOnly" refType="w"/>
+          <dgm:constr type="h" for="des" forName="parTxOnly" op="equ"/>
+          <dgm:constr type="primFontSz" for="des" forName="parTxOnly" op="equ" val="65"/>
+          <dgm:constr type="w" for="ch" forName="parTxOnlySpace" refType="w" refFor="ch" refForName="parTxOnly" fact="-0.1"/>
+        </dgm:constrLst>
+        <dgm:ruleLst/>
+        <dgm:forEach name="Name21" axis="ch" ptType="node">
+          <dgm:layoutNode name="parTxOnly">
+            <dgm:varLst>
+              <dgm:chMax val="0"/>
+              <dgm:chPref val="0"/>
+              <dgm:bulletEnabled val="1"/>
+            </dgm:varLst>
+            <dgm:alg type="tx"/>
+            <dgm:choose name="Name22">
+              <dgm:if name="Name23" func="var" arg="dir" op="equ" val="norm">
+                <dgm:shape xmlns:r="http://schemas.openxmlformats.org/officeDocument/2006/relationships" type="chevron" r:blip="">
+                  <dgm:adjLst/>
+                </dgm:shape>
+              </dgm:if>
+              <dgm:else name="Name24">
+                <dgm:shape xmlns:r="http://schemas.openxmlformats.org/officeDocument/2006/relationships" rot="180" type="chevron" r:blip="">
+                  <dgm:adjLst/>
+                </dgm:shape>
+              </dgm:else>
+            </dgm:choose>
+            <dgm:presOf axis="self" ptType="node"/>
+            <dgm:choose name="Name25">
+              <dgm:if name="Name26" func="var" arg="dir" op="equ" val="norm">
+                <dgm:constrLst>
+                  <dgm:constr type="h" refType="w" op="equ" fact="0.4"/>
+                  <dgm:constr type="tMarg" refType="primFontSz" fact="0.105"/>
+                  <dgm:constr type="bMarg" refType="primFontSz" fact="0.105"/>
+                  <dgm:constr type="lMarg" refType="primFontSz" fact="0.315"/>
+                  <dgm:constr type="rMarg" refType="primFontSz" fact="0.105"/>
+                </dgm:constrLst>
+              </dgm:if>
+              <dgm:else name="Name27">
+                <dgm:constrLst>
+                  <dgm:constr type="h" refType="w" op="equ" fact="0.4"/>
+                  <dgm:constr type="tMarg" refType="primFontSz" fact="0.105"/>
+                  <dgm:constr type="bMarg" refType="primFontSz" fact="0.105"/>
+                  <dgm:constr type="lMarg" refType="primFontSz" fact="0.105"/>
+                  <dgm:constr type="rMarg" refType="primFontSz" fact="0.315"/>
+                </dgm:constrLst>
+              </dgm:else>
+            </dgm:choose>
+            <dgm:ruleLst>
+              <dgm:rule type="primFontSz" val="5" fact="NaN" max="NaN"/>
+            </dgm:ruleLst>
+          </dgm:layoutNode>
+          <dgm:forEach name="Name28" axis="followSib" ptType="sibTrans" cnt="1">
+            <dgm:layoutNode name="parTxOnlySpace">
+              <dgm:alg type="sp"/>
+              <dgm:shape xmlns:r="http://schemas.openxmlformats.org/officeDocument/2006/relationships" r:blip="">
+                <dgm:adjLst/>
+              </dgm:shape>
+              <dgm:presOf/>
+              <dgm:constrLst/>
+              <dgm:ruleLst/>
+            </dgm:layoutNode>
+          </dgm:forEach>
+        </dgm:forEach>
+      </dgm:else>
+    </dgm:choose>
+  </dgm:layoutNode>
+</dgm:layoutDef>
+</file>
+
 <file path=ppt/diagrams/quickStyle1.xml><?xml version="1.0" encoding="utf-8"?>
 <dgm:styleDef xmlns:dgm="http://schemas.openxmlformats.org/drawingml/2006/diagram" xmlns:a="http://schemas.openxmlformats.org/drawingml/2006/main" uniqueId="urn:microsoft.com/office/officeart/2005/8/quickstyle/simple1">
   <dgm:title val=""/>
@@ -8248,7 +8047,7 @@
           <a:p>
             <a:fld id="{CB65154C-7F48-4927-B043-E64196FDC33B}" type="datetimeFigureOut">
               <a:rPr lang="en-US" smtClean="0"/>
-              <a:t>10/3/2020</a:t>
+              <a:t>10/13/2020</a:t>
             </a:fld>
             <a:endParaRPr lang="en-US" dirty="0"/>
           </a:p>
@@ -8446,7 +8245,7 @@
           <a:p>
             <a:fld id="{CB65154C-7F48-4927-B043-E64196FDC33B}" type="datetimeFigureOut">
               <a:rPr lang="en-US" smtClean="0"/>
-              <a:t>10/3/2020</a:t>
+              <a:t>10/13/2020</a:t>
             </a:fld>
             <a:endParaRPr lang="en-US" dirty="0"/>
           </a:p>
@@ -8654,7 +8453,7 @@
           <a:p>
             <a:fld id="{CB65154C-7F48-4927-B043-E64196FDC33B}" type="datetimeFigureOut">
               <a:rPr lang="en-US" smtClean="0"/>
-              <a:t>10/3/2020</a:t>
+              <a:t>10/13/2020</a:t>
             </a:fld>
             <a:endParaRPr lang="en-US" dirty="0"/>
           </a:p>
@@ -8852,7 +8651,7 @@
           <a:p>
             <a:fld id="{CB65154C-7F48-4927-B043-E64196FDC33B}" type="datetimeFigureOut">
               <a:rPr lang="en-US" smtClean="0"/>
-              <a:t>10/3/2020</a:t>
+              <a:t>10/13/2020</a:t>
             </a:fld>
             <a:endParaRPr lang="en-US" dirty="0"/>
           </a:p>
@@ -9127,7 +8926,7 @@
           <a:p>
             <a:fld id="{CB65154C-7F48-4927-B043-E64196FDC33B}" type="datetimeFigureOut">
               <a:rPr lang="en-US" smtClean="0"/>
-              <a:t>10/3/2020</a:t>
+              <a:t>10/13/2020</a:t>
             </a:fld>
             <a:endParaRPr lang="en-US" dirty="0"/>
           </a:p>
@@ -9392,7 +9191,7 @@
           <a:p>
             <a:fld id="{CB65154C-7F48-4927-B043-E64196FDC33B}" type="datetimeFigureOut">
               <a:rPr lang="en-US" smtClean="0"/>
-              <a:t>10/3/2020</a:t>
+              <a:t>10/13/2020</a:t>
             </a:fld>
             <a:endParaRPr lang="en-US" dirty="0"/>
           </a:p>
@@ -9804,7 +9603,7 @@
           <a:p>
             <a:fld id="{CB65154C-7F48-4927-B043-E64196FDC33B}" type="datetimeFigureOut">
               <a:rPr lang="en-US" smtClean="0"/>
-              <a:t>10/3/2020</a:t>
+              <a:t>10/13/2020</a:t>
             </a:fld>
             <a:endParaRPr lang="en-US" dirty="0"/>
           </a:p>
@@ -9945,7 +9744,7 @@
           <a:p>
             <a:fld id="{CB65154C-7F48-4927-B043-E64196FDC33B}" type="datetimeFigureOut">
               <a:rPr lang="en-US" smtClean="0"/>
-              <a:t>10/3/2020</a:t>
+              <a:t>10/13/2020</a:t>
             </a:fld>
             <a:endParaRPr lang="en-US" dirty="0"/>
           </a:p>
@@ -10058,7 +9857,7 @@
           <a:p>
             <a:fld id="{CB65154C-7F48-4927-B043-E64196FDC33B}" type="datetimeFigureOut">
               <a:rPr lang="en-US" smtClean="0"/>
-              <a:t>10/3/2020</a:t>
+              <a:t>10/13/2020</a:t>
             </a:fld>
             <a:endParaRPr lang="en-US" dirty="0"/>
           </a:p>
@@ -10369,7 +10168,7 @@
           <a:p>
             <a:fld id="{CB65154C-7F48-4927-B043-E64196FDC33B}" type="datetimeFigureOut">
               <a:rPr lang="en-US" smtClean="0"/>
-              <a:t>10/3/2020</a:t>
+              <a:t>10/13/2020</a:t>
             </a:fld>
             <a:endParaRPr lang="en-US" dirty="0"/>
           </a:p>
@@ -10657,7 +10456,7 @@
           <a:p>
             <a:fld id="{CB65154C-7F48-4927-B043-E64196FDC33B}" type="datetimeFigureOut">
               <a:rPr lang="en-US" smtClean="0"/>
-              <a:t>10/3/2020</a:t>
+              <a:t>10/13/2020</a:t>
             </a:fld>
             <a:endParaRPr lang="en-US" dirty="0"/>
           </a:p>
@@ -10901,7 +10700,7 @@
           <a:p>
             <a:fld id="{CB65154C-7F48-4927-B043-E64196FDC33B}" type="datetimeFigureOut">
               <a:rPr lang="en-US" smtClean="0"/>
-              <a:t>10/3/2020</a:t>
+              <a:t>10/13/2020</a:t>
             </a:fld>
             <a:endParaRPr lang="en-US" dirty="0"/>
           </a:p>
@@ -11617,12 +11416,12 @@
           <a:chExt cx="0" cy="0"/>
         </a:xfrm>
       </p:grpSpPr>
-      <p:sp>
+      <p:sp useBgFill="1">
         <p:nvSpPr>
-          <p:cNvPr id="21" name="Rectangle 20">
+          <p:cNvPr id="41" name="Rectangle 22">
             <a:extLst>
               <a:ext uri="{FF2B5EF4-FFF2-40B4-BE49-F238E27FC236}">
-                <a16:creationId xmlns:a16="http://schemas.microsoft.com/office/drawing/2014/main" id="{F98ED85F-DCEE-4B50-802E-71A6E3E12B04}"/>
+                <a16:creationId xmlns:a16="http://schemas.microsoft.com/office/drawing/2014/main" id="{CD5D3CE8-6534-4899-B698-BB3C6848EC43}"/>
               </a:ext>
               <a:ext uri="{C183D7F6-B498-43B3-948B-1728B52AA6E4}">
                 <adec:decorative xmlns:adec="http://schemas.microsoft.com/office/drawing/2017/decorative" val="1"/>
@@ -11640,27 +11439,16 @@
             </p:extLst>
           </p:nvPr>
         </p:nvSpPr>
-        <p:spPr bwMode="ltGray">
+        <p:spPr>
           <a:xfrm>
-            <a:off x="321564" y="320040"/>
-            <a:ext cx="11548872" cy="6217920"/>
+            <a:off x="0" y="0"/>
+            <a:ext cx="12188952" cy="6858000"/>
           </a:xfrm>
           <a:prstGeom prst="rect">
             <a:avLst/>
           </a:prstGeom>
-          <a:solidFill>
-            <a:schemeClr val="tx1">
-              <a:alpha val="14000"/>
-            </a:schemeClr>
-          </a:solidFill>
-          <a:ln w="127000" cap="sq" cmpd="thinThick">
-            <a:solidFill>
-              <a:schemeClr val="tx1">
-                <a:lumMod val="85000"/>
-                <a:lumOff val="15000"/>
-                <a:alpha val="15000"/>
-              </a:schemeClr>
-            </a:solidFill>
+          <a:ln>
+            <a:noFill/>
           </a:ln>
         </p:spPr>
         <p:style>
@@ -11688,48 +11476,558 @@
           </a:p>
         </p:txBody>
       </p:sp>
-      <p:sp>
-        <p:nvSpPr>
-          <p:cNvPr id="2" name="Title 1">
+      <p:grpSp>
+        <p:nvGrpSpPr>
+          <p:cNvPr id="42" name="Group 24">
             <a:extLst>
               <a:ext uri="{FF2B5EF4-FFF2-40B4-BE49-F238E27FC236}">
-                <a16:creationId xmlns:a16="http://schemas.microsoft.com/office/drawing/2014/main" id="{97C953C7-DC62-4346-91BA-61E3C32A5696}"/>
+                <a16:creationId xmlns:a16="http://schemas.microsoft.com/office/drawing/2014/main" id="{6C313485-7BF2-43EA-9239-5BAA3034392D}"/>
+              </a:ext>
+              <a:ext uri="{C183D7F6-B498-43B3-948B-1728B52AA6E4}">
+                <adec:decorative xmlns:adec="http://schemas.microsoft.com/office/drawing/2017/decorative" val="1"/>
               </a:ext>
             </a:extLst>
           </p:cNvPr>
-          <p:cNvSpPr>
-            <a:spLocks noGrp="1"/>
-          </p:cNvSpPr>
+          <p:cNvGrpSpPr>
+            <a:grpSpLocks noGrp="1" noUngrp="1" noRot="1" noChangeAspect="1" noMove="1" noResize="1"/>
+          </p:cNvGrpSpPr>
           <p:nvPr>
-            <p:ph type="title"/>
+            <p:extLst>
+              <p:ext uri="{386F3935-93C4-4BCD-93E2-E3B085C9AB24}">
+                <p16:designElem xmlns:p16="http://schemas.microsoft.com/office/powerpoint/2015/main" val="1"/>
+              </p:ext>
+            </p:extLst>
           </p:nvPr>
+        </p:nvGrpSpPr>
+        <p:grpSpPr>
+          <a:xfrm>
+            <a:off x="409710" y="635715"/>
+            <a:ext cx="11142208" cy="2482136"/>
+            <a:chOff x="409710" y="635715"/>
+            <a:chExt cx="11142208" cy="2482136"/>
+          </a:xfrm>
+        </p:grpSpPr>
+        <p:sp>
+          <p:nvSpPr>
+            <p:cNvPr id="26" name="Freeform 44">
+              <a:extLst>
+                <a:ext uri="{FF2B5EF4-FFF2-40B4-BE49-F238E27FC236}">
+                  <a16:creationId xmlns:a16="http://schemas.microsoft.com/office/drawing/2014/main" id="{DECC8AEA-4B25-44FA-B040-C34B0FEBB648}"/>
+                </a:ext>
+                <a:ext uri="{C183D7F6-B498-43B3-948B-1728B52AA6E4}">
+                  <adec:decorative xmlns:adec="http://schemas.microsoft.com/office/drawing/2017/decorative" val="1"/>
+                </a:ext>
+              </a:extLst>
+            </p:cNvPr>
+            <p:cNvSpPr>
+              <a:spLocks/>
+            </p:cNvSpPr>
+            <p:nvPr>
+              <p:extLst>
+                <p:ext uri="{386F3935-93C4-4BCD-93E2-E3B085C9AB24}">
+                  <p16:designElem xmlns:p16="http://schemas.microsoft.com/office/powerpoint/2015/main" val="1"/>
+                </p:ext>
+              </p:extLst>
+            </p:nvPr>
+          </p:nvSpPr>
+          <p:spPr bwMode="auto">
+            <a:xfrm>
+              <a:off x="11223203" y="635716"/>
+              <a:ext cx="328612" cy="1742360"/>
+            </a:xfrm>
+            <a:custGeom>
+              <a:avLst/>
+              <a:gdLst>
+                <a:gd name="T0" fmla="*/ 207 w 207"/>
+                <a:gd name="T1" fmla="*/ 987 h 1114"/>
+                <a:gd name="T2" fmla="*/ 0 w 207"/>
+                <a:gd name="T3" fmla="*/ 1114 h 1114"/>
+                <a:gd name="T4" fmla="*/ 0 w 207"/>
+                <a:gd name="T5" fmla="*/ 127 h 1114"/>
+                <a:gd name="T6" fmla="*/ 207 w 207"/>
+                <a:gd name="T7" fmla="*/ 0 h 1114"/>
+                <a:gd name="T8" fmla="*/ 207 w 207"/>
+                <a:gd name="T9" fmla="*/ 987 h 1114"/>
+              </a:gdLst>
+              <a:ahLst/>
+              <a:cxnLst>
+                <a:cxn ang="0">
+                  <a:pos x="T0" y="T1"/>
+                </a:cxn>
+                <a:cxn ang="0">
+                  <a:pos x="T2" y="T3"/>
+                </a:cxn>
+                <a:cxn ang="0">
+                  <a:pos x="T4" y="T5"/>
+                </a:cxn>
+                <a:cxn ang="0">
+                  <a:pos x="T6" y="T7"/>
+                </a:cxn>
+                <a:cxn ang="0">
+                  <a:pos x="T8" y="T9"/>
+                </a:cxn>
+              </a:cxnLst>
+              <a:rect l="0" t="0" r="r" b="b"/>
+              <a:pathLst>
+                <a:path w="207" h="1114">
+                  <a:moveTo>
+                    <a:pt x="207" y="987"/>
+                  </a:moveTo>
+                  <a:lnTo>
+                    <a:pt x="0" y="1114"/>
+                  </a:lnTo>
+                  <a:lnTo>
+                    <a:pt x="0" y="127"/>
+                  </a:lnTo>
+                  <a:lnTo>
+                    <a:pt x="207" y="0"/>
+                  </a:lnTo>
+                  <a:lnTo>
+                    <a:pt x="207" y="987"/>
+                  </a:lnTo>
+                  <a:close/>
+                </a:path>
+              </a:pathLst>
+            </a:custGeom>
+            <a:solidFill>
+              <a:schemeClr val="accent1">
+                <a:lumMod val="50000"/>
+              </a:schemeClr>
+            </a:solidFill>
+            <a:ln>
+              <a:noFill/>
+            </a:ln>
+          </p:spPr>
+          <p:txBody>
+            <a:bodyPr vert="horz" wrap="square" lIns="91440" tIns="45720" rIns="91440" bIns="45720" numCol="1" anchor="t" anchorCtr="0" compatLnSpc="1">
+              <a:prstTxWarp prst="textNoShape">
+                <a:avLst/>
+              </a:prstTxWarp>
+            </a:bodyPr>
+            <a:lstStyle/>
+            <a:p>
+              <a:endParaRPr lang="en-US"/>
+            </a:p>
+          </p:txBody>
+        </p:sp>
+        <p:sp>
+          <p:nvSpPr>
+            <p:cNvPr id="43" name="Freeform 45">
+              <a:extLst>
+                <a:ext uri="{FF2B5EF4-FFF2-40B4-BE49-F238E27FC236}">
+                  <a16:creationId xmlns:a16="http://schemas.microsoft.com/office/drawing/2014/main" id="{88C5D63D-E29B-48C0-9453-20000B702B59}"/>
+                </a:ext>
+                <a:ext uri="{C183D7F6-B498-43B3-948B-1728B52AA6E4}">
+                  <adec:decorative xmlns:adec="http://schemas.microsoft.com/office/drawing/2017/decorative" val="1"/>
+                </a:ext>
+              </a:extLst>
+            </p:cNvPr>
+            <p:cNvSpPr>
+              <a:spLocks/>
+            </p:cNvSpPr>
+            <p:nvPr>
+              <p:extLst>
+                <p:ext uri="{386F3935-93C4-4BCD-93E2-E3B085C9AB24}">
+                  <p16:designElem xmlns:p16="http://schemas.microsoft.com/office/powerpoint/2015/main" val="1"/>
+                </p:ext>
+              </p:extLst>
+            </p:nvPr>
+          </p:nvSpPr>
+          <p:spPr bwMode="auto">
+            <a:xfrm>
+              <a:off x="409710" y="1022350"/>
+              <a:ext cx="709612" cy="2095501"/>
+            </a:xfrm>
+            <a:custGeom>
+              <a:avLst/>
+              <a:gdLst>
+                <a:gd name="T0" fmla="*/ 447 w 447"/>
+                <a:gd name="T1" fmla="*/ 1363 h 1363"/>
+                <a:gd name="T2" fmla="*/ 0 w 447"/>
+                <a:gd name="T3" fmla="*/ 987 h 1363"/>
+                <a:gd name="T4" fmla="*/ 0 w 447"/>
+                <a:gd name="T5" fmla="*/ 0 h 1363"/>
+                <a:gd name="T6" fmla="*/ 447 w 447"/>
+                <a:gd name="T7" fmla="*/ 376 h 1363"/>
+                <a:gd name="T8" fmla="*/ 447 w 447"/>
+                <a:gd name="T9" fmla="*/ 1363 h 1363"/>
+              </a:gdLst>
+              <a:ahLst/>
+              <a:cxnLst>
+                <a:cxn ang="0">
+                  <a:pos x="T0" y="T1"/>
+                </a:cxn>
+                <a:cxn ang="0">
+                  <a:pos x="T2" y="T3"/>
+                </a:cxn>
+                <a:cxn ang="0">
+                  <a:pos x="T4" y="T5"/>
+                </a:cxn>
+                <a:cxn ang="0">
+                  <a:pos x="T6" y="T7"/>
+                </a:cxn>
+                <a:cxn ang="0">
+                  <a:pos x="T8" y="T9"/>
+                </a:cxn>
+              </a:cxnLst>
+              <a:rect l="0" t="0" r="r" b="b"/>
+              <a:pathLst>
+                <a:path w="447" h="1363">
+                  <a:moveTo>
+                    <a:pt x="447" y="1363"/>
+                  </a:moveTo>
+                  <a:lnTo>
+                    <a:pt x="0" y="987"/>
+                  </a:lnTo>
+                  <a:lnTo>
+                    <a:pt x="0" y="0"/>
+                  </a:lnTo>
+                  <a:lnTo>
+                    <a:pt x="447" y="376"/>
+                  </a:lnTo>
+                  <a:lnTo>
+                    <a:pt x="447" y="1363"/>
+                  </a:lnTo>
+                  <a:close/>
+                </a:path>
+              </a:pathLst>
+            </a:custGeom>
+            <a:solidFill>
+              <a:schemeClr val="accent1">
+                <a:lumMod val="50000"/>
+              </a:schemeClr>
+            </a:solidFill>
+            <a:ln>
+              <a:noFill/>
+            </a:ln>
+          </p:spPr>
+          <p:txBody>
+            <a:bodyPr vert="horz" wrap="square" lIns="91440" tIns="45720" rIns="91440" bIns="45720" numCol="1" anchor="t" anchorCtr="0" compatLnSpc="1">
+              <a:prstTxWarp prst="textNoShape">
+                <a:avLst/>
+              </a:prstTxWarp>
+            </a:bodyPr>
+            <a:lstStyle/>
+            <a:p>
+              <a:endParaRPr lang="en-US"/>
+            </a:p>
+          </p:txBody>
+        </p:sp>
+        <p:sp>
+          <p:nvSpPr>
+            <p:cNvPr id="28" name="Freeform 46">
+              <a:extLst>
+                <a:ext uri="{FF2B5EF4-FFF2-40B4-BE49-F238E27FC236}">
+                  <a16:creationId xmlns:a16="http://schemas.microsoft.com/office/drawing/2014/main" id="{48D22C82-28FA-4F3A-8B17-C11CC2EBA6BA}"/>
+                </a:ext>
+                <a:ext uri="{C183D7F6-B498-43B3-948B-1728B52AA6E4}">
+                  <adec:decorative xmlns:adec="http://schemas.microsoft.com/office/drawing/2017/decorative" val="1"/>
+                </a:ext>
+              </a:extLst>
+            </p:cNvPr>
+            <p:cNvSpPr>
+              <a:spLocks/>
+            </p:cNvSpPr>
+            <p:nvPr>
+              <p:extLst>
+                <p:ext uri="{386F3935-93C4-4BCD-93E2-E3B085C9AB24}">
+                  <p16:designElem xmlns:p16="http://schemas.microsoft.com/office/powerpoint/2015/main" val="1"/>
+                </p:ext>
+              </p:extLst>
+            </p:nvPr>
+          </p:nvSpPr>
+          <p:spPr bwMode="auto">
+            <a:xfrm>
+              <a:off x="409710" y="837744"/>
+              <a:ext cx="403225" cy="1705431"/>
+            </a:xfrm>
+            <a:custGeom>
+              <a:avLst/>
+              <a:gdLst>
+                <a:gd name="T0" fmla="*/ 254 w 254"/>
+                <a:gd name="T1" fmla="*/ 987 h 1109"/>
+                <a:gd name="T2" fmla="*/ 0 w 254"/>
+                <a:gd name="T3" fmla="*/ 1109 h 1109"/>
+                <a:gd name="T4" fmla="*/ 0 w 254"/>
+                <a:gd name="T5" fmla="*/ 119 h 1109"/>
+                <a:gd name="T6" fmla="*/ 254 w 254"/>
+                <a:gd name="T7" fmla="*/ 0 h 1109"/>
+                <a:gd name="T8" fmla="*/ 254 w 254"/>
+                <a:gd name="T9" fmla="*/ 987 h 1109"/>
+              </a:gdLst>
+              <a:ahLst/>
+              <a:cxnLst>
+                <a:cxn ang="0">
+                  <a:pos x="T0" y="T1"/>
+                </a:cxn>
+                <a:cxn ang="0">
+                  <a:pos x="T2" y="T3"/>
+                </a:cxn>
+                <a:cxn ang="0">
+                  <a:pos x="T4" y="T5"/>
+                </a:cxn>
+                <a:cxn ang="0">
+                  <a:pos x="T6" y="T7"/>
+                </a:cxn>
+                <a:cxn ang="0">
+                  <a:pos x="T8" y="T9"/>
+                </a:cxn>
+              </a:cxnLst>
+              <a:rect l="0" t="0" r="r" b="b"/>
+              <a:pathLst>
+                <a:path w="254" h="1109">
+                  <a:moveTo>
+                    <a:pt x="254" y="987"/>
+                  </a:moveTo>
+                  <a:lnTo>
+                    <a:pt x="0" y="1109"/>
+                  </a:lnTo>
+                  <a:lnTo>
+                    <a:pt x="0" y="119"/>
+                  </a:lnTo>
+                  <a:lnTo>
+                    <a:pt x="254" y="0"/>
+                  </a:lnTo>
+                  <a:lnTo>
+                    <a:pt x="254" y="987"/>
+                  </a:lnTo>
+                  <a:close/>
+                </a:path>
+              </a:pathLst>
+            </a:custGeom>
+            <a:solidFill>
+              <a:schemeClr val="accent1">
+                <a:lumMod val="75000"/>
+              </a:schemeClr>
+            </a:solidFill>
+            <a:ln>
+              <a:noFill/>
+            </a:ln>
+          </p:spPr>
+          <p:txBody>
+            <a:bodyPr vert="horz" wrap="square" lIns="91440" tIns="45720" rIns="91440" bIns="45720" numCol="1" anchor="t" anchorCtr="0" compatLnSpc="1">
+              <a:prstTxWarp prst="textNoShape">
+                <a:avLst/>
+              </a:prstTxWarp>
+            </a:bodyPr>
+            <a:lstStyle/>
+            <a:p>
+              <a:endParaRPr lang="en-US"/>
+            </a:p>
+          </p:txBody>
+        </p:sp>
+        <p:sp>
+          <p:nvSpPr>
+            <p:cNvPr id="44" name="Freeform 47">
+              <a:extLst>
+                <a:ext uri="{FF2B5EF4-FFF2-40B4-BE49-F238E27FC236}">
+                  <a16:creationId xmlns:a16="http://schemas.microsoft.com/office/drawing/2014/main" id="{F037018E-FAF9-46CE-A969-6BC7426A6380}"/>
+                </a:ext>
+                <a:ext uri="{C183D7F6-B498-43B3-948B-1728B52AA6E4}">
+                  <adec:decorative xmlns:adec="http://schemas.microsoft.com/office/drawing/2017/decorative" val="1"/>
+                </a:ext>
+              </a:extLst>
+            </p:cNvPr>
+            <p:cNvSpPr>
+              <a:spLocks/>
+            </p:cNvSpPr>
+            <p:nvPr>
+              <p:extLst>
+                <p:ext uri="{386F3935-93C4-4BCD-93E2-E3B085C9AB24}">
+                  <p16:designElem xmlns:p16="http://schemas.microsoft.com/office/powerpoint/2015/main" val="1"/>
+                </p:ext>
+              </p:extLst>
+            </p:nvPr>
+          </p:nvSpPr>
+          <p:spPr bwMode="auto">
+            <a:xfrm>
+              <a:off x="644660" y="640894"/>
+              <a:ext cx="168275" cy="1713195"/>
+            </a:xfrm>
+            <a:custGeom>
+              <a:avLst/>
+              <a:gdLst>
+                <a:gd name="T0" fmla="*/ 106 w 106"/>
+                <a:gd name="T1" fmla="*/ 1114 h 1114"/>
+                <a:gd name="T2" fmla="*/ 0 w 106"/>
+                <a:gd name="T3" fmla="*/ 1005 h 1114"/>
+                <a:gd name="T4" fmla="*/ 0 w 106"/>
+                <a:gd name="T5" fmla="*/ 0 h 1114"/>
+                <a:gd name="T6" fmla="*/ 106 w 106"/>
+                <a:gd name="T7" fmla="*/ 110 h 1114"/>
+                <a:gd name="T8" fmla="*/ 106 w 106"/>
+                <a:gd name="T9" fmla="*/ 1114 h 1114"/>
+              </a:gdLst>
+              <a:ahLst/>
+              <a:cxnLst>
+                <a:cxn ang="0">
+                  <a:pos x="T0" y="T1"/>
+                </a:cxn>
+                <a:cxn ang="0">
+                  <a:pos x="T2" y="T3"/>
+                </a:cxn>
+                <a:cxn ang="0">
+                  <a:pos x="T4" y="T5"/>
+                </a:cxn>
+                <a:cxn ang="0">
+                  <a:pos x="T6" y="T7"/>
+                </a:cxn>
+                <a:cxn ang="0">
+                  <a:pos x="T8" y="T9"/>
+                </a:cxn>
+              </a:cxnLst>
+              <a:rect l="0" t="0" r="r" b="b"/>
+              <a:pathLst>
+                <a:path w="106" h="1114">
+                  <a:moveTo>
+                    <a:pt x="106" y="1114"/>
+                  </a:moveTo>
+                  <a:lnTo>
+                    <a:pt x="0" y="1005"/>
+                  </a:lnTo>
+                  <a:lnTo>
+                    <a:pt x="0" y="0"/>
+                  </a:lnTo>
+                  <a:lnTo>
+                    <a:pt x="106" y="110"/>
+                  </a:lnTo>
+                  <a:lnTo>
+                    <a:pt x="106" y="1114"/>
+                  </a:lnTo>
+                  <a:close/>
+                </a:path>
+              </a:pathLst>
+            </a:custGeom>
+            <a:solidFill>
+              <a:schemeClr val="accent1">
+                <a:lumMod val="50000"/>
+              </a:schemeClr>
+            </a:solidFill>
+            <a:ln>
+              <a:noFill/>
+            </a:ln>
+          </p:spPr>
+          <p:txBody>
+            <a:bodyPr vert="horz" wrap="square" lIns="91440" tIns="45720" rIns="91440" bIns="45720" numCol="1" anchor="t" anchorCtr="0" compatLnSpc="1">
+              <a:prstTxWarp prst="textNoShape">
+                <a:avLst/>
+              </a:prstTxWarp>
+            </a:bodyPr>
+            <a:lstStyle/>
+            <a:p>
+              <a:endParaRPr lang="en-US"/>
+            </a:p>
+          </p:txBody>
+        </p:sp>
+        <p:sp>
+          <p:nvSpPr>
+            <p:cNvPr id="30" name="Rectangle 29">
+              <a:extLst>
+                <a:ext uri="{FF2B5EF4-FFF2-40B4-BE49-F238E27FC236}">
+                  <a16:creationId xmlns:a16="http://schemas.microsoft.com/office/drawing/2014/main" id="{CA86A11D-8AB8-4EEA-B839-065E3408129A}"/>
+                </a:ext>
+                <a:ext uri="{C183D7F6-B498-43B3-948B-1728B52AA6E4}">
+                  <adec:decorative xmlns:adec="http://schemas.microsoft.com/office/drawing/2017/decorative" val="1"/>
+                </a:ext>
+              </a:extLst>
+            </p:cNvPr>
+            <p:cNvSpPr>
+              <a:spLocks noChangeArrowheads="1"/>
+            </p:cNvSpPr>
+            <p:nvPr>
+              <p:extLst>
+                <p:ext uri="{386F3935-93C4-4BCD-93E2-E3B085C9AB24}">
+                  <p16:designElem xmlns:p16="http://schemas.microsoft.com/office/powerpoint/2015/main" val="1"/>
+                </p:ext>
+              </p:extLst>
+            </p:nvPr>
+          </p:nvSpPr>
+          <p:spPr bwMode="auto">
+            <a:xfrm>
+              <a:off x="644055" y="635715"/>
+              <a:ext cx="10907863" cy="1541457"/>
+            </a:xfrm>
+            <a:prstGeom prst="rect">
+              <a:avLst/>
+            </a:prstGeom>
+            <a:solidFill>
+              <a:schemeClr val="accent1"/>
+            </a:solidFill>
+            <a:ln>
+              <a:noFill/>
+            </a:ln>
+          </p:spPr>
+          <p:txBody>
+            <a:bodyPr vert="horz" wrap="square" lIns="91440" tIns="45720" rIns="91440" bIns="45720" numCol="1" anchor="t" anchorCtr="0" compatLnSpc="1">
+              <a:prstTxWarp prst="textNoShape">
+                <a:avLst/>
+              </a:prstTxWarp>
+            </a:bodyPr>
+            <a:lstStyle/>
+            <a:p>
+              <a:endParaRPr lang="en-US"/>
+            </a:p>
+          </p:txBody>
+        </p:sp>
+      </p:grpSp>
+      <p:sp>
+        <p:nvSpPr>
+          <p:cNvPr id="10" name="TextBox 9">
+            <a:extLst>
+              <a:ext uri="{FF2B5EF4-FFF2-40B4-BE49-F238E27FC236}">
+                <a16:creationId xmlns:a16="http://schemas.microsoft.com/office/drawing/2014/main" id="{834FE9DF-80F4-4D50-B166-4395F913DCCB}"/>
+              </a:ext>
+            </a:extLst>
+          </p:cNvPr>
+          <p:cNvSpPr txBox="1"/>
+          <p:nvPr/>
         </p:nvSpPr>
         <p:spPr>
           <a:xfrm>
-            <a:off x="838200" y="631825"/>
-            <a:ext cx="10515600" cy="1325563"/>
+            <a:off x="1047280" y="759805"/>
+            <a:ext cx="10306520" cy="1325563"/>
           </a:xfrm>
+          <a:prstGeom prst="rect">
+            <a:avLst/>
+          </a:prstGeom>
         </p:spPr>
         <p:txBody>
-          <a:bodyPr>
+          <a:bodyPr vert="horz" lIns="91440" tIns="45720" rIns="91440" bIns="45720" rtlCol="0" anchor="ctr">
             <a:normAutofit/>
           </a:bodyPr>
           <a:lstStyle/>
           <a:p>
-            <a:pPr algn="ctr"/>
+            <a:pPr>
+              <a:lnSpc>
+                <a:spcPct val="90000"/>
+              </a:lnSpc>
+              <a:spcBef>
+                <a:spcPct val="0"/>
+              </a:spcBef>
+              <a:spcAft>
+                <a:spcPts val="600"/>
+              </a:spcAft>
+            </a:pPr>
             <a:r>
-              <a:rPr lang="fr-FR"/>
-              <a:t>DOCKERHUB</a:t>
+              <a:rPr lang="en-US" sz="4000" kern="1200">
+                <a:solidFill>
+                  <a:srgbClr val="FFFFFF"/>
+                </a:solidFill>
+                <a:latin typeface="+mj-lt"/>
+                <a:ea typeface="+mj-ea"/>
+                <a:cs typeface="+mj-cs"/>
+              </a:rPr>
+              <a:t>dockerfile</a:t>
             </a:r>
           </a:p>
         </p:txBody>
       </p:sp>
       <p:cxnSp>
         <p:nvCxnSpPr>
-          <p:cNvPr id="23" name="Straight Connector 22">
+          <p:cNvPr id="32" name="Straight Connector 31">
             <a:extLst>
               <a:ext uri="{FF2B5EF4-FFF2-40B4-BE49-F238E27FC236}">
-                <a16:creationId xmlns:a16="http://schemas.microsoft.com/office/drawing/2014/main" id="{E8E35B83-1EC3-4F87-9D54-D863463351B9}"/>
+                <a16:creationId xmlns:a16="http://schemas.microsoft.com/office/drawing/2014/main" id="{14F95C68-AB6E-4C79-8764-E43667ACD6E6}"/>
               </a:ext>
               <a:ext uri="{C183D7F6-B498-43B3-948B-1728B52AA6E4}">
                 <adec:decorative xmlns:adec="http://schemas.microsoft.com/office/drawing/2017/decorative" val="1"/>
@@ -11749,18 +12047,15 @@
         </p:nvCxnSpPr>
         <p:spPr>
           <a:xfrm>
-            <a:off x="897636" y="1957388"/>
-            <a:ext cx="10396728" cy="0"/>
+            <a:off x="8128605" y="2486034"/>
+            <a:ext cx="0" cy="3410712"/>
           </a:xfrm>
           <a:prstGeom prst="line">
             <a:avLst/>
           </a:prstGeom>
-          <a:ln w="22225">
+          <a:ln w="12700">
             <a:solidFill>
-              <a:schemeClr val="tx1">
-                <a:lumMod val="50000"/>
-                <a:lumOff val="50000"/>
-              </a:schemeClr>
+              <a:srgbClr val="FEFFFF"/>
             </a:solidFill>
           </a:ln>
         </p:spPr>
@@ -11779,51 +12074,70 @@
           </a:fontRef>
         </p:style>
       </p:cxnSp>
-      <p:sp>
-        <p:nvSpPr>
-          <p:cNvPr id="3" name="Content Placeholder 2">
+      <p:pic>
+        <p:nvPicPr>
+          <p:cNvPr id="17" name="Content Placeholder 15">
             <a:extLst>
               <a:ext uri="{FF2B5EF4-FFF2-40B4-BE49-F238E27FC236}">
-                <a16:creationId xmlns:a16="http://schemas.microsoft.com/office/drawing/2014/main" id="{0B18B2C8-EF34-4C9C-A8A7-251AB94B6B0B}"/>
+                <a16:creationId xmlns:a16="http://schemas.microsoft.com/office/drawing/2014/main" id="{A6AA440F-EA99-4E99-B4FF-0BCF3E1A9055}"/>
               </a:ext>
             </a:extLst>
           </p:cNvPr>
-          <p:cNvSpPr>
-            <a:spLocks noGrp="1"/>
-          </p:cNvSpPr>
-          <p:nvPr>
-            <p:ph idx="1"/>
-          </p:nvPr>
-        </p:nvSpPr>
+          <p:cNvPicPr>
+            <a:picLocks noChangeAspect="1"/>
+          </p:cNvPicPr>
+          <p:nvPr/>
+        </p:nvPicPr>
+        <p:blipFill>
+          <a:blip r:embed="rId2"/>
+          <a:stretch>
+            <a:fillRect/>
+          </a:stretch>
+        </p:blipFill>
         <p:spPr>
           <a:xfrm>
-            <a:off x="838200" y="2269173"/>
-            <a:ext cx="10515600" cy="3659988"/>
+            <a:off x="6094476" y="2942090"/>
+            <a:ext cx="5544414" cy="3150992"/>
           </a:xfrm>
+          <a:prstGeom prst="rect">
+            <a:avLst/>
+          </a:prstGeom>
         </p:spPr>
-        <p:txBody>
-          <a:bodyPr>
-            <a:normAutofit/>
-          </a:bodyPr>
-          <a:lstStyle/>
-          <a:p>
-            <a:endParaRPr lang="fr-FR" sz="2400"/>
-          </a:p>
-          <a:p>
-            <a:endParaRPr lang="fr-FR" sz="2400"/>
-          </a:p>
-          <a:p>
-            <a:pPr marL="0" indent="0">
-              <a:buNone/>
-            </a:pPr>
-            <a:endParaRPr lang="fr-FR" sz="2400"/>
-          </a:p>
-        </p:txBody>
-      </p:sp>
+      </p:pic>
+      <p:pic>
+        <p:nvPicPr>
+          <p:cNvPr id="8" name="Picture 7">
+            <a:extLst>
+              <a:ext uri="{FF2B5EF4-FFF2-40B4-BE49-F238E27FC236}">
+                <a16:creationId xmlns:a16="http://schemas.microsoft.com/office/drawing/2014/main" id="{25827131-EF5D-401D-9998-BFD07C9968DA}"/>
+              </a:ext>
+            </a:extLst>
+          </p:cNvPr>
+          <p:cNvPicPr>
+            <a:picLocks noChangeAspect="1"/>
+          </p:cNvPicPr>
+          <p:nvPr/>
+        </p:nvPicPr>
+        <p:blipFill>
+          <a:blip r:embed="rId3"/>
+          <a:stretch>
+            <a:fillRect/>
+          </a:stretch>
+        </p:blipFill>
+        <p:spPr>
+          <a:xfrm>
+            <a:off x="812935" y="3152035"/>
+            <a:ext cx="5126978" cy="2658605"/>
+          </a:xfrm>
+          <a:prstGeom prst="rect">
+            <a:avLst/>
+          </a:prstGeom>
+        </p:spPr>
+      </p:pic>
     </p:spTree>
     <p:extLst>
       <p:ext uri="{BB962C8B-B14F-4D97-AF65-F5344CB8AC3E}">
-        <p14:creationId xmlns:p14="http://schemas.microsoft.com/office/powerpoint/2010/main" val="1016195677"/>
+        <p14:creationId xmlns:p14="http://schemas.microsoft.com/office/powerpoint/2010/main" val="2424030603"/>
       </p:ext>
     </p:extLst>
   </p:cSld>
@@ -11858,12 +12172,12 @@
           <a:chExt cx="0" cy="0"/>
         </a:xfrm>
       </p:grpSpPr>
-      <p:sp>
+      <p:sp useBgFill="1">
         <p:nvSpPr>
           <p:cNvPr id="15" name="Rectangle 14">
             <a:extLst>
               <a:ext uri="{FF2B5EF4-FFF2-40B4-BE49-F238E27FC236}">
-                <a16:creationId xmlns:a16="http://schemas.microsoft.com/office/drawing/2014/main" id="{B36F400F-DF28-43BC-8D8E-4929793B392A}"/>
+                <a16:creationId xmlns:a16="http://schemas.microsoft.com/office/drawing/2014/main" id="{827B839B-9ADE-406B-8590-F1CAEDED45A1}"/>
               </a:ext>
               <a:ext uri="{C183D7F6-B498-43B3-948B-1728B52AA6E4}">
                 <adec:decorative xmlns:adec="http://schemas.microsoft.com/office/drawing/2017/decorative" val="1"/>
@@ -11881,25 +12195,16 @@
             </p:extLst>
           </p:nvPr>
         </p:nvSpPr>
-        <p:spPr bwMode="ltGray">
+        <p:spPr>
           <a:xfrm>
-            <a:off x="321564" y="320040"/>
-            <a:ext cx="11548872" cy="6217920"/>
+            <a:off x="0" y="0"/>
+            <a:ext cx="12188952" cy="6858000"/>
           </a:xfrm>
           <a:prstGeom prst="rect">
             <a:avLst/>
           </a:prstGeom>
-          <a:solidFill>
-            <a:schemeClr val="tx1">
-              <a:alpha val="15000"/>
-            </a:schemeClr>
-          </a:solidFill>
-          <a:ln w="127000" cap="sq" cmpd="thinThick">
-            <a:solidFill>
-              <a:schemeClr val="tx1">
-                <a:alpha val="10000"/>
-              </a:schemeClr>
-            </a:solidFill>
+          <a:ln>
+            <a:noFill/>
           </a:ln>
         </p:spPr>
         <p:style>
@@ -11927,115 +12232,567 @@
           </a:p>
         </p:txBody>
       </p:sp>
-      <p:pic>
-        <p:nvPicPr>
-          <p:cNvPr id="11" name="Content Placeholder 10">
+      <p:sp>
+        <p:nvSpPr>
+          <p:cNvPr id="17" name="Freeform 45">
             <a:extLst>
               <a:ext uri="{FF2B5EF4-FFF2-40B4-BE49-F238E27FC236}">
-                <a16:creationId xmlns:a16="http://schemas.microsoft.com/office/drawing/2014/main" id="{DF1B7B98-09D1-4983-AA43-A1311055F9BE}"/>
+                <a16:creationId xmlns:a16="http://schemas.microsoft.com/office/drawing/2014/main" id="{CFE45BF0-46DB-408C-B5F7-7B11716805D4}"/>
+              </a:ext>
+              <a:ext uri="{C183D7F6-B498-43B3-948B-1728B52AA6E4}">
+                <adec:decorative xmlns:adec="http://schemas.microsoft.com/office/drawing/2017/decorative" val="1"/>
               </a:ext>
             </a:extLst>
           </p:cNvPr>
-          <p:cNvPicPr>
-            <a:picLocks noGrp="1" noChangeAspect="1"/>
-          </p:cNvPicPr>
+          <p:cNvSpPr>
+            <a:spLocks noGrp="1" noRot="1" noChangeAspect="1" noMove="1" noResize="1" noEditPoints="1" noAdjustHandles="1" noChangeArrowheads="1" noChangeShapeType="1" noTextEdit="1"/>
+          </p:cNvSpPr>
           <p:nvPr>
-            <p:ph sz="half" idx="1"/>
+            <p:extLst>
+              <p:ext uri="{386F3935-93C4-4BCD-93E2-E3B085C9AB24}">
+                <p16:designElem xmlns:p16="http://schemas.microsoft.com/office/powerpoint/2015/main" val="1"/>
+              </p:ext>
+            </p:extLst>
           </p:nvPr>
-        </p:nvPicPr>
-        <p:blipFill>
-          <a:blip r:embed="rId2"/>
-          <a:stretch>
-            <a:fillRect/>
-          </a:stretch>
-        </p:blipFill>
-        <p:spPr>
+        </p:nvSpPr>
+        <p:spPr bwMode="auto">
           <a:xfrm>
-            <a:off x="838200" y="2500410"/>
-            <a:ext cx="5097463" cy="3150992"/>
+            <a:off x="409710" y="1022350"/>
+            <a:ext cx="709612" cy="2095501"/>
+          </a:xfrm>
+          <a:custGeom>
+            <a:avLst/>
+            <a:gdLst>
+              <a:gd name="T0" fmla="*/ 447 w 447"/>
+              <a:gd name="T1" fmla="*/ 1363 h 1363"/>
+              <a:gd name="T2" fmla="*/ 0 w 447"/>
+              <a:gd name="T3" fmla="*/ 987 h 1363"/>
+              <a:gd name="T4" fmla="*/ 0 w 447"/>
+              <a:gd name="T5" fmla="*/ 0 h 1363"/>
+              <a:gd name="T6" fmla="*/ 447 w 447"/>
+              <a:gd name="T7" fmla="*/ 376 h 1363"/>
+              <a:gd name="T8" fmla="*/ 447 w 447"/>
+              <a:gd name="T9" fmla="*/ 1363 h 1363"/>
+            </a:gdLst>
+            <a:ahLst/>
+            <a:cxnLst>
+              <a:cxn ang="0">
+                <a:pos x="T0" y="T1"/>
+              </a:cxn>
+              <a:cxn ang="0">
+                <a:pos x="T2" y="T3"/>
+              </a:cxn>
+              <a:cxn ang="0">
+                <a:pos x="T4" y="T5"/>
+              </a:cxn>
+              <a:cxn ang="0">
+                <a:pos x="T6" y="T7"/>
+              </a:cxn>
+              <a:cxn ang="0">
+                <a:pos x="T8" y="T9"/>
+              </a:cxn>
+            </a:cxnLst>
+            <a:rect l="0" t="0" r="r" b="b"/>
+            <a:pathLst>
+              <a:path w="447" h="1363">
+                <a:moveTo>
+                  <a:pt x="447" y="1363"/>
+                </a:moveTo>
+                <a:lnTo>
+                  <a:pt x="0" y="987"/>
+                </a:lnTo>
+                <a:lnTo>
+                  <a:pt x="0" y="0"/>
+                </a:lnTo>
+                <a:lnTo>
+                  <a:pt x="447" y="376"/>
+                </a:lnTo>
+                <a:lnTo>
+                  <a:pt x="447" y="1363"/>
+                </a:lnTo>
+                <a:close/>
+              </a:path>
+            </a:pathLst>
+          </a:custGeom>
+          <a:solidFill>
+            <a:schemeClr val="accent1">
+              <a:lumMod val="50000"/>
+            </a:schemeClr>
+          </a:solidFill>
+          <a:ln>
+            <a:noFill/>
+          </a:ln>
+        </p:spPr>
+        <p:txBody>
+          <a:bodyPr vert="horz" wrap="square" lIns="91440" tIns="45720" rIns="91440" bIns="45720" numCol="1" anchor="t" anchorCtr="0" compatLnSpc="1">
+            <a:prstTxWarp prst="textNoShape">
+              <a:avLst/>
+            </a:prstTxWarp>
+          </a:bodyPr>
+          <a:lstStyle/>
+          <a:p>
+            <a:endParaRPr lang="en-US"/>
+          </a:p>
+        </p:txBody>
+      </p:sp>
+      <p:sp>
+        <p:nvSpPr>
+          <p:cNvPr id="19" name="Freeform 46">
+            <a:extLst>
+              <a:ext uri="{FF2B5EF4-FFF2-40B4-BE49-F238E27FC236}">
+                <a16:creationId xmlns:a16="http://schemas.microsoft.com/office/drawing/2014/main" id="{2AEBC8F2-97B1-41B4-93F1-2D289E197FBA}"/>
+              </a:ext>
+              <a:ext uri="{C183D7F6-B498-43B3-948B-1728B52AA6E4}">
+                <adec:decorative xmlns:adec="http://schemas.microsoft.com/office/drawing/2017/decorative" val="1"/>
+              </a:ext>
+            </a:extLst>
+          </p:cNvPr>
+          <p:cNvSpPr>
+            <a:spLocks noGrp="1" noRot="1" noChangeAspect="1" noMove="1" noResize="1" noEditPoints="1" noAdjustHandles="1" noChangeArrowheads="1" noChangeShapeType="1" noTextEdit="1"/>
+          </p:cNvSpPr>
+          <p:nvPr>
+            <p:extLst>
+              <p:ext uri="{386F3935-93C4-4BCD-93E2-E3B085C9AB24}">
+                <p16:designElem xmlns:p16="http://schemas.microsoft.com/office/powerpoint/2015/main" val="1"/>
+              </p:ext>
+            </p:extLst>
+          </p:nvPr>
+        </p:nvSpPr>
+        <p:spPr bwMode="auto">
+          <a:xfrm>
+            <a:off x="409710" y="837744"/>
+            <a:ext cx="403225" cy="1705431"/>
+          </a:xfrm>
+          <a:custGeom>
+            <a:avLst/>
+            <a:gdLst>
+              <a:gd name="T0" fmla="*/ 254 w 254"/>
+              <a:gd name="T1" fmla="*/ 987 h 1109"/>
+              <a:gd name="T2" fmla="*/ 0 w 254"/>
+              <a:gd name="T3" fmla="*/ 1109 h 1109"/>
+              <a:gd name="T4" fmla="*/ 0 w 254"/>
+              <a:gd name="T5" fmla="*/ 119 h 1109"/>
+              <a:gd name="T6" fmla="*/ 254 w 254"/>
+              <a:gd name="T7" fmla="*/ 0 h 1109"/>
+              <a:gd name="T8" fmla="*/ 254 w 254"/>
+              <a:gd name="T9" fmla="*/ 987 h 1109"/>
+            </a:gdLst>
+            <a:ahLst/>
+            <a:cxnLst>
+              <a:cxn ang="0">
+                <a:pos x="T0" y="T1"/>
+              </a:cxn>
+              <a:cxn ang="0">
+                <a:pos x="T2" y="T3"/>
+              </a:cxn>
+              <a:cxn ang="0">
+                <a:pos x="T4" y="T5"/>
+              </a:cxn>
+              <a:cxn ang="0">
+                <a:pos x="T6" y="T7"/>
+              </a:cxn>
+              <a:cxn ang="0">
+                <a:pos x="T8" y="T9"/>
+              </a:cxn>
+            </a:cxnLst>
+            <a:rect l="0" t="0" r="r" b="b"/>
+            <a:pathLst>
+              <a:path w="254" h="1109">
+                <a:moveTo>
+                  <a:pt x="254" y="987"/>
+                </a:moveTo>
+                <a:lnTo>
+                  <a:pt x="0" y="1109"/>
+                </a:lnTo>
+                <a:lnTo>
+                  <a:pt x="0" y="119"/>
+                </a:lnTo>
+                <a:lnTo>
+                  <a:pt x="254" y="0"/>
+                </a:lnTo>
+                <a:lnTo>
+                  <a:pt x="254" y="987"/>
+                </a:lnTo>
+                <a:close/>
+              </a:path>
+            </a:pathLst>
+          </a:custGeom>
+          <a:solidFill>
+            <a:schemeClr val="accent1">
+              <a:lumMod val="75000"/>
+            </a:schemeClr>
+          </a:solidFill>
+          <a:ln>
+            <a:noFill/>
+          </a:ln>
+        </p:spPr>
+        <p:txBody>
+          <a:bodyPr vert="horz" wrap="square" lIns="91440" tIns="45720" rIns="91440" bIns="45720" numCol="1" anchor="t" anchorCtr="0" compatLnSpc="1">
+            <a:prstTxWarp prst="textNoShape">
+              <a:avLst/>
+            </a:prstTxWarp>
+          </a:bodyPr>
+          <a:lstStyle/>
+          <a:p>
+            <a:endParaRPr lang="en-US"/>
+          </a:p>
+        </p:txBody>
+      </p:sp>
+      <p:sp>
+        <p:nvSpPr>
+          <p:cNvPr id="21" name="Freeform 47">
+            <a:extLst>
+              <a:ext uri="{FF2B5EF4-FFF2-40B4-BE49-F238E27FC236}">
+                <a16:creationId xmlns:a16="http://schemas.microsoft.com/office/drawing/2014/main" id="{472E3A19-F5D5-48FC-BB9C-48C2F68F598B}"/>
+              </a:ext>
+              <a:ext uri="{C183D7F6-B498-43B3-948B-1728B52AA6E4}">
+                <adec:decorative xmlns:adec="http://schemas.microsoft.com/office/drawing/2017/decorative" val="1"/>
+              </a:ext>
+            </a:extLst>
+          </p:cNvPr>
+          <p:cNvSpPr>
+            <a:spLocks noGrp="1" noRot="1" noChangeAspect="1" noMove="1" noResize="1" noEditPoints="1" noAdjustHandles="1" noChangeArrowheads="1" noChangeShapeType="1" noTextEdit="1"/>
+          </p:cNvSpPr>
+          <p:nvPr>
+            <p:extLst>
+              <p:ext uri="{386F3935-93C4-4BCD-93E2-E3B085C9AB24}">
+                <p16:designElem xmlns:p16="http://schemas.microsoft.com/office/powerpoint/2015/main" val="1"/>
+              </p:ext>
+            </p:extLst>
+          </p:nvPr>
+        </p:nvSpPr>
+        <p:spPr bwMode="auto">
+          <a:xfrm>
+            <a:off x="644660" y="640894"/>
+            <a:ext cx="168275" cy="1713195"/>
+          </a:xfrm>
+          <a:custGeom>
+            <a:avLst/>
+            <a:gdLst>
+              <a:gd name="T0" fmla="*/ 106 w 106"/>
+              <a:gd name="T1" fmla="*/ 1114 h 1114"/>
+              <a:gd name="T2" fmla="*/ 0 w 106"/>
+              <a:gd name="T3" fmla="*/ 1005 h 1114"/>
+              <a:gd name="T4" fmla="*/ 0 w 106"/>
+              <a:gd name="T5" fmla="*/ 0 h 1114"/>
+              <a:gd name="T6" fmla="*/ 106 w 106"/>
+              <a:gd name="T7" fmla="*/ 110 h 1114"/>
+              <a:gd name="T8" fmla="*/ 106 w 106"/>
+              <a:gd name="T9" fmla="*/ 1114 h 1114"/>
+            </a:gdLst>
+            <a:ahLst/>
+            <a:cxnLst>
+              <a:cxn ang="0">
+                <a:pos x="T0" y="T1"/>
+              </a:cxn>
+              <a:cxn ang="0">
+                <a:pos x="T2" y="T3"/>
+              </a:cxn>
+              <a:cxn ang="0">
+                <a:pos x="T4" y="T5"/>
+              </a:cxn>
+              <a:cxn ang="0">
+                <a:pos x="T6" y="T7"/>
+              </a:cxn>
+              <a:cxn ang="0">
+                <a:pos x="T8" y="T9"/>
+              </a:cxn>
+            </a:cxnLst>
+            <a:rect l="0" t="0" r="r" b="b"/>
+            <a:pathLst>
+              <a:path w="106" h="1114">
+                <a:moveTo>
+                  <a:pt x="106" y="1114"/>
+                </a:moveTo>
+                <a:lnTo>
+                  <a:pt x="0" y="1005"/>
+                </a:lnTo>
+                <a:lnTo>
+                  <a:pt x="0" y="0"/>
+                </a:lnTo>
+                <a:lnTo>
+                  <a:pt x="106" y="110"/>
+                </a:lnTo>
+                <a:lnTo>
+                  <a:pt x="106" y="1114"/>
+                </a:lnTo>
+                <a:close/>
+              </a:path>
+            </a:pathLst>
+          </a:custGeom>
+          <a:solidFill>
+            <a:schemeClr val="accent1">
+              <a:lumMod val="50000"/>
+            </a:schemeClr>
+          </a:solidFill>
+          <a:ln>
+            <a:noFill/>
+          </a:ln>
+        </p:spPr>
+        <p:txBody>
+          <a:bodyPr vert="horz" wrap="square" lIns="91440" tIns="45720" rIns="91440" bIns="45720" numCol="1" anchor="t" anchorCtr="0" compatLnSpc="1">
+            <a:prstTxWarp prst="textNoShape">
+              <a:avLst/>
+            </a:prstTxWarp>
+          </a:bodyPr>
+          <a:lstStyle/>
+          <a:p>
+            <a:endParaRPr lang="en-US"/>
+          </a:p>
+        </p:txBody>
+      </p:sp>
+      <p:sp>
+        <p:nvSpPr>
+          <p:cNvPr id="23" name="Freeform 44">
+            <a:extLst>
+              <a:ext uri="{FF2B5EF4-FFF2-40B4-BE49-F238E27FC236}">
+                <a16:creationId xmlns:a16="http://schemas.microsoft.com/office/drawing/2014/main" id="{7A62E32F-BB65-43A8-8EB5-92346890E549}"/>
+              </a:ext>
+              <a:ext uri="{C183D7F6-B498-43B3-948B-1728B52AA6E4}">
+                <adec:decorative xmlns:adec="http://schemas.microsoft.com/office/drawing/2017/decorative" val="1"/>
+              </a:ext>
+            </a:extLst>
+          </p:cNvPr>
+          <p:cNvSpPr>
+            <a:spLocks noGrp="1" noRot="1" noChangeAspect="1" noMove="1" noResize="1" noEditPoints="1" noAdjustHandles="1" noChangeArrowheads="1" noChangeShapeType="1" noTextEdit="1"/>
+          </p:cNvSpPr>
+          <p:nvPr>
+            <p:extLst>
+              <p:ext uri="{386F3935-93C4-4BCD-93E2-E3B085C9AB24}">
+                <p16:designElem xmlns:p16="http://schemas.microsoft.com/office/powerpoint/2015/main" val="1"/>
+              </p:ext>
+            </p:extLst>
+          </p:nvPr>
+        </p:nvSpPr>
+        <p:spPr bwMode="auto">
+          <a:xfrm>
+            <a:off x="11223203" y="635716"/>
+            <a:ext cx="328612" cy="1742360"/>
+          </a:xfrm>
+          <a:custGeom>
+            <a:avLst/>
+            <a:gdLst>
+              <a:gd name="T0" fmla="*/ 207 w 207"/>
+              <a:gd name="T1" fmla="*/ 987 h 1114"/>
+              <a:gd name="T2" fmla="*/ 0 w 207"/>
+              <a:gd name="T3" fmla="*/ 1114 h 1114"/>
+              <a:gd name="T4" fmla="*/ 0 w 207"/>
+              <a:gd name="T5" fmla="*/ 127 h 1114"/>
+              <a:gd name="T6" fmla="*/ 207 w 207"/>
+              <a:gd name="T7" fmla="*/ 0 h 1114"/>
+              <a:gd name="T8" fmla="*/ 207 w 207"/>
+              <a:gd name="T9" fmla="*/ 987 h 1114"/>
+            </a:gdLst>
+            <a:ahLst/>
+            <a:cxnLst>
+              <a:cxn ang="0">
+                <a:pos x="T0" y="T1"/>
+              </a:cxn>
+              <a:cxn ang="0">
+                <a:pos x="T2" y="T3"/>
+              </a:cxn>
+              <a:cxn ang="0">
+                <a:pos x="T4" y="T5"/>
+              </a:cxn>
+              <a:cxn ang="0">
+                <a:pos x="T6" y="T7"/>
+              </a:cxn>
+              <a:cxn ang="0">
+                <a:pos x="T8" y="T9"/>
+              </a:cxn>
+            </a:cxnLst>
+            <a:rect l="0" t="0" r="r" b="b"/>
+            <a:pathLst>
+              <a:path w="207" h="1114">
+                <a:moveTo>
+                  <a:pt x="207" y="987"/>
+                </a:moveTo>
+                <a:lnTo>
+                  <a:pt x="0" y="1114"/>
+                </a:lnTo>
+                <a:lnTo>
+                  <a:pt x="0" y="127"/>
+                </a:lnTo>
+                <a:lnTo>
+                  <a:pt x="207" y="0"/>
+                </a:lnTo>
+                <a:lnTo>
+                  <a:pt x="207" y="987"/>
+                </a:lnTo>
+                <a:close/>
+              </a:path>
+            </a:pathLst>
+          </a:custGeom>
+          <a:solidFill>
+            <a:schemeClr val="accent1">
+              <a:lumMod val="50000"/>
+            </a:schemeClr>
+          </a:solidFill>
+          <a:ln>
+            <a:noFill/>
+          </a:ln>
+        </p:spPr>
+        <p:txBody>
+          <a:bodyPr vert="horz" wrap="square" lIns="91440" tIns="45720" rIns="91440" bIns="45720" numCol="1" anchor="t" anchorCtr="0" compatLnSpc="1">
+            <a:prstTxWarp prst="textNoShape">
+              <a:avLst/>
+            </a:prstTxWarp>
+          </a:bodyPr>
+          <a:lstStyle/>
+          <a:p>
+            <a:endParaRPr lang="en-US"/>
+          </a:p>
+        </p:txBody>
+      </p:sp>
+      <p:sp>
+        <p:nvSpPr>
+          <p:cNvPr id="25" name="Rectangle 24">
+            <a:extLst>
+              <a:ext uri="{FF2B5EF4-FFF2-40B4-BE49-F238E27FC236}">
+                <a16:creationId xmlns:a16="http://schemas.microsoft.com/office/drawing/2014/main" id="{14E91B64-9FCC-451E-AFB4-A827D6329367}"/>
+              </a:ext>
+              <a:ext uri="{C183D7F6-B498-43B3-948B-1728B52AA6E4}">
+                <adec:decorative xmlns:adec="http://schemas.microsoft.com/office/drawing/2017/decorative" val="1"/>
+              </a:ext>
+            </a:extLst>
+          </p:cNvPr>
+          <p:cNvSpPr>
+            <a:spLocks noGrp="1" noRot="1" noChangeAspect="1" noMove="1" noResize="1" noEditPoints="1" noAdjustHandles="1" noChangeArrowheads="1" noChangeShapeType="1" noTextEdit="1"/>
+          </p:cNvSpPr>
+          <p:nvPr>
+            <p:extLst>
+              <p:ext uri="{386F3935-93C4-4BCD-93E2-E3B085C9AB24}">
+                <p16:designElem xmlns:p16="http://schemas.microsoft.com/office/powerpoint/2015/main" val="1"/>
+              </p:ext>
+            </p:extLst>
+          </p:nvPr>
+        </p:nvSpPr>
+        <p:spPr bwMode="auto">
+          <a:xfrm>
+            <a:off x="644055" y="635715"/>
+            <a:ext cx="10907863" cy="1541457"/>
           </a:xfrm>
           <a:prstGeom prst="rect">
             <a:avLst/>
           </a:prstGeom>
+          <a:solidFill>
+            <a:schemeClr val="accent1"/>
+          </a:solidFill>
+          <a:ln>
+            <a:noFill/>
+          </a:ln>
         </p:spPr>
-      </p:pic>
-      <p:pic>
-        <p:nvPicPr>
-          <p:cNvPr id="16" name="Content Placeholder 15">
+        <p:txBody>
+          <a:bodyPr vert="horz" wrap="square" lIns="91440" tIns="45720" rIns="91440" bIns="45720" numCol="1" anchor="t" anchorCtr="0" compatLnSpc="1">
+            <a:prstTxWarp prst="textNoShape">
+              <a:avLst/>
+            </a:prstTxWarp>
+          </a:bodyPr>
+          <a:lstStyle/>
+          <a:p>
+            <a:endParaRPr lang="en-US"/>
+          </a:p>
+        </p:txBody>
+      </p:sp>
+      <p:sp>
+        <p:nvSpPr>
+          <p:cNvPr id="2" name="Title 1">
             <a:extLst>
               <a:ext uri="{FF2B5EF4-FFF2-40B4-BE49-F238E27FC236}">
-                <a16:creationId xmlns:a16="http://schemas.microsoft.com/office/drawing/2014/main" id="{6A0B5790-4B61-4C2E-B9FF-58CDB1E435D4}"/>
+                <a16:creationId xmlns:a16="http://schemas.microsoft.com/office/drawing/2014/main" id="{1FF14A7E-3DDB-41BB-83DD-7045E2760007}"/>
               </a:ext>
             </a:extLst>
           </p:cNvPr>
-          <p:cNvPicPr>
-            <a:picLocks noGrp="1" noChangeAspect="1"/>
-          </p:cNvPicPr>
+          <p:cNvSpPr>
+            <a:spLocks noGrp="1"/>
+          </p:cNvSpPr>
           <p:nvPr>
-            <p:ph sz="half" idx="2"/>
+            <p:ph type="title"/>
           </p:nvPr>
-        </p:nvPicPr>
-        <p:blipFill>
-          <a:blip r:embed="rId3"/>
-          <a:stretch>
-            <a:fillRect/>
-          </a:stretch>
-        </p:blipFill>
+        </p:nvSpPr>
         <p:spPr>
           <a:xfrm>
-            <a:off x="6096000" y="2476774"/>
-            <a:ext cx="5544414" cy="3150992"/>
+            <a:off x="958506" y="800392"/>
+            <a:ext cx="10264697" cy="1212102"/>
           </a:xfrm>
-          <a:prstGeom prst="rect">
-            <a:avLst/>
-          </a:prstGeom>
         </p:spPr>
-      </p:pic>
+        <p:txBody>
+          <a:bodyPr>
+            <a:normAutofit/>
+          </a:bodyPr>
+          <a:lstStyle/>
+          <a:p>
+            <a:r>
+              <a:rPr lang="fr-FR" sz="4000" dirty="0">
+                <a:solidFill>
+                  <a:srgbClr val="FFFFFF"/>
+                </a:solidFill>
+              </a:rPr>
+              <a:t>Des Fonctionnalités de Docker</a:t>
+            </a:r>
+          </a:p>
+        </p:txBody>
+      </p:sp>
       <p:sp>
         <p:nvSpPr>
-          <p:cNvPr id="10" name="TextBox 9">
+          <p:cNvPr id="3" name="Content Placeholder 2">
             <a:extLst>
               <a:ext uri="{FF2B5EF4-FFF2-40B4-BE49-F238E27FC236}">
-                <a16:creationId xmlns:a16="http://schemas.microsoft.com/office/drawing/2014/main" id="{834FE9DF-80F4-4D50-B166-4395F913DCCB}"/>
+                <a16:creationId xmlns:a16="http://schemas.microsoft.com/office/drawing/2014/main" id="{3E5F20F5-4461-49C3-87B0-ACAB0287799D}"/>
               </a:ext>
             </a:extLst>
           </p:cNvPr>
-          <p:cNvSpPr txBox="1"/>
-          <p:nvPr/>
+          <p:cNvSpPr>
+            <a:spLocks noGrp="1"/>
+          </p:cNvSpPr>
+          <p:nvPr>
+            <p:ph idx="1"/>
+          </p:nvPr>
         </p:nvSpPr>
         <p:spPr>
           <a:xfrm>
-            <a:off x="838200" y="731511"/>
-            <a:ext cx="10515600" cy="1200329"/>
+            <a:off x="1367624" y="2490436"/>
+            <a:ext cx="9708995" cy="3567173"/>
           </a:xfrm>
-          <a:prstGeom prst="rect">
-            <a:avLst/>
-          </a:prstGeom>
-          <a:noFill/>
         </p:spPr>
         <p:txBody>
-          <a:bodyPr wrap="square" rtlCol="0">
-            <a:spAutoFit/>
+          <a:bodyPr anchor="ctr">
+            <a:normAutofit/>
           </a:bodyPr>
           <a:lstStyle/>
           <a:p>
-            <a:pPr algn="ctr">
-              <a:spcAft>
-                <a:spcPts val="600"/>
-              </a:spcAft>
+            <a:r>
+              <a:rPr lang="fr-FR" sz="2400" dirty="0"/>
+              <a:t>Docker Volume: un gestionnaire de fichier</a:t>
+            </a:r>
+          </a:p>
+          <a:p>
+            <a:pPr marL="0" indent="0">
+              <a:buNone/>
             </a:pPr>
+            <a:br>
+              <a:rPr lang="fr-FR" sz="2400" dirty="0"/>
+            </a:br>
+            <a:br>
+              <a:rPr lang="fr-FR" sz="2400" dirty="0"/>
+            </a:br>
+            <a:endParaRPr lang="fr-FR" sz="2400" dirty="0"/>
+          </a:p>
+          <a:p>
             <a:r>
-              <a:rPr lang="en-US" sz="7200" dirty="0"/>
-              <a:t>dockerfile</a:t>
+              <a:rPr lang="fr-FR" sz="2400" dirty="0"/>
+              <a:t>Docker Network: docker a son propre DNS.</a:t>
             </a:r>
-            <a:endParaRPr lang="fr-FR" sz="7200" dirty="0"/>
+          </a:p>
+          <a:p>
+            <a:endParaRPr lang="fr-FR" sz="2400" dirty="0"/>
           </a:p>
         </p:txBody>
       </p:sp>
     </p:spTree>
     <p:extLst>
       <p:ext uri="{BB962C8B-B14F-4D97-AF65-F5344CB8AC3E}">
-        <p14:creationId xmlns:p14="http://schemas.microsoft.com/office/powerpoint/2010/main" val="2424030603"/>
+        <p14:creationId xmlns:p14="http://schemas.microsoft.com/office/powerpoint/2010/main" val="3253380417"/>
       </p:ext>
     </p:extLst>
   </p:cSld>
@@ -12070,12 +12827,12 @@
           <a:chExt cx="0" cy="0"/>
         </a:xfrm>
       </p:grpSpPr>
-      <p:sp>
+      <p:sp useBgFill="1">
         <p:nvSpPr>
-          <p:cNvPr id="8" name="Rectangle 7">
+          <p:cNvPr id="16" name="Rectangle 15">
             <a:extLst>
               <a:ext uri="{FF2B5EF4-FFF2-40B4-BE49-F238E27FC236}">
-                <a16:creationId xmlns:a16="http://schemas.microsoft.com/office/drawing/2014/main" id="{F98ED85F-DCEE-4B50-802E-71A6E3E12B04}"/>
+                <a16:creationId xmlns:a16="http://schemas.microsoft.com/office/drawing/2014/main" id="{4A70F4F6-8761-4016-931A-4535464E4C26}"/>
               </a:ext>
               <a:ext uri="{C183D7F6-B498-43B3-948B-1728B52AA6E4}">
                 <adec:decorative xmlns:adec="http://schemas.microsoft.com/office/drawing/2017/decorative" val="1"/>
@@ -12093,27 +12850,16 @@
             </p:extLst>
           </p:nvPr>
         </p:nvSpPr>
-        <p:spPr bwMode="ltGray">
+        <p:spPr>
           <a:xfrm>
-            <a:off x="321564" y="320040"/>
-            <a:ext cx="11548872" cy="6217920"/>
+            <a:off x="0" y="0"/>
+            <a:ext cx="12192001" cy="6858000"/>
           </a:xfrm>
           <a:prstGeom prst="rect">
             <a:avLst/>
           </a:prstGeom>
-          <a:solidFill>
-            <a:schemeClr val="tx1">
-              <a:alpha val="14000"/>
-            </a:schemeClr>
-          </a:solidFill>
-          <a:ln w="127000" cap="sq" cmpd="thinThick">
-            <a:solidFill>
-              <a:schemeClr val="tx1">
-                <a:lumMod val="85000"/>
-                <a:lumOff val="15000"/>
-                <a:alpha val="15000"/>
-              </a:schemeClr>
-            </a:solidFill>
+          <a:ln>
+            <a:noFill/>
           </a:ln>
         </p:spPr>
         <p:style>
@@ -12146,7 +12892,7 @@
           <p:cNvPr id="2" name="Title 1">
             <a:extLst>
               <a:ext uri="{FF2B5EF4-FFF2-40B4-BE49-F238E27FC236}">
-                <a16:creationId xmlns:a16="http://schemas.microsoft.com/office/drawing/2014/main" id="{1FF14A7E-3DDB-41BB-83DD-7045E2760007}"/>
+                <a16:creationId xmlns:a16="http://schemas.microsoft.com/office/drawing/2014/main" id="{31286049-0A95-4832-A0F7-AE8E0074F808}"/>
               </a:ext>
             </a:extLst>
           </p:cNvPr>
@@ -12159,190 +12905,36 @@
         </p:nvSpPr>
         <p:spPr>
           <a:xfrm>
-            <a:off x="838200" y="631825"/>
-            <a:ext cx="10515600" cy="1325563"/>
+            <a:off x="1033272" y="954284"/>
+            <a:ext cx="10513106" cy="2943432"/>
           </a:xfrm>
         </p:spPr>
         <p:txBody>
-          <a:bodyPr>
-            <a:normAutofit/>
-          </a:bodyPr>
-          <a:lstStyle/>
-          <a:p>
-            <a:pPr algn="ctr"/>
-            <a:r>
-              <a:rPr lang="fr-FR" dirty="0"/>
-              <a:t>Le moteur Docker</a:t>
-            </a:r>
-          </a:p>
-        </p:txBody>
-      </p:sp>
-      <p:cxnSp>
-        <p:nvCxnSpPr>
-          <p:cNvPr id="10" name="Straight Connector 9">
-            <a:extLst>
-              <a:ext uri="{FF2B5EF4-FFF2-40B4-BE49-F238E27FC236}">
-                <a16:creationId xmlns:a16="http://schemas.microsoft.com/office/drawing/2014/main" id="{E8E35B83-1EC3-4F87-9D54-D863463351B9}"/>
-              </a:ext>
-              <a:ext uri="{C183D7F6-B498-43B3-948B-1728B52AA6E4}">
-                <adec:decorative xmlns:adec="http://schemas.microsoft.com/office/drawing/2017/decorative" val="1"/>
-              </a:ext>
-            </a:extLst>
-          </p:cNvPr>
-          <p:cNvCxnSpPr>
-            <a:cxnSpLocks noGrp="1" noRot="1" noChangeAspect="1" noMove="1" noResize="1" noEditPoints="1" noAdjustHandles="1" noChangeArrowheads="1" noChangeShapeType="1"/>
-          </p:cNvCxnSpPr>
-          <p:nvPr>
-            <p:extLst>
-              <p:ext uri="{386F3935-93C4-4BCD-93E2-E3B085C9AB24}">
-                <p16:designElem xmlns:p16="http://schemas.microsoft.com/office/powerpoint/2015/main" val="1"/>
-              </p:ext>
-            </p:extLst>
-          </p:nvPr>
-        </p:nvCxnSpPr>
-        <p:spPr>
-          <a:xfrm>
-            <a:off x="897636" y="1957388"/>
-            <a:ext cx="10396728" cy="0"/>
-          </a:xfrm>
-          <a:prstGeom prst="line">
-            <a:avLst/>
-          </a:prstGeom>
-          <a:ln w="22225">
-            <a:solidFill>
-              <a:schemeClr val="tx1">
-                <a:lumMod val="50000"/>
-                <a:lumOff val="50000"/>
-              </a:schemeClr>
-            </a:solidFill>
-          </a:ln>
-        </p:spPr>
-        <p:style>
-          <a:lnRef idx="1">
-            <a:schemeClr val="accent1"/>
-          </a:lnRef>
-          <a:fillRef idx="0">
-            <a:schemeClr val="accent1"/>
-          </a:fillRef>
-          <a:effectRef idx="0">
-            <a:schemeClr val="accent1"/>
-          </a:effectRef>
-          <a:fontRef idx="minor">
-            <a:schemeClr val="tx1"/>
-          </a:fontRef>
-        </p:style>
-      </p:cxnSp>
-      <p:sp>
-        <p:nvSpPr>
-          <p:cNvPr id="3" name="Content Placeholder 2">
-            <a:extLst>
-              <a:ext uri="{FF2B5EF4-FFF2-40B4-BE49-F238E27FC236}">
-                <a16:creationId xmlns:a16="http://schemas.microsoft.com/office/drawing/2014/main" id="{3E5F20F5-4461-49C3-87B0-ACAB0287799D}"/>
-              </a:ext>
-            </a:extLst>
-          </p:cNvPr>
-          <p:cNvSpPr>
-            <a:spLocks noGrp="1"/>
-          </p:cNvSpPr>
-          <p:nvPr>
-            <p:ph idx="1"/>
-          </p:nvPr>
-        </p:nvSpPr>
-        <p:spPr>
-          <a:xfrm>
-            <a:off x="838200" y="2269173"/>
-            <a:ext cx="10515600" cy="3659988"/>
-          </a:xfrm>
-        </p:spPr>
-        <p:txBody>
-          <a:bodyPr>
+          <a:bodyPr vert="horz" lIns="91440" tIns="45720" rIns="91440" bIns="45720" rtlCol="0" anchor="b">
             <a:normAutofit/>
           </a:bodyPr>
           <a:lstStyle/>
           <a:p>
             <a:r>
-              <a:rPr lang="fr-FR" sz="2400"/>
-              <a:t>Pull: télécharger une image</a:t>
+              <a:rPr lang="en-US" sz="8000" kern="1200">
+                <a:solidFill>
+                  <a:schemeClr val="tx1"/>
+                </a:solidFill>
+                <a:latin typeface="+mj-lt"/>
+                <a:ea typeface="+mj-ea"/>
+                <a:cs typeface="+mj-cs"/>
+              </a:rPr>
+              <a:t>Un exemple avec flask</a:t>
             </a:r>
-          </a:p>
-          <a:p>
-            <a:endParaRPr lang="fr-FR" sz="2400"/>
-          </a:p>
-          <a:p>
-            <a:r>
-              <a:rPr lang="fr-FR" sz="2400"/>
-              <a:t>Run: lancer un conteneur a partir d’une image</a:t>
-            </a:r>
-          </a:p>
-          <a:p>
-            <a:endParaRPr lang="fr-FR" sz="2400"/>
-          </a:p>
-          <a:p>
-            <a:r>
-              <a:rPr lang="fr-FR" sz="2400"/>
-              <a:t>Container/Image: manipuler une image ou conteneur</a:t>
-            </a:r>
-          </a:p>
-          <a:p>
-            <a:pPr lvl="1"/>
-            <a:r>
-              <a:rPr lang="fr-FR"/>
-              <a:t>Ls: afficher la liste des images ou conteneur</a:t>
-            </a:r>
-          </a:p>
-          <a:p>
-            <a:pPr lvl="1"/>
-            <a:endParaRPr lang="fr-FR"/>
-          </a:p>
-          <a:p>
-            <a:endParaRPr lang="fr-FR" sz="2400"/>
           </a:p>
         </p:txBody>
       </p:sp>
-    </p:spTree>
-    <p:extLst>
-      <p:ext uri="{BB962C8B-B14F-4D97-AF65-F5344CB8AC3E}">
-        <p14:creationId xmlns:p14="http://schemas.microsoft.com/office/powerpoint/2010/main" val="3253380417"/>
-      </p:ext>
-    </p:extLst>
-  </p:cSld>
-  <p:clrMapOvr>
-    <a:masterClrMapping/>
-  </p:clrMapOvr>
-</p:sld>
-</file>
-
-<file path=ppt/slides/slide13.xml><?xml version="1.0" encoding="utf-8"?>
-<p:sld xmlns:a="http://schemas.openxmlformats.org/drawingml/2006/main" xmlns:r="http://schemas.openxmlformats.org/officeDocument/2006/relationships" xmlns:p="http://schemas.openxmlformats.org/presentationml/2006/main">
-  <p:cSld>
-    <p:bg>
-      <p:bgPr>
-        <a:solidFill>
-          <a:schemeClr val="bg1"/>
-        </a:solidFill>
-        <a:effectLst/>
-      </p:bgPr>
-    </p:bg>
-    <p:spTree>
-      <p:nvGrpSpPr>
-        <p:cNvPr id="1" name=""/>
-        <p:cNvGrpSpPr/>
-        <p:nvPr/>
-      </p:nvGrpSpPr>
-      <p:grpSpPr>
-        <a:xfrm>
-          <a:off x="0" y="0"/>
-          <a:ext cx="0" cy="0"/>
-          <a:chOff x="0" y="0"/>
-          <a:chExt cx="0" cy="0"/>
-        </a:xfrm>
-      </p:grpSpPr>
       <p:sp>
         <p:nvSpPr>
-          <p:cNvPr id="7" name="Rectangle 6">
+          <p:cNvPr id="18" name="Rectangle 17">
             <a:extLst>
               <a:ext uri="{FF2B5EF4-FFF2-40B4-BE49-F238E27FC236}">
-                <a16:creationId xmlns:a16="http://schemas.microsoft.com/office/drawing/2014/main" id="{5FB946D7-1CA4-446E-8795-007CACFDEB88}"/>
+                <a16:creationId xmlns:a16="http://schemas.microsoft.com/office/drawing/2014/main" id="{A5271697-90F1-4A23-8EF2-0179F2EAFACB}"/>
               </a:ext>
               <a:ext uri="{C183D7F6-B498-43B3-948B-1728B52AA6E4}">
                 <adec:decorative xmlns:adec="http://schemas.microsoft.com/office/drawing/2017/decorative" val="1"/>
@@ -12362,16 +12954,16 @@
         </p:nvSpPr>
         <p:spPr>
           <a:xfrm>
-            <a:off x="0" y="-3324"/>
-            <a:ext cx="12192000" cy="6861324"/>
+            <a:off x="-1" y="1"/>
+            <a:ext cx="606972" cy="3233984"/>
           </a:xfrm>
           <a:prstGeom prst="rect">
             <a:avLst/>
           </a:prstGeom>
           <a:solidFill>
             <a:schemeClr val="tx1">
-              <a:lumMod val="75000"/>
-              <a:lumOff val="25000"/>
+              <a:lumMod val="85000"/>
+              <a:lumOff val="15000"/>
             </a:schemeClr>
           </a:solidFill>
           <a:ln>
@@ -12398,55 +12990,26 @@
           <a:bodyPr rtlCol="0" anchor="ctr"/>
           <a:lstStyle/>
           <a:p>
-            <a:pPr marL="0" marR="0" lvl="0" indent="0" algn="ctr" defTabSz="914400" rtl="0" eaLnBrk="1" fontAlgn="auto" latinLnBrk="0" hangingPunct="1">
-              <a:lnSpc>
-                <a:spcPct val="100000"/>
-              </a:lnSpc>
-              <a:spcBef>
-                <a:spcPts val="0"/>
-              </a:spcBef>
-              <a:spcAft>
-                <a:spcPts val="0"/>
-              </a:spcAft>
-              <a:buClrTx/>
-              <a:buSzTx/>
-              <a:buFontTx/>
-              <a:buNone/>
-              <a:tabLst/>
-              <a:defRPr/>
-            </a:pPr>
-            <a:endParaRPr kumimoji="0" lang="en-US" sz="1800" b="0" i="0" u="none" strike="noStrike" kern="1200" cap="none" spc="0" normalizeH="0" baseline="0" noProof="0">
-              <a:ln>
-                <a:noFill/>
-              </a:ln>
-              <a:solidFill>
-                <a:prstClr val="white"/>
-              </a:solidFill>
-              <a:effectLst/>
-              <a:uLnTx/>
-              <a:uFillTx/>
-              <a:latin typeface="Calibri" panose="020F0502020204030204"/>
-              <a:ea typeface="+mn-ea"/>
-              <a:cs typeface="+mn-cs"/>
-            </a:endParaRPr>
+            <a:pPr algn="ctr"/>
+            <a:endParaRPr lang="en-US"/>
           </a:p>
         </p:txBody>
       </p:sp>
-      <p:sp>
-        <p:nvSpPr>
-          <p:cNvPr id="9" name="Rectangle 8">
+      <p:grpSp>
+        <p:nvGrpSpPr>
+          <p:cNvPr id="20" name="Group 19">
             <a:extLst>
               <a:ext uri="{FF2B5EF4-FFF2-40B4-BE49-F238E27FC236}">
-                <a16:creationId xmlns:a16="http://schemas.microsoft.com/office/drawing/2014/main" id="{192416F2-BC84-4D7C-80C6-6296C10C3819}"/>
+                <a16:creationId xmlns:a16="http://schemas.microsoft.com/office/drawing/2014/main" id="{B4C49FD3-CD95-4BA4-8BD3-B4A4C6844FCC}"/>
               </a:ext>
               <a:ext uri="{C183D7F6-B498-43B3-948B-1728B52AA6E4}">
                 <adec:decorative xmlns:adec="http://schemas.microsoft.com/office/drawing/2017/decorative" val="1"/>
               </a:ext>
             </a:extLst>
           </p:cNvPr>
-          <p:cNvSpPr>
-            <a:spLocks noGrp="1" noRot="1" noChangeAspect="1" noMove="1" noResize="1" noEditPoints="1" noAdjustHandles="1" noChangeArrowheads="1" noChangeShapeType="1" noTextEdit="1"/>
-          </p:cNvSpPr>
+          <p:cNvGrpSpPr>
+            <a:grpSpLocks noGrp="1" noUngrp="1" noRot="1" noChangeAspect="1" noMove="1" noResize="1"/>
+          </p:cNvGrpSpPr>
           <p:nvPr>
             <p:extLst>
               <p:ext uri="{386F3935-93C4-4BCD-93E2-E3B085C9AB24}">
@@ -12454,239 +13017,1242 @@
               </p:ext>
             </p:extLst>
           </p:nvPr>
-        </p:nvSpPr>
-        <p:spPr bwMode="ltGray">
+        </p:nvGrpSpPr>
+        <p:grpSpPr>
           <a:xfrm>
-            <a:off x="795338" y="981075"/>
-            <a:ext cx="10601325" cy="4552949"/>
+            <a:off x="1188720" y="73152"/>
+            <a:ext cx="1178966" cy="232963"/>
+            <a:chOff x="5422392" y="64008"/>
+            <a:chExt cx="1178966" cy="232963"/>
           </a:xfrm>
-          <a:prstGeom prst="rect">
-            <a:avLst/>
-          </a:prstGeom>
-          <a:solidFill>
-            <a:schemeClr val="bg1"/>
-          </a:solidFill>
-          <a:ln w="127000" cap="sq" cmpd="thinThick">
+        </p:grpSpPr>
+        <p:sp>
+          <p:nvSpPr>
+            <p:cNvPr id="21" name="Rectangle 64">
+              <a:extLst>
+                <a:ext uri="{FF2B5EF4-FFF2-40B4-BE49-F238E27FC236}">
+                  <a16:creationId xmlns:a16="http://schemas.microsoft.com/office/drawing/2014/main" id="{194125EE-68A0-44AF-9565-81EF0F31186F}"/>
+                </a:ext>
+                <a:ext uri="{C183D7F6-B498-43B3-948B-1728B52AA6E4}">
+                  <adec:decorative xmlns:adec="http://schemas.microsoft.com/office/drawing/2017/decorative" val="1"/>
+                </a:ext>
+              </a:extLst>
+            </p:cNvPr>
+            <p:cNvSpPr/>
+            <p:nvPr>
+              <p:extLst>
+                <p:ext uri="{386F3935-93C4-4BCD-93E2-E3B085C9AB24}">
+                  <p16:designElem xmlns:p16="http://schemas.microsoft.com/office/powerpoint/2015/main" val="1"/>
+                </p:ext>
+              </p:extLst>
+            </p:nvPr>
+          </p:nvSpPr>
+          <p:spPr>
+            <a:xfrm>
+              <a:off x="5922213" y="64008"/>
+              <a:ext cx="54368" cy="59227"/>
+            </a:xfrm>
+            <a:prstGeom prst="ellipse">
+              <a:avLst/>
+            </a:prstGeom>
             <a:solidFill>
-              <a:schemeClr val="bg1"/>
+              <a:schemeClr val="accent1"/>
             </a:solidFill>
-          </a:ln>
-        </p:spPr>
-        <p:style>
-          <a:lnRef idx="2">
-            <a:schemeClr val="accent1">
-              <a:shade val="50000"/>
-            </a:schemeClr>
-          </a:lnRef>
-          <a:fillRef idx="1">
-            <a:schemeClr val="accent1"/>
-          </a:fillRef>
-          <a:effectRef idx="0">
-            <a:schemeClr val="accent1"/>
-          </a:effectRef>
-          <a:fontRef idx="minor">
-            <a:schemeClr val="lt1"/>
-          </a:fontRef>
-        </p:style>
-        <p:txBody>
-          <a:bodyPr rtlCol="0" anchor="ctr"/>
-          <a:lstStyle/>
-          <a:p>
-            <a:pPr marL="0" marR="0" lvl="0" indent="0" algn="ctr" defTabSz="914400" rtl="0" eaLnBrk="1" fontAlgn="auto" latinLnBrk="0" hangingPunct="1">
-              <a:lnSpc>
-                <a:spcPct val="100000"/>
-              </a:lnSpc>
-              <a:spcBef>
-                <a:spcPts val="0"/>
-              </a:spcBef>
-              <a:spcAft>
-                <a:spcPts val="0"/>
-              </a:spcAft>
-              <a:buClrTx/>
-              <a:buSzTx/>
-              <a:buFontTx/>
-              <a:buNone/>
-              <a:tabLst/>
-              <a:defRPr/>
-            </a:pPr>
-            <a:endParaRPr kumimoji="0" lang="en-US" sz="1800" b="0" i="0" u="none" strike="noStrike" kern="1200" cap="none" spc="0" normalizeH="0" baseline="0" noProof="0" dirty="0">
-              <a:ln>
-                <a:noFill/>
-              </a:ln>
-              <a:solidFill>
-                <a:prstClr val="white"/>
-              </a:solidFill>
-              <a:effectLst/>
-              <a:uLnTx/>
-              <a:uFillTx/>
-              <a:latin typeface="Calibri" panose="020F0502020204030204"/>
-              <a:ea typeface="+mn-ea"/>
-              <a:cs typeface="+mn-cs"/>
-            </a:endParaRPr>
-          </a:p>
-        </p:txBody>
-      </p:sp>
+            <a:ln>
+              <a:noFill/>
+            </a:ln>
+          </p:spPr>
+          <p:style>
+            <a:lnRef idx="2">
+              <a:schemeClr val="accent1">
+                <a:shade val="50000"/>
+              </a:schemeClr>
+            </a:lnRef>
+            <a:fillRef idx="1">
+              <a:schemeClr val="accent1"/>
+            </a:fillRef>
+            <a:effectRef idx="0">
+              <a:schemeClr val="accent1"/>
+            </a:effectRef>
+            <a:fontRef idx="minor">
+              <a:schemeClr val="lt1"/>
+            </a:fontRef>
+          </p:style>
+          <p:txBody>
+            <a:bodyPr rtlCol="0" anchor="ctr"/>
+            <a:lstStyle/>
+            <a:p>
+              <a:pPr algn="ctr"/>
+              <a:endParaRPr lang="en-US"/>
+            </a:p>
+          </p:txBody>
+        </p:sp>
+        <p:sp>
+          <p:nvSpPr>
+            <p:cNvPr id="22" name="Rectangle 66">
+              <a:extLst>
+                <a:ext uri="{FF2B5EF4-FFF2-40B4-BE49-F238E27FC236}">
+                  <a16:creationId xmlns:a16="http://schemas.microsoft.com/office/drawing/2014/main" id="{47D98E13-5DFC-4FC3-B217-18D7503F2DC3}"/>
+                </a:ext>
+                <a:ext uri="{C183D7F6-B498-43B3-948B-1728B52AA6E4}">
+                  <adec:decorative xmlns:adec="http://schemas.microsoft.com/office/drawing/2017/decorative" val="1"/>
+                </a:ext>
+              </a:extLst>
+            </p:cNvPr>
+            <p:cNvSpPr/>
+            <p:nvPr>
+              <p:extLst>
+                <p:ext uri="{386F3935-93C4-4BCD-93E2-E3B085C9AB24}">
+                  <p16:designElem xmlns:p16="http://schemas.microsoft.com/office/powerpoint/2015/main" val="1"/>
+                </p:ext>
+              </p:extLst>
+            </p:nvPr>
+          </p:nvSpPr>
+          <p:spPr>
+            <a:xfrm>
+              <a:off x="5922213" y="237744"/>
+              <a:ext cx="54368" cy="59227"/>
+            </a:xfrm>
+            <a:prstGeom prst="ellipse">
+              <a:avLst/>
+            </a:prstGeom>
+            <a:solidFill>
+              <a:schemeClr val="accent1"/>
+            </a:solidFill>
+            <a:ln>
+              <a:noFill/>
+            </a:ln>
+          </p:spPr>
+          <p:style>
+            <a:lnRef idx="2">
+              <a:schemeClr val="accent1">
+                <a:shade val="50000"/>
+              </a:schemeClr>
+            </a:lnRef>
+            <a:fillRef idx="1">
+              <a:schemeClr val="accent1"/>
+            </a:fillRef>
+            <a:effectRef idx="0">
+              <a:schemeClr val="accent1"/>
+            </a:effectRef>
+            <a:fontRef idx="minor">
+              <a:schemeClr val="lt1"/>
+            </a:fontRef>
+          </p:style>
+          <p:txBody>
+            <a:bodyPr rtlCol="0" anchor="ctr"/>
+            <a:lstStyle/>
+            <a:p>
+              <a:pPr algn="ctr"/>
+              <a:endParaRPr lang="en-US"/>
+            </a:p>
+          </p:txBody>
+        </p:sp>
+        <p:sp>
+          <p:nvSpPr>
+            <p:cNvPr id="23" name="Rectangle 64">
+              <a:extLst>
+                <a:ext uri="{FF2B5EF4-FFF2-40B4-BE49-F238E27FC236}">
+                  <a16:creationId xmlns:a16="http://schemas.microsoft.com/office/drawing/2014/main" id="{1208B249-52C1-45B2-94CA-7FCF767BD530}"/>
+                </a:ext>
+                <a:ext uri="{C183D7F6-B498-43B3-948B-1728B52AA6E4}">
+                  <adec:decorative xmlns:adec="http://schemas.microsoft.com/office/drawing/2017/decorative" val="1"/>
+                </a:ext>
+              </a:extLst>
+            </p:cNvPr>
+            <p:cNvSpPr/>
+            <p:nvPr>
+              <p:extLst>
+                <p:ext uri="{386F3935-93C4-4BCD-93E2-E3B085C9AB24}">
+                  <p16:designElem xmlns:p16="http://schemas.microsoft.com/office/powerpoint/2015/main" val="1"/>
+                </p:ext>
+              </p:extLst>
+            </p:nvPr>
+          </p:nvSpPr>
+          <p:spPr>
+            <a:xfrm>
+              <a:off x="5797258" y="64008"/>
+              <a:ext cx="54368" cy="59227"/>
+            </a:xfrm>
+            <a:prstGeom prst="ellipse">
+              <a:avLst/>
+            </a:prstGeom>
+            <a:solidFill>
+              <a:schemeClr val="accent1"/>
+            </a:solidFill>
+            <a:ln>
+              <a:noFill/>
+            </a:ln>
+          </p:spPr>
+          <p:style>
+            <a:lnRef idx="2">
+              <a:schemeClr val="accent1">
+                <a:shade val="50000"/>
+              </a:schemeClr>
+            </a:lnRef>
+            <a:fillRef idx="1">
+              <a:schemeClr val="accent1"/>
+            </a:fillRef>
+            <a:effectRef idx="0">
+              <a:schemeClr val="accent1"/>
+            </a:effectRef>
+            <a:fontRef idx="minor">
+              <a:schemeClr val="lt1"/>
+            </a:fontRef>
+          </p:style>
+          <p:txBody>
+            <a:bodyPr rtlCol="0" anchor="ctr"/>
+            <a:lstStyle/>
+            <a:p>
+              <a:pPr algn="ctr"/>
+              <a:endParaRPr lang="en-US"/>
+            </a:p>
+          </p:txBody>
+        </p:sp>
+        <p:sp>
+          <p:nvSpPr>
+            <p:cNvPr id="24" name="Rectangle 66">
+              <a:extLst>
+                <a:ext uri="{FF2B5EF4-FFF2-40B4-BE49-F238E27FC236}">
+                  <a16:creationId xmlns:a16="http://schemas.microsoft.com/office/drawing/2014/main" id="{8E8EC538-BB99-4192-A555-FD23D92C5C33}"/>
+                </a:ext>
+                <a:ext uri="{C183D7F6-B498-43B3-948B-1728B52AA6E4}">
+                  <adec:decorative xmlns:adec="http://schemas.microsoft.com/office/drawing/2017/decorative" val="1"/>
+                </a:ext>
+              </a:extLst>
+            </p:cNvPr>
+            <p:cNvSpPr/>
+            <p:nvPr>
+              <p:extLst>
+                <p:ext uri="{386F3935-93C4-4BCD-93E2-E3B085C9AB24}">
+                  <p16:designElem xmlns:p16="http://schemas.microsoft.com/office/powerpoint/2015/main" val="1"/>
+                </p:ext>
+              </p:extLst>
+            </p:nvPr>
+          </p:nvSpPr>
+          <p:spPr>
+            <a:xfrm>
+              <a:off x="5797258" y="237744"/>
+              <a:ext cx="54368" cy="59227"/>
+            </a:xfrm>
+            <a:prstGeom prst="ellipse">
+              <a:avLst/>
+            </a:prstGeom>
+            <a:solidFill>
+              <a:schemeClr val="accent1"/>
+            </a:solidFill>
+            <a:ln>
+              <a:noFill/>
+            </a:ln>
+          </p:spPr>
+          <p:style>
+            <a:lnRef idx="2">
+              <a:schemeClr val="accent1">
+                <a:shade val="50000"/>
+              </a:schemeClr>
+            </a:lnRef>
+            <a:fillRef idx="1">
+              <a:schemeClr val="accent1"/>
+            </a:fillRef>
+            <a:effectRef idx="0">
+              <a:schemeClr val="accent1"/>
+            </a:effectRef>
+            <a:fontRef idx="minor">
+              <a:schemeClr val="lt1"/>
+            </a:fontRef>
+          </p:style>
+          <p:txBody>
+            <a:bodyPr rtlCol="0" anchor="ctr"/>
+            <a:lstStyle/>
+            <a:p>
+              <a:pPr algn="ctr"/>
+              <a:endParaRPr lang="en-US"/>
+            </a:p>
+          </p:txBody>
+        </p:sp>
+        <p:sp>
+          <p:nvSpPr>
+            <p:cNvPr id="25" name="Rectangle 64">
+              <a:extLst>
+                <a:ext uri="{FF2B5EF4-FFF2-40B4-BE49-F238E27FC236}">
+                  <a16:creationId xmlns:a16="http://schemas.microsoft.com/office/drawing/2014/main" id="{C818F7CD-D8C3-4B0E-8332-5F5D23675C77}"/>
+                </a:ext>
+                <a:ext uri="{C183D7F6-B498-43B3-948B-1728B52AA6E4}">
+                  <adec:decorative xmlns:adec="http://schemas.microsoft.com/office/drawing/2017/decorative" val="1"/>
+                </a:ext>
+              </a:extLst>
+            </p:cNvPr>
+            <p:cNvSpPr/>
+            <p:nvPr>
+              <p:extLst>
+                <p:ext uri="{386F3935-93C4-4BCD-93E2-E3B085C9AB24}">
+                  <p16:designElem xmlns:p16="http://schemas.microsoft.com/office/powerpoint/2015/main" val="1"/>
+                </p:ext>
+              </p:extLst>
+            </p:nvPr>
+          </p:nvSpPr>
+          <p:spPr>
+            <a:xfrm>
+              <a:off x="5672303" y="64008"/>
+              <a:ext cx="54368" cy="59227"/>
+            </a:xfrm>
+            <a:prstGeom prst="ellipse">
+              <a:avLst/>
+            </a:prstGeom>
+            <a:solidFill>
+              <a:schemeClr val="accent1"/>
+            </a:solidFill>
+            <a:ln>
+              <a:noFill/>
+            </a:ln>
+          </p:spPr>
+          <p:style>
+            <a:lnRef idx="2">
+              <a:schemeClr val="accent1">
+                <a:shade val="50000"/>
+              </a:schemeClr>
+            </a:lnRef>
+            <a:fillRef idx="1">
+              <a:schemeClr val="accent1"/>
+            </a:fillRef>
+            <a:effectRef idx="0">
+              <a:schemeClr val="accent1"/>
+            </a:effectRef>
+            <a:fontRef idx="minor">
+              <a:schemeClr val="lt1"/>
+            </a:fontRef>
+          </p:style>
+          <p:txBody>
+            <a:bodyPr rtlCol="0" anchor="ctr"/>
+            <a:lstStyle/>
+            <a:p>
+              <a:pPr algn="ctr"/>
+              <a:endParaRPr lang="en-US"/>
+            </a:p>
+          </p:txBody>
+        </p:sp>
+        <p:sp>
+          <p:nvSpPr>
+            <p:cNvPr id="26" name="Rectangle 66">
+              <a:extLst>
+                <a:ext uri="{FF2B5EF4-FFF2-40B4-BE49-F238E27FC236}">
+                  <a16:creationId xmlns:a16="http://schemas.microsoft.com/office/drawing/2014/main" id="{BA3A1026-C945-44C7-95BC-3BF4551EF3F8}"/>
+                </a:ext>
+                <a:ext uri="{C183D7F6-B498-43B3-948B-1728B52AA6E4}">
+                  <adec:decorative xmlns:adec="http://schemas.microsoft.com/office/drawing/2017/decorative" val="1"/>
+                </a:ext>
+              </a:extLst>
+            </p:cNvPr>
+            <p:cNvSpPr/>
+            <p:nvPr>
+              <p:extLst>
+                <p:ext uri="{386F3935-93C4-4BCD-93E2-E3B085C9AB24}">
+                  <p16:designElem xmlns:p16="http://schemas.microsoft.com/office/powerpoint/2015/main" val="1"/>
+                </p:ext>
+              </p:extLst>
+            </p:nvPr>
+          </p:nvSpPr>
+          <p:spPr>
+            <a:xfrm>
+              <a:off x="5672303" y="237744"/>
+              <a:ext cx="54368" cy="59227"/>
+            </a:xfrm>
+            <a:prstGeom prst="ellipse">
+              <a:avLst/>
+            </a:prstGeom>
+            <a:solidFill>
+              <a:schemeClr val="accent1"/>
+            </a:solidFill>
+            <a:ln>
+              <a:noFill/>
+            </a:ln>
+          </p:spPr>
+          <p:style>
+            <a:lnRef idx="2">
+              <a:schemeClr val="accent1">
+                <a:shade val="50000"/>
+              </a:schemeClr>
+            </a:lnRef>
+            <a:fillRef idx="1">
+              <a:schemeClr val="accent1"/>
+            </a:fillRef>
+            <a:effectRef idx="0">
+              <a:schemeClr val="accent1"/>
+            </a:effectRef>
+            <a:fontRef idx="minor">
+              <a:schemeClr val="lt1"/>
+            </a:fontRef>
+          </p:style>
+          <p:txBody>
+            <a:bodyPr rtlCol="0" anchor="ctr"/>
+            <a:lstStyle/>
+            <a:p>
+              <a:pPr algn="ctr"/>
+              <a:endParaRPr lang="en-US"/>
+            </a:p>
+          </p:txBody>
+        </p:sp>
+        <p:sp>
+          <p:nvSpPr>
+            <p:cNvPr id="27" name="Rectangle 64">
+              <a:extLst>
+                <a:ext uri="{FF2B5EF4-FFF2-40B4-BE49-F238E27FC236}">
+                  <a16:creationId xmlns:a16="http://schemas.microsoft.com/office/drawing/2014/main" id="{E7A2271E-1BF0-4DBF-BDC5-8205DFE2B780}"/>
+                </a:ext>
+                <a:ext uri="{C183D7F6-B498-43B3-948B-1728B52AA6E4}">
+                  <adec:decorative xmlns:adec="http://schemas.microsoft.com/office/drawing/2017/decorative" val="1"/>
+                </a:ext>
+              </a:extLst>
+            </p:cNvPr>
+            <p:cNvSpPr/>
+            <p:nvPr>
+              <p:extLst>
+                <p:ext uri="{386F3935-93C4-4BCD-93E2-E3B085C9AB24}">
+                  <p16:designElem xmlns:p16="http://schemas.microsoft.com/office/powerpoint/2015/main" val="1"/>
+                </p:ext>
+              </p:extLst>
+            </p:nvPr>
+          </p:nvSpPr>
+          <p:spPr>
+            <a:xfrm>
+              <a:off x="5547347" y="64008"/>
+              <a:ext cx="54368" cy="59227"/>
+            </a:xfrm>
+            <a:prstGeom prst="ellipse">
+              <a:avLst/>
+            </a:prstGeom>
+            <a:solidFill>
+              <a:schemeClr val="accent1"/>
+            </a:solidFill>
+            <a:ln>
+              <a:noFill/>
+            </a:ln>
+          </p:spPr>
+          <p:style>
+            <a:lnRef idx="2">
+              <a:schemeClr val="accent1">
+                <a:shade val="50000"/>
+              </a:schemeClr>
+            </a:lnRef>
+            <a:fillRef idx="1">
+              <a:schemeClr val="accent1"/>
+            </a:fillRef>
+            <a:effectRef idx="0">
+              <a:schemeClr val="accent1"/>
+            </a:effectRef>
+            <a:fontRef idx="minor">
+              <a:schemeClr val="lt1"/>
+            </a:fontRef>
+          </p:style>
+          <p:txBody>
+            <a:bodyPr rtlCol="0" anchor="ctr"/>
+            <a:lstStyle/>
+            <a:p>
+              <a:pPr algn="ctr"/>
+              <a:endParaRPr lang="en-US"/>
+            </a:p>
+          </p:txBody>
+        </p:sp>
+        <p:sp>
+          <p:nvSpPr>
+            <p:cNvPr id="28" name="Rectangle 66">
+              <a:extLst>
+                <a:ext uri="{FF2B5EF4-FFF2-40B4-BE49-F238E27FC236}">
+                  <a16:creationId xmlns:a16="http://schemas.microsoft.com/office/drawing/2014/main" id="{FC359C9B-D7DB-4D67-BC20-0ED526C67E42}"/>
+                </a:ext>
+                <a:ext uri="{C183D7F6-B498-43B3-948B-1728B52AA6E4}">
+                  <adec:decorative xmlns:adec="http://schemas.microsoft.com/office/drawing/2017/decorative" val="1"/>
+                </a:ext>
+              </a:extLst>
+            </p:cNvPr>
+            <p:cNvSpPr/>
+            <p:nvPr>
+              <p:extLst>
+                <p:ext uri="{386F3935-93C4-4BCD-93E2-E3B085C9AB24}">
+                  <p16:designElem xmlns:p16="http://schemas.microsoft.com/office/powerpoint/2015/main" val="1"/>
+                </p:ext>
+              </p:extLst>
+            </p:nvPr>
+          </p:nvSpPr>
+          <p:spPr>
+            <a:xfrm>
+              <a:off x="5547347" y="237744"/>
+              <a:ext cx="54368" cy="59227"/>
+            </a:xfrm>
+            <a:prstGeom prst="ellipse">
+              <a:avLst/>
+            </a:prstGeom>
+            <a:solidFill>
+              <a:schemeClr val="accent1"/>
+            </a:solidFill>
+            <a:ln>
+              <a:noFill/>
+            </a:ln>
+          </p:spPr>
+          <p:style>
+            <a:lnRef idx="2">
+              <a:schemeClr val="accent1">
+                <a:shade val="50000"/>
+              </a:schemeClr>
+            </a:lnRef>
+            <a:fillRef idx="1">
+              <a:schemeClr val="accent1"/>
+            </a:fillRef>
+            <a:effectRef idx="0">
+              <a:schemeClr val="accent1"/>
+            </a:effectRef>
+            <a:fontRef idx="minor">
+              <a:schemeClr val="lt1"/>
+            </a:fontRef>
+          </p:style>
+          <p:txBody>
+            <a:bodyPr rtlCol="0" anchor="ctr"/>
+            <a:lstStyle/>
+            <a:p>
+              <a:pPr algn="ctr"/>
+              <a:endParaRPr lang="en-US"/>
+            </a:p>
+          </p:txBody>
+        </p:sp>
+        <p:sp>
+          <p:nvSpPr>
+            <p:cNvPr id="29" name="Rectangle 64">
+              <a:extLst>
+                <a:ext uri="{FF2B5EF4-FFF2-40B4-BE49-F238E27FC236}">
+                  <a16:creationId xmlns:a16="http://schemas.microsoft.com/office/drawing/2014/main" id="{5DA7CDCF-326D-40F3-9FA1-F6B696E8FF7A}"/>
+                </a:ext>
+                <a:ext uri="{C183D7F6-B498-43B3-948B-1728B52AA6E4}">
+                  <adec:decorative xmlns:adec="http://schemas.microsoft.com/office/drawing/2017/decorative" val="1"/>
+                </a:ext>
+              </a:extLst>
+            </p:cNvPr>
+            <p:cNvSpPr/>
+            <p:nvPr>
+              <p:extLst>
+                <p:ext uri="{386F3935-93C4-4BCD-93E2-E3B085C9AB24}">
+                  <p16:designElem xmlns:p16="http://schemas.microsoft.com/office/powerpoint/2015/main" val="1"/>
+                </p:ext>
+              </p:extLst>
+            </p:nvPr>
+          </p:nvSpPr>
+          <p:spPr>
+            <a:xfrm>
+              <a:off x="5422392" y="64008"/>
+              <a:ext cx="54368" cy="59227"/>
+            </a:xfrm>
+            <a:prstGeom prst="ellipse">
+              <a:avLst/>
+            </a:prstGeom>
+            <a:solidFill>
+              <a:schemeClr val="accent1"/>
+            </a:solidFill>
+            <a:ln>
+              <a:noFill/>
+            </a:ln>
+          </p:spPr>
+          <p:style>
+            <a:lnRef idx="2">
+              <a:schemeClr val="accent1">
+                <a:shade val="50000"/>
+              </a:schemeClr>
+            </a:lnRef>
+            <a:fillRef idx="1">
+              <a:schemeClr val="accent1"/>
+            </a:fillRef>
+            <a:effectRef idx="0">
+              <a:schemeClr val="accent1"/>
+            </a:effectRef>
+            <a:fontRef idx="minor">
+              <a:schemeClr val="lt1"/>
+            </a:fontRef>
+          </p:style>
+          <p:txBody>
+            <a:bodyPr rtlCol="0" anchor="ctr"/>
+            <a:lstStyle/>
+            <a:p>
+              <a:pPr algn="ctr"/>
+              <a:endParaRPr lang="en-US"/>
+            </a:p>
+          </p:txBody>
+        </p:sp>
+        <p:sp>
+          <p:nvSpPr>
+            <p:cNvPr id="30" name="Rectangle 66">
+              <a:extLst>
+                <a:ext uri="{FF2B5EF4-FFF2-40B4-BE49-F238E27FC236}">
+                  <a16:creationId xmlns:a16="http://schemas.microsoft.com/office/drawing/2014/main" id="{42EAB6A2-C79F-4E11-BA2B-823945037EF7}"/>
+                </a:ext>
+                <a:ext uri="{C183D7F6-B498-43B3-948B-1728B52AA6E4}">
+                  <adec:decorative xmlns:adec="http://schemas.microsoft.com/office/drawing/2017/decorative" val="1"/>
+                </a:ext>
+              </a:extLst>
+            </p:cNvPr>
+            <p:cNvSpPr/>
+            <p:nvPr>
+              <p:extLst>
+                <p:ext uri="{386F3935-93C4-4BCD-93E2-E3B085C9AB24}">
+                  <p16:designElem xmlns:p16="http://schemas.microsoft.com/office/powerpoint/2015/main" val="1"/>
+                </p:ext>
+              </p:extLst>
+            </p:nvPr>
+          </p:nvSpPr>
+          <p:spPr>
+            <a:xfrm>
+              <a:off x="5422392" y="237744"/>
+              <a:ext cx="54368" cy="59227"/>
+            </a:xfrm>
+            <a:prstGeom prst="ellipse">
+              <a:avLst/>
+            </a:prstGeom>
+            <a:solidFill>
+              <a:schemeClr val="accent1"/>
+            </a:solidFill>
+            <a:ln>
+              <a:noFill/>
+            </a:ln>
+          </p:spPr>
+          <p:style>
+            <a:lnRef idx="2">
+              <a:schemeClr val="accent1">
+                <a:shade val="50000"/>
+              </a:schemeClr>
+            </a:lnRef>
+            <a:fillRef idx="1">
+              <a:schemeClr val="accent1"/>
+            </a:fillRef>
+            <a:effectRef idx="0">
+              <a:schemeClr val="accent1"/>
+            </a:effectRef>
+            <a:fontRef idx="minor">
+              <a:schemeClr val="lt1"/>
+            </a:fontRef>
+          </p:style>
+          <p:txBody>
+            <a:bodyPr rtlCol="0" anchor="ctr"/>
+            <a:lstStyle/>
+            <a:p>
+              <a:pPr algn="ctr"/>
+              <a:endParaRPr lang="en-US"/>
+            </a:p>
+          </p:txBody>
+        </p:sp>
+        <p:sp>
+          <p:nvSpPr>
+            <p:cNvPr id="31" name="Rectangle 64">
+              <a:extLst>
+                <a:ext uri="{FF2B5EF4-FFF2-40B4-BE49-F238E27FC236}">
+                  <a16:creationId xmlns:a16="http://schemas.microsoft.com/office/drawing/2014/main" id="{0409AE1C-32E7-42F0-8174-D8EC28D1DD1C}"/>
+                </a:ext>
+                <a:ext uri="{C183D7F6-B498-43B3-948B-1728B52AA6E4}">
+                  <adec:decorative xmlns:adec="http://schemas.microsoft.com/office/drawing/2017/decorative" val="1"/>
+                </a:ext>
+              </a:extLst>
+            </p:cNvPr>
+            <p:cNvSpPr/>
+            <p:nvPr>
+              <p:extLst>
+                <p:ext uri="{386F3935-93C4-4BCD-93E2-E3B085C9AB24}">
+                  <p16:designElem xmlns:p16="http://schemas.microsoft.com/office/powerpoint/2015/main" val="1"/>
+                </p:ext>
+              </p:extLst>
+            </p:nvPr>
+          </p:nvSpPr>
+          <p:spPr>
+            <a:xfrm>
+              <a:off x="6546990" y="64008"/>
+              <a:ext cx="54368" cy="59227"/>
+            </a:xfrm>
+            <a:prstGeom prst="ellipse">
+              <a:avLst/>
+            </a:prstGeom>
+            <a:solidFill>
+              <a:schemeClr val="accent1"/>
+            </a:solidFill>
+            <a:ln>
+              <a:noFill/>
+            </a:ln>
+          </p:spPr>
+          <p:style>
+            <a:lnRef idx="2">
+              <a:schemeClr val="accent1">
+                <a:shade val="50000"/>
+              </a:schemeClr>
+            </a:lnRef>
+            <a:fillRef idx="1">
+              <a:schemeClr val="accent1"/>
+            </a:fillRef>
+            <a:effectRef idx="0">
+              <a:schemeClr val="accent1"/>
+            </a:effectRef>
+            <a:fontRef idx="minor">
+              <a:schemeClr val="lt1"/>
+            </a:fontRef>
+          </p:style>
+          <p:txBody>
+            <a:bodyPr rtlCol="0" anchor="ctr"/>
+            <a:lstStyle/>
+            <a:p>
+              <a:pPr algn="ctr"/>
+              <a:endParaRPr lang="en-US"/>
+            </a:p>
+          </p:txBody>
+        </p:sp>
+        <p:sp>
+          <p:nvSpPr>
+            <p:cNvPr id="32" name="Rectangle 66">
+              <a:extLst>
+                <a:ext uri="{FF2B5EF4-FFF2-40B4-BE49-F238E27FC236}">
+                  <a16:creationId xmlns:a16="http://schemas.microsoft.com/office/drawing/2014/main" id="{6D094018-4CC4-4507-BD21-223B12217DF7}"/>
+                </a:ext>
+                <a:ext uri="{C183D7F6-B498-43B3-948B-1728B52AA6E4}">
+                  <adec:decorative xmlns:adec="http://schemas.microsoft.com/office/drawing/2017/decorative" val="1"/>
+                </a:ext>
+              </a:extLst>
+            </p:cNvPr>
+            <p:cNvSpPr/>
+            <p:nvPr>
+              <p:extLst>
+                <p:ext uri="{386F3935-93C4-4BCD-93E2-E3B085C9AB24}">
+                  <p16:designElem xmlns:p16="http://schemas.microsoft.com/office/powerpoint/2015/main" val="1"/>
+                </p:ext>
+              </p:extLst>
+            </p:nvPr>
+          </p:nvSpPr>
+          <p:spPr>
+            <a:xfrm>
+              <a:off x="6546990" y="237744"/>
+              <a:ext cx="54368" cy="59227"/>
+            </a:xfrm>
+            <a:prstGeom prst="ellipse">
+              <a:avLst/>
+            </a:prstGeom>
+            <a:solidFill>
+              <a:schemeClr val="accent1"/>
+            </a:solidFill>
+            <a:ln>
+              <a:noFill/>
+            </a:ln>
+          </p:spPr>
+          <p:style>
+            <a:lnRef idx="2">
+              <a:schemeClr val="accent1">
+                <a:shade val="50000"/>
+              </a:schemeClr>
+            </a:lnRef>
+            <a:fillRef idx="1">
+              <a:schemeClr val="accent1"/>
+            </a:fillRef>
+            <a:effectRef idx="0">
+              <a:schemeClr val="accent1"/>
+            </a:effectRef>
+            <a:fontRef idx="minor">
+              <a:schemeClr val="lt1"/>
+            </a:fontRef>
+          </p:style>
+          <p:txBody>
+            <a:bodyPr rtlCol="0" anchor="ctr"/>
+            <a:lstStyle/>
+            <a:p>
+              <a:pPr algn="ctr"/>
+              <a:endParaRPr lang="en-US"/>
+            </a:p>
+          </p:txBody>
+        </p:sp>
+        <p:sp>
+          <p:nvSpPr>
+            <p:cNvPr id="33" name="Rectangle 64">
+              <a:extLst>
+                <a:ext uri="{FF2B5EF4-FFF2-40B4-BE49-F238E27FC236}">
+                  <a16:creationId xmlns:a16="http://schemas.microsoft.com/office/drawing/2014/main" id="{4971B5B3-87D2-49C1-9AD0-984AF7579CC0}"/>
+                </a:ext>
+                <a:ext uri="{C183D7F6-B498-43B3-948B-1728B52AA6E4}">
+                  <adec:decorative xmlns:adec="http://schemas.microsoft.com/office/drawing/2017/decorative" val="1"/>
+                </a:ext>
+              </a:extLst>
+            </p:cNvPr>
+            <p:cNvSpPr/>
+            <p:nvPr>
+              <p:extLst>
+                <p:ext uri="{386F3935-93C4-4BCD-93E2-E3B085C9AB24}">
+                  <p16:designElem xmlns:p16="http://schemas.microsoft.com/office/powerpoint/2015/main" val="1"/>
+                </p:ext>
+              </p:extLst>
+            </p:nvPr>
+          </p:nvSpPr>
+          <p:spPr>
+            <a:xfrm>
+              <a:off x="6422035" y="64008"/>
+              <a:ext cx="54368" cy="59227"/>
+            </a:xfrm>
+            <a:prstGeom prst="ellipse">
+              <a:avLst/>
+            </a:prstGeom>
+            <a:solidFill>
+              <a:schemeClr val="accent1"/>
+            </a:solidFill>
+            <a:ln>
+              <a:noFill/>
+            </a:ln>
+          </p:spPr>
+          <p:style>
+            <a:lnRef idx="2">
+              <a:schemeClr val="accent1">
+                <a:shade val="50000"/>
+              </a:schemeClr>
+            </a:lnRef>
+            <a:fillRef idx="1">
+              <a:schemeClr val="accent1"/>
+            </a:fillRef>
+            <a:effectRef idx="0">
+              <a:schemeClr val="accent1"/>
+            </a:effectRef>
+            <a:fontRef idx="minor">
+              <a:schemeClr val="lt1"/>
+            </a:fontRef>
+          </p:style>
+          <p:txBody>
+            <a:bodyPr rtlCol="0" anchor="ctr"/>
+            <a:lstStyle/>
+            <a:p>
+              <a:pPr algn="ctr"/>
+              <a:endParaRPr lang="en-US"/>
+            </a:p>
+          </p:txBody>
+        </p:sp>
+        <p:sp>
+          <p:nvSpPr>
+            <p:cNvPr id="34" name="Rectangle 66">
+              <a:extLst>
+                <a:ext uri="{FF2B5EF4-FFF2-40B4-BE49-F238E27FC236}">
+                  <a16:creationId xmlns:a16="http://schemas.microsoft.com/office/drawing/2014/main" id="{7F8CC77F-5D16-46D1-9E76-844D3D54B168}"/>
+                </a:ext>
+                <a:ext uri="{C183D7F6-B498-43B3-948B-1728B52AA6E4}">
+                  <adec:decorative xmlns:adec="http://schemas.microsoft.com/office/drawing/2017/decorative" val="1"/>
+                </a:ext>
+              </a:extLst>
+            </p:cNvPr>
+            <p:cNvSpPr/>
+            <p:nvPr>
+              <p:extLst>
+                <p:ext uri="{386F3935-93C4-4BCD-93E2-E3B085C9AB24}">
+                  <p16:designElem xmlns:p16="http://schemas.microsoft.com/office/powerpoint/2015/main" val="1"/>
+                </p:ext>
+              </p:extLst>
+            </p:nvPr>
+          </p:nvSpPr>
+          <p:spPr>
+            <a:xfrm>
+              <a:off x="6422035" y="237744"/>
+              <a:ext cx="54368" cy="59227"/>
+            </a:xfrm>
+            <a:prstGeom prst="ellipse">
+              <a:avLst/>
+            </a:prstGeom>
+            <a:solidFill>
+              <a:schemeClr val="accent1"/>
+            </a:solidFill>
+            <a:ln>
+              <a:noFill/>
+            </a:ln>
+          </p:spPr>
+          <p:style>
+            <a:lnRef idx="2">
+              <a:schemeClr val="accent1">
+                <a:shade val="50000"/>
+              </a:schemeClr>
+            </a:lnRef>
+            <a:fillRef idx="1">
+              <a:schemeClr val="accent1"/>
+            </a:fillRef>
+            <a:effectRef idx="0">
+              <a:schemeClr val="accent1"/>
+            </a:effectRef>
+            <a:fontRef idx="minor">
+              <a:schemeClr val="lt1"/>
+            </a:fontRef>
+          </p:style>
+          <p:txBody>
+            <a:bodyPr rtlCol="0" anchor="ctr"/>
+            <a:lstStyle/>
+            <a:p>
+              <a:pPr algn="ctr"/>
+              <a:endParaRPr lang="en-US"/>
+            </a:p>
+          </p:txBody>
+        </p:sp>
+        <p:sp>
+          <p:nvSpPr>
+            <p:cNvPr id="35" name="Rectangle 64">
+              <a:extLst>
+                <a:ext uri="{FF2B5EF4-FFF2-40B4-BE49-F238E27FC236}">
+                  <a16:creationId xmlns:a16="http://schemas.microsoft.com/office/drawing/2014/main" id="{3136B198-9314-404B-9B2A-B12F1C81E846}"/>
+                </a:ext>
+                <a:ext uri="{C183D7F6-B498-43B3-948B-1728B52AA6E4}">
+                  <adec:decorative xmlns:adec="http://schemas.microsoft.com/office/drawing/2017/decorative" val="1"/>
+                </a:ext>
+              </a:extLst>
+            </p:cNvPr>
+            <p:cNvSpPr/>
+            <p:nvPr>
+              <p:extLst>
+                <p:ext uri="{386F3935-93C4-4BCD-93E2-E3B085C9AB24}">
+                  <p16:designElem xmlns:p16="http://schemas.microsoft.com/office/powerpoint/2015/main" val="1"/>
+                </p:ext>
+              </p:extLst>
+            </p:nvPr>
+          </p:nvSpPr>
+          <p:spPr>
+            <a:xfrm>
+              <a:off x="6297080" y="64008"/>
+              <a:ext cx="54368" cy="59227"/>
+            </a:xfrm>
+            <a:prstGeom prst="ellipse">
+              <a:avLst/>
+            </a:prstGeom>
+            <a:solidFill>
+              <a:schemeClr val="accent1"/>
+            </a:solidFill>
+            <a:ln>
+              <a:noFill/>
+            </a:ln>
+          </p:spPr>
+          <p:style>
+            <a:lnRef idx="2">
+              <a:schemeClr val="accent1">
+                <a:shade val="50000"/>
+              </a:schemeClr>
+            </a:lnRef>
+            <a:fillRef idx="1">
+              <a:schemeClr val="accent1"/>
+            </a:fillRef>
+            <a:effectRef idx="0">
+              <a:schemeClr val="accent1"/>
+            </a:effectRef>
+            <a:fontRef idx="minor">
+              <a:schemeClr val="lt1"/>
+            </a:fontRef>
+          </p:style>
+          <p:txBody>
+            <a:bodyPr rtlCol="0" anchor="ctr"/>
+            <a:lstStyle/>
+            <a:p>
+              <a:pPr algn="ctr"/>
+              <a:endParaRPr lang="en-US"/>
+            </a:p>
+          </p:txBody>
+        </p:sp>
+        <p:sp>
+          <p:nvSpPr>
+            <p:cNvPr id="36" name="Rectangle 66">
+              <a:extLst>
+                <a:ext uri="{FF2B5EF4-FFF2-40B4-BE49-F238E27FC236}">
+                  <a16:creationId xmlns:a16="http://schemas.microsoft.com/office/drawing/2014/main" id="{3AD2B785-CD5F-4846-8278-FD202F836F0A}"/>
+                </a:ext>
+                <a:ext uri="{C183D7F6-B498-43B3-948B-1728B52AA6E4}">
+                  <adec:decorative xmlns:adec="http://schemas.microsoft.com/office/drawing/2017/decorative" val="1"/>
+                </a:ext>
+              </a:extLst>
+            </p:cNvPr>
+            <p:cNvSpPr/>
+            <p:nvPr>
+              <p:extLst>
+                <p:ext uri="{386F3935-93C4-4BCD-93E2-E3B085C9AB24}">
+                  <p16:designElem xmlns:p16="http://schemas.microsoft.com/office/powerpoint/2015/main" val="1"/>
+                </p:ext>
+              </p:extLst>
+            </p:nvPr>
+          </p:nvSpPr>
+          <p:spPr>
+            <a:xfrm>
+              <a:off x="6297080" y="237744"/>
+              <a:ext cx="54368" cy="59227"/>
+            </a:xfrm>
+            <a:prstGeom prst="ellipse">
+              <a:avLst/>
+            </a:prstGeom>
+            <a:solidFill>
+              <a:schemeClr val="accent1"/>
+            </a:solidFill>
+            <a:ln>
+              <a:noFill/>
+            </a:ln>
+          </p:spPr>
+          <p:style>
+            <a:lnRef idx="2">
+              <a:schemeClr val="accent1">
+                <a:shade val="50000"/>
+              </a:schemeClr>
+            </a:lnRef>
+            <a:fillRef idx="1">
+              <a:schemeClr val="accent1"/>
+            </a:fillRef>
+            <a:effectRef idx="0">
+              <a:schemeClr val="accent1"/>
+            </a:effectRef>
+            <a:fontRef idx="minor">
+              <a:schemeClr val="lt1"/>
+            </a:fontRef>
+          </p:style>
+          <p:txBody>
+            <a:bodyPr rtlCol="0" anchor="ctr"/>
+            <a:lstStyle/>
+            <a:p>
+              <a:pPr algn="ctr"/>
+              <a:endParaRPr lang="en-US"/>
+            </a:p>
+          </p:txBody>
+        </p:sp>
+        <p:sp>
+          <p:nvSpPr>
+            <p:cNvPr id="37" name="Rectangle 64">
+              <a:extLst>
+                <a:ext uri="{FF2B5EF4-FFF2-40B4-BE49-F238E27FC236}">
+                  <a16:creationId xmlns:a16="http://schemas.microsoft.com/office/drawing/2014/main" id="{3C6BD3BE-D8A5-4561-9641-5F579267C5D0}"/>
+                </a:ext>
+                <a:ext uri="{C183D7F6-B498-43B3-948B-1728B52AA6E4}">
+                  <adec:decorative xmlns:adec="http://schemas.microsoft.com/office/drawing/2017/decorative" val="1"/>
+                </a:ext>
+              </a:extLst>
+            </p:cNvPr>
+            <p:cNvSpPr/>
+            <p:nvPr>
+              <p:extLst>
+                <p:ext uri="{386F3935-93C4-4BCD-93E2-E3B085C9AB24}">
+                  <p16:designElem xmlns:p16="http://schemas.microsoft.com/office/powerpoint/2015/main" val="1"/>
+                </p:ext>
+              </p:extLst>
+            </p:nvPr>
+          </p:nvSpPr>
+          <p:spPr>
+            <a:xfrm>
+              <a:off x="6172124" y="64008"/>
+              <a:ext cx="54368" cy="59227"/>
+            </a:xfrm>
+            <a:prstGeom prst="ellipse">
+              <a:avLst/>
+            </a:prstGeom>
+            <a:solidFill>
+              <a:schemeClr val="accent1"/>
+            </a:solidFill>
+            <a:ln>
+              <a:noFill/>
+            </a:ln>
+          </p:spPr>
+          <p:style>
+            <a:lnRef idx="2">
+              <a:schemeClr val="accent1">
+                <a:shade val="50000"/>
+              </a:schemeClr>
+            </a:lnRef>
+            <a:fillRef idx="1">
+              <a:schemeClr val="accent1"/>
+            </a:fillRef>
+            <a:effectRef idx="0">
+              <a:schemeClr val="accent1"/>
+            </a:effectRef>
+            <a:fontRef idx="minor">
+              <a:schemeClr val="lt1"/>
+            </a:fontRef>
+          </p:style>
+          <p:txBody>
+            <a:bodyPr rtlCol="0" anchor="ctr"/>
+            <a:lstStyle/>
+            <a:p>
+              <a:pPr algn="ctr"/>
+              <a:endParaRPr lang="en-US"/>
+            </a:p>
+          </p:txBody>
+        </p:sp>
+        <p:sp>
+          <p:nvSpPr>
+            <p:cNvPr id="38" name="Rectangle 66">
+              <a:extLst>
+                <a:ext uri="{FF2B5EF4-FFF2-40B4-BE49-F238E27FC236}">
+                  <a16:creationId xmlns:a16="http://schemas.microsoft.com/office/drawing/2014/main" id="{883722C6-0687-4FBC-924C-022C334B3555}"/>
+                </a:ext>
+                <a:ext uri="{C183D7F6-B498-43B3-948B-1728B52AA6E4}">
+                  <adec:decorative xmlns:adec="http://schemas.microsoft.com/office/drawing/2017/decorative" val="1"/>
+                </a:ext>
+              </a:extLst>
+            </p:cNvPr>
+            <p:cNvSpPr/>
+            <p:nvPr>
+              <p:extLst>
+                <p:ext uri="{386F3935-93C4-4BCD-93E2-E3B085C9AB24}">
+                  <p16:designElem xmlns:p16="http://schemas.microsoft.com/office/powerpoint/2015/main" val="1"/>
+                </p:ext>
+              </p:extLst>
+            </p:nvPr>
+          </p:nvSpPr>
+          <p:spPr>
+            <a:xfrm>
+              <a:off x="6172124" y="237744"/>
+              <a:ext cx="54368" cy="59227"/>
+            </a:xfrm>
+            <a:prstGeom prst="ellipse">
+              <a:avLst/>
+            </a:prstGeom>
+            <a:solidFill>
+              <a:schemeClr val="accent1"/>
+            </a:solidFill>
+            <a:ln>
+              <a:noFill/>
+            </a:ln>
+          </p:spPr>
+          <p:style>
+            <a:lnRef idx="2">
+              <a:schemeClr val="accent1">
+                <a:shade val="50000"/>
+              </a:schemeClr>
+            </a:lnRef>
+            <a:fillRef idx="1">
+              <a:schemeClr val="accent1"/>
+            </a:fillRef>
+            <a:effectRef idx="0">
+              <a:schemeClr val="accent1"/>
+            </a:effectRef>
+            <a:fontRef idx="minor">
+              <a:schemeClr val="lt1"/>
+            </a:fontRef>
+          </p:style>
+          <p:txBody>
+            <a:bodyPr rtlCol="0" anchor="ctr"/>
+            <a:lstStyle/>
+            <a:p>
+              <a:pPr algn="ctr"/>
+              <a:endParaRPr lang="en-US"/>
+            </a:p>
+          </p:txBody>
+        </p:sp>
+        <p:sp>
+          <p:nvSpPr>
+            <p:cNvPr id="39" name="Rectangle 64">
+              <a:extLst>
+                <a:ext uri="{FF2B5EF4-FFF2-40B4-BE49-F238E27FC236}">
+                  <a16:creationId xmlns:a16="http://schemas.microsoft.com/office/drawing/2014/main" id="{50E3342E-EFDF-4EE7-A275-A46FE15FD9F8}"/>
+                </a:ext>
+                <a:ext uri="{C183D7F6-B498-43B3-948B-1728B52AA6E4}">
+                  <adec:decorative xmlns:adec="http://schemas.microsoft.com/office/drawing/2017/decorative" val="1"/>
+                </a:ext>
+              </a:extLst>
+            </p:cNvPr>
+            <p:cNvSpPr/>
+            <p:nvPr>
+              <p:extLst>
+                <p:ext uri="{386F3935-93C4-4BCD-93E2-E3B085C9AB24}">
+                  <p16:designElem xmlns:p16="http://schemas.microsoft.com/office/powerpoint/2015/main" val="1"/>
+                </p:ext>
+              </p:extLst>
+            </p:nvPr>
+          </p:nvSpPr>
+          <p:spPr>
+            <a:xfrm>
+              <a:off x="6047169" y="64008"/>
+              <a:ext cx="54368" cy="59227"/>
+            </a:xfrm>
+            <a:prstGeom prst="ellipse">
+              <a:avLst/>
+            </a:prstGeom>
+            <a:solidFill>
+              <a:schemeClr val="accent1"/>
+            </a:solidFill>
+            <a:ln>
+              <a:noFill/>
+            </a:ln>
+          </p:spPr>
+          <p:style>
+            <a:lnRef idx="2">
+              <a:schemeClr val="accent1">
+                <a:shade val="50000"/>
+              </a:schemeClr>
+            </a:lnRef>
+            <a:fillRef idx="1">
+              <a:schemeClr val="accent1"/>
+            </a:fillRef>
+            <a:effectRef idx="0">
+              <a:schemeClr val="accent1"/>
+            </a:effectRef>
+            <a:fontRef idx="minor">
+              <a:schemeClr val="lt1"/>
+            </a:fontRef>
+          </p:style>
+          <p:txBody>
+            <a:bodyPr rtlCol="0" anchor="ctr"/>
+            <a:lstStyle/>
+            <a:p>
+              <a:pPr algn="ctr"/>
+              <a:endParaRPr lang="en-US"/>
+            </a:p>
+          </p:txBody>
+        </p:sp>
+        <p:sp>
+          <p:nvSpPr>
+            <p:cNvPr id="40" name="Rectangle 66">
+              <a:extLst>
+                <a:ext uri="{FF2B5EF4-FFF2-40B4-BE49-F238E27FC236}">
+                  <a16:creationId xmlns:a16="http://schemas.microsoft.com/office/drawing/2014/main" id="{02A591D3-77C5-427A-84E7-5040F9C17B32}"/>
+                </a:ext>
+                <a:ext uri="{C183D7F6-B498-43B3-948B-1728B52AA6E4}">
+                  <adec:decorative xmlns:adec="http://schemas.microsoft.com/office/drawing/2017/decorative" val="1"/>
+                </a:ext>
+              </a:extLst>
+            </p:cNvPr>
+            <p:cNvSpPr/>
+            <p:nvPr>
+              <p:extLst>
+                <p:ext uri="{386F3935-93C4-4BCD-93E2-E3B085C9AB24}">
+                  <p16:designElem xmlns:p16="http://schemas.microsoft.com/office/powerpoint/2015/main" val="1"/>
+                </p:ext>
+              </p:extLst>
+            </p:nvPr>
+          </p:nvSpPr>
+          <p:spPr>
+            <a:xfrm>
+              <a:off x="6047169" y="237744"/>
+              <a:ext cx="54368" cy="59227"/>
+            </a:xfrm>
+            <a:prstGeom prst="ellipse">
+              <a:avLst/>
+            </a:prstGeom>
+            <a:solidFill>
+              <a:schemeClr val="accent1"/>
+            </a:solidFill>
+            <a:ln>
+              <a:noFill/>
+            </a:ln>
+          </p:spPr>
+          <p:style>
+            <a:lnRef idx="2">
+              <a:schemeClr val="accent1">
+                <a:shade val="50000"/>
+              </a:schemeClr>
+            </a:lnRef>
+            <a:fillRef idx="1">
+              <a:schemeClr val="accent1"/>
+            </a:fillRef>
+            <a:effectRef idx="0">
+              <a:schemeClr val="accent1"/>
+            </a:effectRef>
+            <a:fontRef idx="minor">
+              <a:schemeClr val="lt1"/>
+            </a:fontRef>
+          </p:style>
+          <p:txBody>
+            <a:bodyPr rtlCol="0" anchor="ctr"/>
+            <a:lstStyle/>
+            <a:p>
+              <a:pPr algn="ctr"/>
+              <a:endParaRPr lang="en-US"/>
+            </a:p>
+          </p:txBody>
+        </p:sp>
+      </p:grpSp>
       <p:sp>
         <p:nvSpPr>
-          <p:cNvPr id="2" name="Title 1">
+          <p:cNvPr id="42" name="Rectangle 41">
             <a:extLst>
               <a:ext uri="{FF2B5EF4-FFF2-40B4-BE49-F238E27FC236}">
-                <a16:creationId xmlns:a16="http://schemas.microsoft.com/office/drawing/2014/main" id="{31286049-0A95-4832-A0F7-AE8E0074F808}"/>
-              </a:ext>
-            </a:extLst>
-          </p:cNvPr>
-          <p:cNvSpPr>
-            <a:spLocks noGrp="1"/>
-          </p:cNvSpPr>
-          <p:nvPr>
-            <p:ph type="title"/>
-          </p:nvPr>
-        </p:nvSpPr>
-        <p:spPr>
-          <a:xfrm>
-            <a:off x="1537097" y="1428750"/>
-            <a:ext cx="9117807" cy="2105026"/>
-          </a:xfrm>
-        </p:spPr>
-        <p:txBody>
-          <a:bodyPr vert="horz" lIns="91440" tIns="45720" rIns="91440" bIns="45720" rtlCol="0" anchor="b">
-            <a:normAutofit/>
-          </a:bodyPr>
-          <a:lstStyle/>
-          <a:p>
-            <a:pPr algn="ctr"/>
-            <a:r>
-              <a:rPr lang="fr-FR" sz="6000" kern="1200" dirty="0">
-                <a:solidFill>
-                  <a:schemeClr val="tx1"/>
-                </a:solidFill>
-                <a:latin typeface="+mj-lt"/>
-                <a:ea typeface="+mj-ea"/>
-                <a:cs typeface="+mj-cs"/>
-              </a:rPr>
-              <a:t>Un exemple avec </a:t>
-            </a:r>
-            <a:r>
-              <a:rPr lang="fr-FR" sz="6000" kern="1200" dirty="0" err="1">
-                <a:solidFill>
-                  <a:schemeClr val="tx1"/>
-                </a:solidFill>
-                <a:latin typeface="+mj-lt"/>
-                <a:ea typeface="+mj-ea"/>
-                <a:cs typeface="+mj-cs"/>
-              </a:rPr>
-              <a:t>flask</a:t>
-            </a:r>
-            <a:endParaRPr lang="fr-FR" sz="6000" kern="1200" dirty="0">
-              <a:solidFill>
-                <a:schemeClr val="tx1"/>
-              </a:solidFill>
-              <a:latin typeface="+mj-lt"/>
-              <a:ea typeface="+mj-ea"/>
-              <a:cs typeface="+mj-cs"/>
-            </a:endParaRPr>
-          </a:p>
-        </p:txBody>
-      </p:sp>
-      <p:cxnSp>
-        <p:nvCxnSpPr>
-          <p:cNvPr id="11" name="Straight Connector 10">
-            <a:extLst>
-              <a:ext uri="{FF2B5EF4-FFF2-40B4-BE49-F238E27FC236}">
-                <a16:creationId xmlns:a16="http://schemas.microsoft.com/office/drawing/2014/main" id="{2330623A-AB89-4E04-AC9A-2BAFBF85AE3A}"/>
-              </a:ext>
-              <a:ext uri="{C183D7F6-B498-43B3-948B-1728B52AA6E4}">
-                <adec:decorative xmlns:adec="http://schemas.microsoft.com/office/drawing/2017/decorative" val="1"/>
-              </a:ext>
-            </a:extLst>
-          </p:cNvPr>
-          <p:cNvCxnSpPr>
-            <a:cxnSpLocks noGrp="1" noRot="1" noChangeAspect="1" noMove="1" noResize="1" noEditPoints="1" noAdjustHandles="1" noChangeArrowheads="1" noChangeShapeType="1"/>
-          </p:cNvCxnSpPr>
-          <p:nvPr>
-            <p:extLst>
-              <p:ext uri="{386F3935-93C4-4BCD-93E2-E3B085C9AB24}">
-                <p16:designElem xmlns:p16="http://schemas.microsoft.com/office/powerpoint/2015/main" val="1"/>
-              </p:ext>
-            </p:extLst>
-          </p:nvPr>
-        </p:nvCxnSpPr>
-        <p:spPr>
-          <a:xfrm>
-            <a:off x="3352800" y="3771366"/>
-            <a:ext cx="5486400" cy="0"/>
-          </a:xfrm>
-          <a:prstGeom prst="line">
-            <a:avLst/>
-          </a:prstGeom>
-          <a:ln w="22225">
-            <a:solidFill>
-              <a:schemeClr val="tx1">
-                <a:lumMod val="50000"/>
-                <a:lumOff val="50000"/>
-              </a:schemeClr>
-            </a:solidFill>
-          </a:ln>
-        </p:spPr>
-        <p:style>
-          <a:lnRef idx="1">
-            <a:schemeClr val="accent1"/>
-          </a:lnRef>
-          <a:fillRef idx="0">
-            <a:schemeClr val="accent1"/>
-          </a:fillRef>
-          <a:effectRef idx="0">
-            <a:schemeClr val="accent1"/>
-          </a:effectRef>
-          <a:fontRef idx="minor">
-            <a:schemeClr val="tx1"/>
-          </a:fontRef>
-        </p:style>
-      </p:cxnSp>
-    </p:spTree>
-    <p:extLst>
-      <p:ext uri="{BB962C8B-B14F-4D97-AF65-F5344CB8AC3E}">
-        <p14:creationId xmlns:p14="http://schemas.microsoft.com/office/powerpoint/2010/main" val="2005683306"/>
-      </p:ext>
-    </p:extLst>
-  </p:cSld>
-  <p:clrMapOvr>
-    <a:masterClrMapping/>
-  </p:clrMapOvr>
-</p:sld>
-</file>
-
-<file path=ppt/slides/slide14.xml><?xml version="1.0" encoding="utf-8"?>
-<p:sld xmlns:a="http://schemas.openxmlformats.org/drawingml/2006/main" xmlns:r="http://schemas.openxmlformats.org/officeDocument/2006/relationships" xmlns:p="http://schemas.openxmlformats.org/presentationml/2006/main">
-  <p:cSld>
-    <p:bg>
-      <p:bgPr>
-        <a:solidFill>
-          <a:schemeClr val="bg1"/>
-        </a:solidFill>
-        <a:effectLst/>
-      </p:bgPr>
-    </p:bg>
-    <p:spTree>
-      <p:nvGrpSpPr>
-        <p:cNvPr id="1" name=""/>
-        <p:cNvGrpSpPr/>
-        <p:nvPr/>
-      </p:nvGrpSpPr>
-      <p:grpSpPr>
-        <a:xfrm>
-          <a:off x="0" y="0"/>
-          <a:ext cx="0" cy="0"/>
-          <a:chOff x="0" y="0"/>
-          <a:chExt cx="0" cy="0"/>
-        </a:xfrm>
-      </p:grpSpPr>
-      <p:sp>
-        <p:nvSpPr>
-          <p:cNvPr id="7" name="Rectangle 6">
-            <a:extLst>
-              <a:ext uri="{FF2B5EF4-FFF2-40B4-BE49-F238E27FC236}">
-                <a16:creationId xmlns:a16="http://schemas.microsoft.com/office/drawing/2014/main" id="{5FB946D7-1CA4-446E-8795-007CACFDEB88}"/>
+                <a16:creationId xmlns:a16="http://schemas.microsoft.com/office/drawing/2014/main" id="{D9F5512A-48E1-4C07-B75E-3CCC517B6804}"/>
               </a:ext>
               <a:ext uri="{C183D7F6-B498-43B3-948B-1728B52AA6E4}">
                 <adec:decorative xmlns:adec="http://schemas.microsoft.com/office/drawing/2017/decorative" val="1"/>
@@ -12706,17 +14272,14 @@
         </p:nvSpPr>
         <p:spPr>
           <a:xfrm>
-            <a:off x="0" y="-3324"/>
-            <a:ext cx="12192000" cy="6861324"/>
+            <a:off x="-1" y="3233984"/>
+            <a:ext cx="606972" cy="3624015"/>
           </a:xfrm>
           <a:prstGeom prst="rect">
             <a:avLst/>
           </a:prstGeom>
           <a:solidFill>
-            <a:schemeClr val="tx1">
-              <a:lumMod val="75000"/>
-              <a:lumOff val="25000"/>
-            </a:schemeClr>
+            <a:schemeClr val="accent1"/>
           </a:solidFill>
           <a:ln>
             <a:noFill/>
@@ -12742,236 +14305,15 @@
           <a:bodyPr rtlCol="0" anchor="ctr"/>
           <a:lstStyle/>
           <a:p>
-            <a:pPr marL="0" marR="0" lvl="0" indent="0" algn="ctr" defTabSz="914400" rtl="0" eaLnBrk="1" fontAlgn="auto" latinLnBrk="0" hangingPunct="1">
-              <a:lnSpc>
-                <a:spcPct val="100000"/>
-              </a:lnSpc>
-              <a:spcBef>
-                <a:spcPts val="0"/>
-              </a:spcBef>
-              <a:spcAft>
-                <a:spcPts val="0"/>
-              </a:spcAft>
-              <a:buClrTx/>
-              <a:buSzTx/>
-              <a:buFontTx/>
-              <a:buNone/>
-              <a:tabLst/>
-              <a:defRPr/>
-            </a:pPr>
-            <a:endParaRPr kumimoji="0" lang="en-US" sz="1800" b="0" i="0" u="none" strike="noStrike" kern="1200" cap="none" spc="0" normalizeH="0" baseline="0" noProof="0">
-              <a:ln>
-                <a:noFill/>
-              </a:ln>
-              <a:solidFill>
-                <a:prstClr val="white"/>
-              </a:solidFill>
-              <a:effectLst/>
-              <a:uLnTx/>
-              <a:uFillTx/>
-              <a:latin typeface="Calibri" panose="020F0502020204030204"/>
-              <a:ea typeface="+mn-ea"/>
-              <a:cs typeface="+mn-cs"/>
-            </a:endParaRPr>
+            <a:pPr algn="ctr"/>
+            <a:endParaRPr lang="en-US"/>
           </a:p>
         </p:txBody>
       </p:sp>
-      <p:sp>
-        <p:nvSpPr>
-          <p:cNvPr id="9" name="Rectangle 8">
-            <a:extLst>
-              <a:ext uri="{FF2B5EF4-FFF2-40B4-BE49-F238E27FC236}">
-                <a16:creationId xmlns:a16="http://schemas.microsoft.com/office/drawing/2014/main" id="{192416F2-BC84-4D7C-80C6-6296C10C3819}"/>
-              </a:ext>
-              <a:ext uri="{C183D7F6-B498-43B3-948B-1728B52AA6E4}">
-                <adec:decorative xmlns:adec="http://schemas.microsoft.com/office/drawing/2017/decorative" val="1"/>
-              </a:ext>
-            </a:extLst>
-          </p:cNvPr>
-          <p:cNvSpPr>
-            <a:spLocks noGrp="1" noRot="1" noChangeAspect="1" noMove="1" noResize="1" noEditPoints="1" noAdjustHandles="1" noChangeArrowheads="1" noChangeShapeType="1" noTextEdit="1"/>
-          </p:cNvSpPr>
-          <p:nvPr>
-            <p:extLst>
-              <p:ext uri="{386F3935-93C4-4BCD-93E2-E3B085C9AB24}">
-                <p16:designElem xmlns:p16="http://schemas.microsoft.com/office/powerpoint/2015/main" val="1"/>
-              </p:ext>
-            </p:extLst>
-          </p:nvPr>
-        </p:nvSpPr>
-        <p:spPr bwMode="ltGray">
-          <a:xfrm>
-            <a:off x="795338" y="981075"/>
-            <a:ext cx="10601325" cy="4552949"/>
-          </a:xfrm>
-          <a:prstGeom prst="rect">
-            <a:avLst/>
-          </a:prstGeom>
-          <a:solidFill>
-            <a:schemeClr val="bg1"/>
-          </a:solidFill>
-          <a:ln w="127000" cap="sq" cmpd="thinThick">
-            <a:solidFill>
-              <a:schemeClr val="bg1"/>
-            </a:solidFill>
-          </a:ln>
-        </p:spPr>
-        <p:style>
-          <a:lnRef idx="2">
-            <a:schemeClr val="accent1">
-              <a:shade val="50000"/>
-            </a:schemeClr>
-          </a:lnRef>
-          <a:fillRef idx="1">
-            <a:schemeClr val="accent1"/>
-          </a:fillRef>
-          <a:effectRef idx="0">
-            <a:schemeClr val="accent1"/>
-          </a:effectRef>
-          <a:fontRef idx="minor">
-            <a:schemeClr val="lt1"/>
-          </a:fontRef>
-        </p:style>
-        <p:txBody>
-          <a:bodyPr rtlCol="0" anchor="ctr"/>
-          <a:lstStyle/>
-          <a:p>
-            <a:pPr marL="0" marR="0" lvl="0" indent="0" algn="ctr" defTabSz="914400" rtl="0" eaLnBrk="1" fontAlgn="auto" latinLnBrk="0" hangingPunct="1">
-              <a:lnSpc>
-                <a:spcPct val="100000"/>
-              </a:lnSpc>
-              <a:spcBef>
-                <a:spcPts val="0"/>
-              </a:spcBef>
-              <a:spcAft>
-                <a:spcPts val="0"/>
-              </a:spcAft>
-              <a:buClrTx/>
-              <a:buSzTx/>
-              <a:buFontTx/>
-              <a:buNone/>
-              <a:tabLst/>
-              <a:defRPr/>
-            </a:pPr>
-            <a:endParaRPr kumimoji="0" lang="en-US" sz="1800" b="0" i="0" u="none" strike="noStrike" kern="1200" cap="none" spc="0" normalizeH="0" baseline="0" noProof="0" dirty="0">
-              <a:ln>
-                <a:noFill/>
-              </a:ln>
-              <a:solidFill>
-                <a:prstClr val="white"/>
-              </a:solidFill>
-              <a:effectLst/>
-              <a:uLnTx/>
-              <a:uFillTx/>
-              <a:latin typeface="Calibri" panose="020F0502020204030204"/>
-              <a:ea typeface="+mn-ea"/>
-              <a:cs typeface="+mn-cs"/>
-            </a:endParaRPr>
-          </a:p>
-        </p:txBody>
-      </p:sp>
-      <p:sp>
-        <p:nvSpPr>
-          <p:cNvPr id="2" name="Title 1">
-            <a:extLst>
-              <a:ext uri="{FF2B5EF4-FFF2-40B4-BE49-F238E27FC236}">
-                <a16:creationId xmlns:a16="http://schemas.microsoft.com/office/drawing/2014/main" id="{CD419AA0-0CA5-4E6A-91C9-ACD36A5E26C9}"/>
-              </a:ext>
-            </a:extLst>
-          </p:cNvPr>
-          <p:cNvSpPr>
-            <a:spLocks noGrp="1"/>
-          </p:cNvSpPr>
-          <p:nvPr>
-            <p:ph type="title"/>
-          </p:nvPr>
-        </p:nvSpPr>
-        <p:spPr>
-          <a:xfrm>
-            <a:off x="1537097" y="1428750"/>
-            <a:ext cx="9117807" cy="2105026"/>
-          </a:xfrm>
-        </p:spPr>
-        <p:txBody>
-          <a:bodyPr vert="horz" lIns="91440" tIns="45720" rIns="91440" bIns="45720" rtlCol="0" anchor="b">
-            <a:normAutofit/>
-          </a:bodyPr>
-          <a:lstStyle/>
-          <a:p>
-            <a:pPr algn="ctr"/>
-            <a:r>
-              <a:rPr lang="en-US" sz="6000" kern="1200">
-                <a:solidFill>
-                  <a:schemeClr val="tx1"/>
-                </a:solidFill>
-                <a:latin typeface="+mj-lt"/>
-                <a:ea typeface="+mj-ea"/>
-                <a:cs typeface="+mj-cs"/>
-              </a:rPr>
-              <a:t>Bonne chance pour le tp !</a:t>
-            </a:r>
-          </a:p>
-        </p:txBody>
-      </p:sp>
-      <p:cxnSp>
-        <p:nvCxnSpPr>
-          <p:cNvPr id="11" name="Straight Connector 10">
-            <a:extLst>
-              <a:ext uri="{FF2B5EF4-FFF2-40B4-BE49-F238E27FC236}">
-                <a16:creationId xmlns:a16="http://schemas.microsoft.com/office/drawing/2014/main" id="{2330623A-AB89-4E04-AC9A-2BAFBF85AE3A}"/>
-              </a:ext>
-              <a:ext uri="{C183D7F6-B498-43B3-948B-1728B52AA6E4}">
-                <adec:decorative xmlns:adec="http://schemas.microsoft.com/office/drawing/2017/decorative" val="1"/>
-              </a:ext>
-            </a:extLst>
-          </p:cNvPr>
-          <p:cNvCxnSpPr>
-            <a:cxnSpLocks noGrp="1" noRot="1" noChangeAspect="1" noMove="1" noResize="1" noEditPoints="1" noAdjustHandles="1" noChangeArrowheads="1" noChangeShapeType="1"/>
-          </p:cNvCxnSpPr>
-          <p:nvPr>
-            <p:extLst>
-              <p:ext uri="{386F3935-93C4-4BCD-93E2-E3B085C9AB24}">
-                <p16:designElem xmlns:p16="http://schemas.microsoft.com/office/powerpoint/2015/main" val="1"/>
-              </p:ext>
-            </p:extLst>
-          </p:nvPr>
-        </p:nvCxnSpPr>
-        <p:spPr>
-          <a:xfrm>
-            <a:off x="3352800" y="3771366"/>
-            <a:ext cx="5486400" cy="0"/>
-          </a:xfrm>
-          <a:prstGeom prst="line">
-            <a:avLst/>
-          </a:prstGeom>
-          <a:ln w="22225">
-            <a:solidFill>
-              <a:schemeClr val="tx1">
-                <a:lumMod val="50000"/>
-                <a:lumOff val="50000"/>
-              </a:schemeClr>
-            </a:solidFill>
-          </a:ln>
-        </p:spPr>
-        <p:style>
-          <a:lnRef idx="1">
-            <a:schemeClr val="accent1"/>
-          </a:lnRef>
-          <a:fillRef idx="0">
-            <a:schemeClr val="accent1"/>
-          </a:fillRef>
-          <a:effectRef idx="0">
-            <a:schemeClr val="accent1"/>
-          </a:effectRef>
-          <a:fontRef idx="minor">
-            <a:schemeClr val="tx1"/>
-          </a:fontRef>
-        </p:style>
-      </p:cxnSp>
     </p:spTree>
     <p:extLst>
       <p:ext uri="{BB962C8B-B14F-4D97-AF65-F5344CB8AC3E}">
-        <p14:creationId xmlns:p14="http://schemas.microsoft.com/office/powerpoint/2010/main" val="2676893802"/>
+        <p14:creationId xmlns:p14="http://schemas.microsoft.com/office/powerpoint/2010/main" val="2005683306"/>
       </p:ext>
     </p:extLst>
   </p:cSld>
@@ -13240,114 +14582,6 @@
       </p:grpSpPr>
       <p:sp>
         <p:nvSpPr>
-          <p:cNvPr id="6" name="Title 5">
-            <a:extLst>
-              <a:ext uri="{FF2B5EF4-FFF2-40B4-BE49-F238E27FC236}">
-                <a16:creationId xmlns:a16="http://schemas.microsoft.com/office/drawing/2014/main" id="{A2D9BC4B-8E9B-4BEA-910F-F79B15F69EC4}"/>
-              </a:ext>
-            </a:extLst>
-          </p:cNvPr>
-          <p:cNvSpPr>
-            <a:spLocks noGrp="1"/>
-          </p:cNvSpPr>
-          <p:nvPr>
-            <p:ph type="title"/>
-          </p:nvPr>
-        </p:nvSpPr>
-        <p:spPr>
-          <a:xfrm>
-            <a:off x="519545" y="621792"/>
-            <a:ext cx="5181503" cy="5504688"/>
-          </a:xfrm>
-        </p:spPr>
-        <p:txBody>
-          <a:bodyPr vert="horz" lIns="91440" tIns="45720" rIns="91440" bIns="45720" rtlCol="0" anchor="ctr">
-            <a:normAutofit/>
-          </a:bodyPr>
-          <a:lstStyle/>
-          <a:p>
-            <a:r>
-              <a:rPr lang="en-US" sz="4800" kern="1200">
-                <a:solidFill>
-                  <a:schemeClr val="tx1"/>
-                </a:solidFill>
-                <a:latin typeface="+mj-lt"/>
-                <a:ea typeface="+mj-ea"/>
-                <a:cs typeface="+mj-cs"/>
-              </a:rPr>
-              <a:t>Introduction</a:t>
-            </a:r>
-          </a:p>
-        </p:txBody>
-      </p:sp>
-      <p:graphicFrame>
-        <p:nvGraphicFramePr>
-          <p:cNvPr id="33" name="TextBox 30">
-            <a:extLst>
-              <a:ext uri="{FF2B5EF4-FFF2-40B4-BE49-F238E27FC236}">
-                <a16:creationId xmlns:a16="http://schemas.microsoft.com/office/drawing/2014/main" id="{F928F4FB-BBF4-4388-8A54-2563B4BD77DA}"/>
-              </a:ext>
-            </a:extLst>
-          </p:cNvPr>
-          <p:cNvGraphicFramePr/>
-          <p:nvPr>
-            <p:extLst>
-              <p:ext uri="{D42A27DB-BD31-4B8C-83A1-F6EECF244321}">
-                <p14:modId xmlns:p14="http://schemas.microsoft.com/office/powerpoint/2010/main" val="1714337075"/>
-              </p:ext>
-            </p:extLst>
-          </p:nvPr>
-        </p:nvGraphicFramePr>
-        <p:xfrm>
-          <a:off x="6099048" y="621792"/>
-          <a:ext cx="5257800" cy="5504688"/>
-        </p:xfrm>
-        <a:graphic>
-          <a:graphicData uri="http://schemas.openxmlformats.org/drawingml/2006/diagram">
-            <dgm:relIds xmlns:dgm="http://schemas.openxmlformats.org/drawingml/2006/diagram" xmlns:r="http://schemas.openxmlformats.org/officeDocument/2006/relationships" r:dm="rId2" r:lo="rId3" r:qs="rId4" r:cs="rId5"/>
-          </a:graphicData>
-        </a:graphic>
-      </p:graphicFrame>
-    </p:spTree>
-    <p:extLst>
-      <p:ext uri="{BB962C8B-B14F-4D97-AF65-F5344CB8AC3E}">
-        <p14:creationId xmlns:p14="http://schemas.microsoft.com/office/powerpoint/2010/main" val="1462712244"/>
-      </p:ext>
-    </p:extLst>
-  </p:cSld>
-  <p:clrMapOvr>
-    <a:masterClrMapping/>
-  </p:clrMapOvr>
-</p:sld>
-</file>
-
-<file path=ppt/slides/slide4.xml><?xml version="1.0" encoding="utf-8"?>
-<p:sld xmlns:a="http://schemas.openxmlformats.org/drawingml/2006/main" xmlns:r="http://schemas.openxmlformats.org/officeDocument/2006/relationships" xmlns:p="http://schemas.openxmlformats.org/presentationml/2006/main">
-  <p:cSld>
-    <p:bg>
-      <p:bgPr>
-        <a:solidFill>
-          <a:schemeClr val="bg1"/>
-        </a:solidFill>
-        <a:effectLst/>
-      </p:bgPr>
-    </p:bg>
-    <p:spTree>
-      <p:nvGrpSpPr>
-        <p:cNvPr id="1" name=""/>
-        <p:cNvGrpSpPr/>
-        <p:nvPr/>
-      </p:nvGrpSpPr>
-      <p:grpSpPr>
-        <a:xfrm>
-          <a:off x="0" y="0"/>
-          <a:ext cx="0" cy="0"/>
-          <a:chOff x="0" y="0"/>
-          <a:chExt cx="0" cy="0"/>
-        </a:xfrm>
-      </p:grpSpPr>
-      <p:sp>
-        <p:nvSpPr>
           <p:cNvPr id="18" name="Rectangle 17">
             <a:extLst>
               <a:ext uri="{FF2B5EF4-FFF2-40B4-BE49-F238E27FC236}">
@@ -13506,7 +14740,7 @@
 </p:sld>
 </file>
 
-<file path=ppt/slides/slide5.xml><?xml version="1.0" encoding="utf-8"?>
+<file path=ppt/slides/slide4.xml><?xml version="1.0" encoding="utf-8"?>
 <p:sld xmlns:a="http://schemas.openxmlformats.org/drawingml/2006/main" xmlns:r="http://schemas.openxmlformats.org/officeDocument/2006/relationships" xmlns:p="http://schemas.openxmlformats.org/presentationml/2006/main">
   <p:cSld>
     <p:bg>
@@ -13593,7 +14827,7 @@
 </p:sld>
 </file>
 
-<file path=ppt/slides/slide6.xml><?xml version="1.0" encoding="utf-8"?>
+<file path=ppt/slides/slide5.xml><?xml version="1.0" encoding="utf-8"?>
 <p:sld xmlns:a="http://schemas.openxmlformats.org/drawingml/2006/main" xmlns:r="http://schemas.openxmlformats.org/officeDocument/2006/relationships" xmlns:p="http://schemas.openxmlformats.org/presentationml/2006/main">
   <p:cSld>
     <p:bg>
@@ -13700,7 +14934,7 @@
 </p:sld>
 </file>
 
-<file path=ppt/slides/slide7.xml><?xml version="1.0" encoding="utf-8"?>
+<file path=ppt/slides/slide6.xml><?xml version="1.0" encoding="utf-8"?>
 <p:sld xmlns:a="http://schemas.openxmlformats.org/drawingml/2006/main" xmlns:r="http://schemas.openxmlformats.org/officeDocument/2006/relationships" xmlns:p="http://schemas.openxmlformats.org/presentationml/2006/main">
   <p:cSld>
     <p:bg>
@@ -13976,7 +15210,7 @@
 </p:sld>
 </file>
 
-<file path=ppt/slides/slide8.xml><?xml version="1.0" encoding="utf-8"?>
+<file path=ppt/slides/slide7.xml><?xml version="1.0" encoding="utf-8"?>
 <p:sld xmlns:a="http://schemas.openxmlformats.org/drawingml/2006/main" xmlns:r="http://schemas.openxmlformats.org/officeDocument/2006/relationships" xmlns:p="http://schemas.openxmlformats.org/presentationml/2006/main">
   <p:cSld>
     <p:bg>
@@ -14604,7 +15838,7 @@
             <p:ph idx="1"/>
             <p:extLst>
               <p:ext uri="{D42A27DB-BD31-4B8C-83A1-F6EECF244321}">
-                <p14:modId xmlns:p14="http://schemas.microsoft.com/office/powerpoint/2010/main" val="2951983668"/>
+                <p14:modId xmlns:p14="http://schemas.microsoft.com/office/powerpoint/2010/main" val="1013674847"/>
               </p:ext>
             </p:extLst>
           </p:nvPr>
@@ -14632,7 +15866,7 @@
 </p:sld>
 </file>
 
-<file path=ppt/slides/slide9.xml><?xml version="1.0" encoding="utf-8"?>
+<file path=ppt/slides/slide8.xml><?xml version="1.0" encoding="utf-8"?>
 <p:sld xmlns:a="http://schemas.openxmlformats.org/drawingml/2006/main" xmlns:r="http://schemas.openxmlformats.org/officeDocument/2006/relationships" xmlns:p="http://schemas.openxmlformats.org/presentationml/2006/main">
   <p:cSld>
     <p:bg>
@@ -15218,45 +16452,679 @@
           </a:p>
         </p:txBody>
       </p:sp>
-      <p:pic>
-        <p:nvPicPr>
-          <p:cNvPr id="7" name="Content Placeholder 6" descr="Diagram&#10;&#10;Description automatically generated">
+      <p:graphicFrame>
+        <p:nvGraphicFramePr>
+          <p:cNvPr id="6" name="Content Placeholder 5">
             <a:extLst>
               <a:ext uri="{FF2B5EF4-FFF2-40B4-BE49-F238E27FC236}">
-                <a16:creationId xmlns:a16="http://schemas.microsoft.com/office/drawing/2014/main" id="{9EE7D156-886C-46D9-B111-DE8C0506BA5D}"/>
+                <a16:creationId xmlns:a16="http://schemas.microsoft.com/office/drawing/2014/main" id="{826BC91B-85C8-4CC9-947C-430C77D1F83E}"/>
               </a:ext>
             </a:extLst>
           </p:cNvPr>
-          <p:cNvPicPr>
-            <a:picLocks noGrp="1" noChangeAspect="1"/>
-          </p:cNvPicPr>
+          <p:cNvGraphicFramePr>
+            <a:graphicFrameLocks noGrp="1"/>
+          </p:cNvGraphicFramePr>
           <p:nvPr>
             <p:ph idx="1"/>
+            <p:extLst>
+              <p:ext uri="{D42A27DB-BD31-4B8C-83A1-F6EECF244321}">
+                <p14:modId xmlns:p14="http://schemas.microsoft.com/office/powerpoint/2010/main" val="3509410448"/>
+              </p:ext>
+            </p:extLst>
           </p:nvPr>
-        </p:nvPicPr>
-        <p:blipFill>
-          <a:blip r:embed="rId2">
-            <a:extLst>
-              <a:ext uri="{28A0092B-C50C-407E-A947-70E740481C1C}">
-                <a14:useLocalDpi xmlns:a14="http://schemas.microsoft.com/office/drawing/2010/main" val="0"/>
-              </a:ext>
-            </a:extLst>
-          </a:blip>
-          <a:stretch>
-            <a:fillRect/>
-          </a:stretch>
-        </p:blipFill>
-        <p:spPr>
-          <a:xfrm>
-            <a:off x="812935" y="3083198"/>
-            <a:ext cx="10515600" cy="3195262"/>
-          </a:xfrm>
-        </p:spPr>
-      </p:pic>
+        </p:nvGraphicFramePr>
+        <p:xfrm>
+          <a:off x="838200" y="1825625"/>
+          <a:ext cx="10515600" cy="4351338"/>
+        </p:xfrm>
+        <a:graphic>
+          <a:graphicData uri="http://schemas.openxmlformats.org/drawingml/2006/diagram">
+            <dgm:relIds xmlns:dgm="http://schemas.openxmlformats.org/drawingml/2006/diagram" xmlns:r="http://schemas.openxmlformats.org/officeDocument/2006/relationships" r:dm="rId2" r:lo="rId3" r:qs="rId4" r:cs="rId5"/>
+          </a:graphicData>
+        </a:graphic>
+      </p:graphicFrame>
     </p:spTree>
     <p:extLst>
       <p:ext uri="{BB962C8B-B14F-4D97-AF65-F5344CB8AC3E}">
         <p14:creationId xmlns:p14="http://schemas.microsoft.com/office/powerpoint/2010/main" val="2525934782"/>
+      </p:ext>
+    </p:extLst>
+  </p:cSld>
+  <p:clrMapOvr>
+    <a:masterClrMapping/>
+  </p:clrMapOvr>
+</p:sld>
+</file>
+
+<file path=ppt/slides/slide9.xml><?xml version="1.0" encoding="utf-8"?>
+<p:sld xmlns:a="http://schemas.openxmlformats.org/drawingml/2006/main" xmlns:r="http://schemas.openxmlformats.org/officeDocument/2006/relationships" xmlns:p="http://schemas.openxmlformats.org/presentationml/2006/main">
+  <p:cSld>
+    <p:bg>
+      <p:bgPr>
+        <a:solidFill>
+          <a:schemeClr val="bg1"/>
+        </a:solidFill>
+        <a:effectLst/>
+      </p:bgPr>
+    </p:bg>
+    <p:spTree>
+      <p:nvGrpSpPr>
+        <p:cNvPr id="1" name=""/>
+        <p:cNvGrpSpPr/>
+        <p:nvPr/>
+      </p:nvGrpSpPr>
+      <p:grpSpPr>
+        <a:xfrm>
+          <a:off x="0" y="0"/>
+          <a:ext cx="0" cy="0"/>
+          <a:chOff x="0" y="0"/>
+          <a:chExt cx="0" cy="0"/>
+        </a:xfrm>
+      </p:grpSpPr>
+      <p:sp useBgFill="1">
+        <p:nvSpPr>
+          <p:cNvPr id="28" name="Rectangle 27">
+            <a:extLst>
+              <a:ext uri="{FF2B5EF4-FFF2-40B4-BE49-F238E27FC236}">
+                <a16:creationId xmlns:a16="http://schemas.microsoft.com/office/drawing/2014/main" id="{827B839B-9ADE-406B-8590-F1CAEDED45A1}"/>
+              </a:ext>
+              <a:ext uri="{C183D7F6-B498-43B3-948B-1728B52AA6E4}">
+                <adec:decorative xmlns:adec="http://schemas.microsoft.com/office/drawing/2017/decorative" val="1"/>
+              </a:ext>
+            </a:extLst>
+          </p:cNvPr>
+          <p:cNvSpPr>
+            <a:spLocks noGrp="1" noRot="1" noChangeAspect="1" noMove="1" noResize="1" noEditPoints="1" noAdjustHandles="1" noChangeArrowheads="1" noChangeShapeType="1" noTextEdit="1"/>
+          </p:cNvSpPr>
+          <p:nvPr>
+            <p:extLst>
+              <p:ext uri="{386F3935-93C4-4BCD-93E2-E3B085C9AB24}">
+                <p16:designElem xmlns:p16="http://schemas.microsoft.com/office/powerpoint/2015/main" val="1"/>
+              </p:ext>
+            </p:extLst>
+          </p:nvPr>
+        </p:nvSpPr>
+        <p:spPr>
+          <a:xfrm>
+            <a:off x="0" y="0"/>
+            <a:ext cx="12188952" cy="6858000"/>
+          </a:xfrm>
+          <a:prstGeom prst="rect">
+            <a:avLst/>
+          </a:prstGeom>
+          <a:ln>
+            <a:noFill/>
+          </a:ln>
+        </p:spPr>
+        <p:style>
+          <a:lnRef idx="2">
+            <a:schemeClr val="accent1">
+              <a:shade val="50000"/>
+            </a:schemeClr>
+          </a:lnRef>
+          <a:fillRef idx="1">
+            <a:schemeClr val="accent1"/>
+          </a:fillRef>
+          <a:effectRef idx="0">
+            <a:schemeClr val="accent1"/>
+          </a:effectRef>
+          <a:fontRef idx="minor">
+            <a:schemeClr val="lt1"/>
+          </a:fontRef>
+        </p:style>
+        <p:txBody>
+          <a:bodyPr rtlCol="0" anchor="ctr"/>
+          <a:lstStyle/>
+          <a:p>
+            <a:pPr algn="ctr"/>
+            <a:endParaRPr lang="en-US"/>
+          </a:p>
+        </p:txBody>
+      </p:sp>
+      <p:sp>
+        <p:nvSpPr>
+          <p:cNvPr id="30" name="Freeform 45">
+            <a:extLst>
+              <a:ext uri="{FF2B5EF4-FFF2-40B4-BE49-F238E27FC236}">
+                <a16:creationId xmlns:a16="http://schemas.microsoft.com/office/drawing/2014/main" id="{CFE45BF0-46DB-408C-B5F7-7B11716805D4}"/>
+              </a:ext>
+              <a:ext uri="{C183D7F6-B498-43B3-948B-1728B52AA6E4}">
+                <adec:decorative xmlns:adec="http://schemas.microsoft.com/office/drawing/2017/decorative" val="1"/>
+              </a:ext>
+            </a:extLst>
+          </p:cNvPr>
+          <p:cNvSpPr>
+            <a:spLocks noGrp="1" noRot="1" noChangeAspect="1" noMove="1" noResize="1" noEditPoints="1" noAdjustHandles="1" noChangeArrowheads="1" noChangeShapeType="1" noTextEdit="1"/>
+          </p:cNvSpPr>
+          <p:nvPr>
+            <p:extLst>
+              <p:ext uri="{386F3935-93C4-4BCD-93E2-E3B085C9AB24}">
+                <p16:designElem xmlns:p16="http://schemas.microsoft.com/office/powerpoint/2015/main" val="1"/>
+              </p:ext>
+            </p:extLst>
+          </p:nvPr>
+        </p:nvSpPr>
+        <p:spPr bwMode="auto">
+          <a:xfrm>
+            <a:off x="409710" y="1022350"/>
+            <a:ext cx="709612" cy="2095501"/>
+          </a:xfrm>
+          <a:custGeom>
+            <a:avLst/>
+            <a:gdLst>
+              <a:gd name="T0" fmla="*/ 447 w 447"/>
+              <a:gd name="T1" fmla="*/ 1363 h 1363"/>
+              <a:gd name="T2" fmla="*/ 0 w 447"/>
+              <a:gd name="T3" fmla="*/ 987 h 1363"/>
+              <a:gd name="T4" fmla="*/ 0 w 447"/>
+              <a:gd name="T5" fmla="*/ 0 h 1363"/>
+              <a:gd name="T6" fmla="*/ 447 w 447"/>
+              <a:gd name="T7" fmla="*/ 376 h 1363"/>
+              <a:gd name="T8" fmla="*/ 447 w 447"/>
+              <a:gd name="T9" fmla="*/ 1363 h 1363"/>
+            </a:gdLst>
+            <a:ahLst/>
+            <a:cxnLst>
+              <a:cxn ang="0">
+                <a:pos x="T0" y="T1"/>
+              </a:cxn>
+              <a:cxn ang="0">
+                <a:pos x="T2" y="T3"/>
+              </a:cxn>
+              <a:cxn ang="0">
+                <a:pos x="T4" y="T5"/>
+              </a:cxn>
+              <a:cxn ang="0">
+                <a:pos x="T6" y="T7"/>
+              </a:cxn>
+              <a:cxn ang="0">
+                <a:pos x="T8" y="T9"/>
+              </a:cxn>
+            </a:cxnLst>
+            <a:rect l="0" t="0" r="r" b="b"/>
+            <a:pathLst>
+              <a:path w="447" h="1363">
+                <a:moveTo>
+                  <a:pt x="447" y="1363"/>
+                </a:moveTo>
+                <a:lnTo>
+                  <a:pt x="0" y="987"/>
+                </a:lnTo>
+                <a:lnTo>
+                  <a:pt x="0" y="0"/>
+                </a:lnTo>
+                <a:lnTo>
+                  <a:pt x="447" y="376"/>
+                </a:lnTo>
+                <a:lnTo>
+                  <a:pt x="447" y="1363"/>
+                </a:lnTo>
+                <a:close/>
+              </a:path>
+            </a:pathLst>
+          </a:custGeom>
+          <a:solidFill>
+            <a:schemeClr val="accent1">
+              <a:lumMod val="50000"/>
+            </a:schemeClr>
+          </a:solidFill>
+          <a:ln>
+            <a:noFill/>
+          </a:ln>
+        </p:spPr>
+        <p:txBody>
+          <a:bodyPr vert="horz" wrap="square" lIns="91440" tIns="45720" rIns="91440" bIns="45720" numCol="1" anchor="t" anchorCtr="0" compatLnSpc="1">
+            <a:prstTxWarp prst="textNoShape">
+              <a:avLst/>
+            </a:prstTxWarp>
+          </a:bodyPr>
+          <a:lstStyle/>
+          <a:p>
+            <a:endParaRPr lang="en-US"/>
+          </a:p>
+        </p:txBody>
+      </p:sp>
+      <p:sp>
+        <p:nvSpPr>
+          <p:cNvPr id="32" name="Freeform 46">
+            <a:extLst>
+              <a:ext uri="{FF2B5EF4-FFF2-40B4-BE49-F238E27FC236}">
+                <a16:creationId xmlns:a16="http://schemas.microsoft.com/office/drawing/2014/main" id="{2AEBC8F2-97B1-41B4-93F1-2D289E197FBA}"/>
+              </a:ext>
+              <a:ext uri="{C183D7F6-B498-43B3-948B-1728B52AA6E4}">
+                <adec:decorative xmlns:adec="http://schemas.microsoft.com/office/drawing/2017/decorative" val="1"/>
+              </a:ext>
+            </a:extLst>
+          </p:cNvPr>
+          <p:cNvSpPr>
+            <a:spLocks noGrp="1" noRot="1" noChangeAspect="1" noMove="1" noResize="1" noEditPoints="1" noAdjustHandles="1" noChangeArrowheads="1" noChangeShapeType="1" noTextEdit="1"/>
+          </p:cNvSpPr>
+          <p:nvPr>
+            <p:extLst>
+              <p:ext uri="{386F3935-93C4-4BCD-93E2-E3B085C9AB24}">
+                <p16:designElem xmlns:p16="http://schemas.microsoft.com/office/powerpoint/2015/main" val="1"/>
+              </p:ext>
+            </p:extLst>
+          </p:nvPr>
+        </p:nvSpPr>
+        <p:spPr bwMode="auto">
+          <a:xfrm>
+            <a:off x="409710" y="837744"/>
+            <a:ext cx="403225" cy="1705431"/>
+          </a:xfrm>
+          <a:custGeom>
+            <a:avLst/>
+            <a:gdLst>
+              <a:gd name="T0" fmla="*/ 254 w 254"/>
+              <a:gd name="T1" fmla="*/ 987 h 1109"/>
+              <a:gd name="T2" fmla="*/ 0 w 254"/>
+              <a:gd name="T3" fmla="*/ 1109 h 1109"/>
+              <a:gd name="T4" fmla="*/ 0 w 254"/>
+              <a:gd name="T5" fmla="*/ 119 h 1109"/>
+              <a:gd name="T6" fmla="*/ 254 w 254"/>
+              <a:gd name="T7" fmla="*/ 0 h 1109"/>
+              <a:gd name="T8" fmla="*/ 254 w 254"/>
+              <a:gd name="T9" fmla="*/ 987 h 1109"/>
+            </a:gdLst>
+            <a:ahLst/>
+            <a:cxnLst>
+              <a:cxn ang="0">
+                <a:pos x="T0" y="T1"/>
+              </a:cxn>
+              <a:cxn ang="0">
+                <a:pos x="T2" y="T3"/>
+              </a:cxn>
+              <a:cxn ang="0">
+                <a:pos x="T4" y="T5"/>
+              </a:cxn>
+              <a:cxn ang="0">
+                <a:pos x="T6" y="T7"/>
+              </a:cxn>
+              <a:cxn ang="0">
+                <a:pos x="T8" y="T9"/>
+              </a:cxn>
+            </a:cxnLst>
+            <a:rect l="0" t="0" r="r" b="b"/>
+            <a:pathLst>
+              <a:path w="254" h="1109">
+                <a:moveTo>
+                  <a:pt x="254" y="987"/>
+                </a:moveTo>
+                <a:lnTo>
+                  <a:pt x="0" y="1109"/>
+                </a:lnTo>
+                <a:lnTo>
+                  <a:pt x="0" y="119"/>
+                </a:lnTo>
+                <a:lnTo>
+                  <a:pt x="254" y="0"/>
+                </a:lnTo>
+                <a:lnTo>
+                  <a:pt x="254" y="987"/>
+                </a:lnTo>
+                <a:close/>
+              </a:path>
+            </a:pathLst>
+          </a:custGeom>
+          <a:solidFill>
+            <a:schemeClr val="accent1">
+              <a:lumMod val="75000"/>
+            </a:schemeClr>
+          </a:solidFill>
+          <a:ln>
+            <a:noFill/>
+          </a:ln>
+        </p:spPr>
+        <p:txBody>
+          <a:bodyPr vert="horz" wrap="square" lIns="91440" tIns="45720" rIns="91440" bIns="45720" numCol="1" anchor="t" anchorCtr="0" compatLnSpc="1">
+            <a:prstTxWarp prst="textNoShape">
+              <a:avLst/>
+            </a:prstTxWarp>
+          </a:bodyPr>
+          <a:lstStyle/>
+          <a:p>
+            <a:endParaRPr lang="en-US"/>
+          </a:p>
+        </p:txBody>
+      </p:sp>
+      <p:sp>
+        <p:nvSpPr>
+          <p:cNvPr id="34" name="Freeform 47">
+            <a:extLst>
+              <a:ext uri="{FF2B5EF4-FFF2-40B4-BE49-F238E27FC236}">
+                <a16:creationId xmlns:a16="http://schemas.microsoft.com/office/drawing/2014/main" id="{472E3A19-F5D5-48FC-BB9C-48C2F68F598B}"/>
+              </a:ext>
+              <a:ext uri="{C183D7F6-B498-43B3-948B-1728B52AA6E4}">
+                <adec:decorative xmlns:adec="http://schemas.microsoft.com/office/drawing/2017/decorative" val="1"/>
+              </a:ext>
+            </a:extLst>
+          </p:cNvPr>
+          <p:cNvSpPr>
+            <a:spLocks noGrp="1" noRot="1" noChangeAspect="1" noMove="1" noResize="1" noEditPoints="1" noAdjustHandles="1" noChangeArrowheads="1" noChangeShapeType="1" noTextEdit="1"/>
+          </p:cNvSpPr>
+          <p:nvPr>
+            <p:extLst>
+              <p:ext uri="{386F3935-93C4-4BCD-93E2-E3B085C9AB24}">
+                <p16:designElem xmlns:p16="http://schemas.microsoft.com/office/powerpoint/2015/main" val="1"/>
+              </p:ext>
+            </p:extLst>
+          </p:nvPr>
+        </p:nvSpPr>
+        <p:spPr bwMode="auto">
+          <a:xfrm>
+            <a:off x="644660" y="640894"/>
+            <a:ext cx="168275" cy="1713195"/>
+          </a:xfrm>
+          <a:custGeom>
+            <a:avLst/>
+            <a:gdLst>
+              <a:gd name="T0" fmla="*/ 106 w 106"/>
+              <a:gd name="T1" fmla="*/ 1114 h 1114"/>
+              <a:gd name="T2" fmla="*/ 0 w 106"/>
+              <a:gd name="T3" fmla="*/ 1005 h 1114"/>
+              <a:gd name="T4" fmla="*/ 0 w 106"/>
+              <a:gd name="T5" fmla="*/ 0 h 1114"/>
+              <a:gd name="T6" fmla="*/ 106 w 106"/>
+              <a:gd name="T7" fmla="*/ 110 h 1114"/>
+              <a:gd name="T8" fmla="*/ 106 w 106"/>
+              <a:gd name="T9" fmla="*/ 1114 h 1114"/>
+            </a:gdLst>
+            <a:ahLst/>
+            <a:cxnLst>
+              <a:cxn ang="0">
+                <a:pos x="T0" y="T1"/>
+              </a:cxn>
+              <a:cxn ang="0">
+                <a:pos x="T2" y="T3"/>
+              </a:cxn>
+              <a:cxn ang="0">
+                <a:pos x="T4" y="T5"/>
+              </a:cxn>
+              <a:cxn ang="0">
+                <a:pos x="T6" y="T7"/>
+              </a:cxn>
+              <a:cxn ang="0">
+                <a:pos x="T8" y="T9"/>
+              </a:cxn>
+            </a:cxnLst>
+            <a:rect l="0" t="0" r="r" b="b"/>
+            <a:pathLst>
+              <a:path w="106" h="1114">
+                <a:moveTo>
+                  <a:pt x="106" y="1114"/>
+                </a:moveTo>
+                <a:lnTo>
+                  <a:pt x="0" y="1005"/>
+                </a:lnTo>
+                <a:lnTo>
+                  <a:pt x="0" y="0"/>
+                </a:lnTo>
+                <a:lnTo>
+                  <a:pt x="106" y="110"/>
+                </a:lnTo>
+                <a:lnTo>
+                  <a:pt x="106" y="1114"/>
+                </a:lnTo>
+                <a:close/>
+              </a:path>
+            </a:pathLst>
+          </a:custGeom>
+          <a:solidFill>
+            <a:schemeClr val="accent1">
+              <a:lumMod val="50000"/>
+            </a:schemeClr>
+          </a:solidFill>
+          <a:ln>
+            <a:noFill/>
+          </a:ln>
+        </p:spPr>
+        <p:txBody>
+          <a:bodyPr vert="horz" wrap="square" lIns="91440" tIns="45720" rIns="91440" bIns="45720" numCol="1" anchor="t" anchorCtr="0" compatLnSpc="1">
+            <a:prstTxWarp prst="textNoShape">
+              <a:avLst/>
+            </a:prstTxWarp>
+          </a:bodyPr>
+          <a:lstStyle/>
+          <a:p>
+            <a:endParaRPr lang="en-US"/>
+          </a:p>
+        </p:txBody>
+      </p:sp>
+      <p:sp>
+        <p:nvSpPr>
+          <p:cNvPr id="36" name="Freeform 44">
+            <a:extLst>
+              <a:ext uri="{FF2B5EF4-FFF2-40B4-BE49-F238E27FC236}">
+                <a16:creationId xmlns:a16="http://schemas.microsoft.com/office/drawing/2014/main" id="{7A62E32F-BB65-43A8-8EB5-92346890E549}"/>
+              </a:ext>
+              <a:ext uri="{C183D7F6-B498-43B3-948B-1728B52AA6E4}">
+                <adec:decorative xmlns:adec="http://schemas.microsoft.com/office/drawing/2017/decorative" val="1"/>
+              </a:ext>
+            </a:extLst>
+          </p:cNvPr>
+          <p:cNvSpPr>
+            <a:spLocks noGrp="1" noRot="1" noChangeAspect="1" noMove="1" noResize="1" noEditPoints="1" noAdjustHandles="1" noChangeArrowheads="1" noChangeShapeType="1" noTextEdit="1"/>
+          </p:cNvSpPr>
+          <p:nvPr>
+            <p:extLst>
+              <p:ext uri="{386F3935-93C4-4BCD-93E2-E3B085C9AB24}">
+                <p16:designElem xmlns:p16="http://schemas.microsoft.com/office/powerpoint/2015/main" val="1"/>
+              </p:ext>
+            </p:extLst>
+          </p:nvPr>
+        </p:nvSpPr>
+        <p:spPr bwMode="auto">
+          <a:xfrm>
+            <a:off x="11223203" y="635716"/>
+            <a:ext cx="328612" cy="1742360"/>
+          </a:xfrm>
+          <a:custGeom>
+            <a:avLst/>
+            <a:gdLst>
+              <a:gd name="T0" fmla="*/ 207 w 207"/>
+              <a:gd name="T1" fmla="*/ 987 h 1114"/>
+              <a:gd name="T2" fmla="*/ 0 w 207"/>
+              <a:gd name="T3" fmla="*/ 1114 h 1114"/>
+              <a:gd name="T4" fmla="*/ 0 w 207"/>
+              <a:gd name="T5" fmla="*/ 127 h 1114"/>
+              <a:gd name="T6" fmla="*/ 207 w 207"/>
+              <a:gd name="T7" fmla="*/ 0 h 1114"/>
+              <a:gd name="T8" fmla="*/ 207 w 207"/>
+              <a:gd name="T9" fmla="*/ 987 h 1114"/>
+            </a:gdLst>
+            <a:ahLst/>
+            <a:cxnLst>
+              <a:cxn ang="0">
+                <a:pos x="T0" y="T1"/>
+              </a:cxn>
+              <a:cxn ang="0">
+                <a:pos x="T2" y="T3"/>
+              </a:cxn>
+              <a:cxn ang="0">
+                <a:pos x="T4" y="T5"/>
+              </a:cxn>
+              <a:cxn ang="0">
+                <a:pos x="T6" y="T7"/>
+              </a:cxn>
+              <a:cxn ang="0">
+                <a:pos x="T8" y="T9"/>
+              </a:cxn>
+            </a:cxnLst>
+            <a:rect l="0" t="0" r="r" b="b"/>
+            <a:pathLst>
+              <a:path w="207" h="1114">
+                <a:moveTo>
+                  <a:pt x="207" y="987"/>
+                </a:moveTo>
+                <a:lnTo>
+                  <a:pt x="0" y="1114"/>
+                </a:lnTo>
+                <a:lnTo>
+                  <a:pt x="0" y="127"/>
+                </a:lnTo>
+                <a:lnTo>
+                  <a:pt x="207" y="0"/>
+                </a:lnTo>
+                <a:lnTo>
+                  <a:pt x="207" y="987"/>
+                </a:lnTo>
+                <a:close/>
+              </a:path>
+            </a:pathLst>
+          </a:custGeom>
+          <a:solidFill>
+            <a:schemeClr val="accent1">
+              <a:lumMod val="50000"/>
+            </a:schemeClr>
+          </a:solidFill>
+          <a:ln>
+            <a:noFill/>
+          </a:ln>
+        </p:spPr>
+        <p:txBody>
+          <a:bodyPr vert="horz" wrap="square" lIns="91440" tIns="45720" rIns="91440" bIns="45720" numCol="1" anchor="t" anchorCtr="0" compatLnSpc="1">
+            <a:prstTxWarp prst="textNoShape">
+              <a:avLst/>
+            </a:prstTxWarp>
+          </a:bodyPr>
+          <a:lstStyle/>
+          <a:p>
+            <a:endParaRPr lang="en-US"/>
+          </a:p>
+        </p:txBody>
+      </p:sp>
+      <p:sp>
+        <p:nvSpPr>
+          <p:cNvPr id="38" name="Rectangle 37">
+            <a:extLst>
+              <a:ext uri="{FF2B5EF4-FFF2-40B4-BE49-F238E27FC236}">
+                <a16:creationId xmlns:a16="http://schemas.microsoft.com/office/drawing/2014/main" id="{14E91B64-9FCC-451E-AFB4-A827D6329367}"/>
+              </a:ext>
+              <a:ext uri="{C183D7F6-B498-43B3-948B-1728B52AA6E4}">
+                <adec:decorative xmlns:adec="http://schemas.microsoft.com/office/drawing/2017/decorative" val="1"/>
+              </a:ext>
+            </a:extLst>
+          </p:cNvPr>
+          <p:cNvSpPr>
+            <a:spLocks noGrp="1" noRot="1" noChangeAspect="1" noMove="1" noResize="1" noEditPoints="1" noAdjustHandles="1" noChangeArrowheads="1" noChangeShapeType="1" noTextEdit="1"/>
+          </p:cNvSpPr>
+          <p:nvPr>
+            <p:extLst>
+              <p:ext uri="{386F3935-93C4-4BCD-93E2-E3B085C9AB24}">
+                <p16:designElem xmlns:p16="http://schemas.microsoft.com/office/powerpoint/2015/main" val="1"/>
+              </p:ext>
+            </p:extLst>
+          </p:nvPr>
+        </p:nvSpPr>
+        <p:spPr bwMode="auto">
+          <a:xfrm>
+            <a:off x="644055" y="635715"/>
+            <a:ext cx="10907863" cy="1541457"/>
+          </a:xfrm>
+          <a:prstGeom prst="rect">
+            <a:avLst/>
+          </a:prstGeom>
+          <a:solidFill>
+            <a:schemeClr val="accent1"/>
+          </a:solidFill>
+          <a:ln>
+            <a:noFill/>
+          </a:ln>
+        </p:spPr>
+        <p:txBody>
+          <a:bodyPr vert="horz" wrap="square" lIns="91440" tIns="45720" rIns="91440" bIns="45720" numCol="1" anchor="t" anchorCtr="0" compatLnSpc="1">
+            <a:prstTxWarp prst="textNoShape">
+              <a:avLst/>
+            </a:prstTxWarp>
+          </a:bodyPr>
+          <a:lstStyle/>
+          <a:p>
+            <a:endParaRPr lang="en-US"/>
+          </a:p>
+        </p:txBody>
+      </p:sp>
+      <p:sp>
+        <p:nvSpPr>
+          <p:cNvPr id="2" name="Title 1">
+            <a:extLst>
+              <a:ext uri="{FF2B5EF4-FFF2-40B4-BE49-F238E27FC236}">
+                <a16:creationId xmlns:a16="http://schemas.microsoft.com/office/drawing/2014/main" id="{97C953C7-DC62-4346-91BA-61E3C32A5696}"/>
+              </a:ext>
+            </a:extLst>
+          </p:cNvPr>
+          <p:cNvSpPr>
+            <a:spLocks noGrp="1"/>
+          </p:cNvSpPr>
+          <p:nvPr>
+            <p:ph type="title"/>
+          </p:nvPr>
+        </p:nvSpPr>
+        <p:spPr>
+          <a:xfrm>
+            <a:off x="958506" y="800392"/>
+            <a:ext cx="10264697" cy="1212102"/>
+          </a:xfrm>
+        </p:spPr>
+        <p:txBody>
+          <a:bodyPr>
+            <a:normAutofit/>
+          </a:bodyPr>
+          <a:lstStyle/>
+          <a:p>
+            <a:r>
+              <a:rPr lang="fr-FR" sz="4000">
+                <a:solidFill>
+                  <a:srgbClr val="FFFFFF"/>
+                </a:solidFill>
+              </a:rPr>
+              <a:t>DOCKERHUB</a:t>
+            </a:r>
+          </a:p>
+        </p:txBody>
+      </p:sp>
+      <p:sp>
+        <p:nvSpPr>
+          <p:cNvPr id="4" name="TextBox 3">
+            <a:extLst>
+              <a:ext uri="{FF2B5EF4-FFF2-40B4-BE49-F238E27FC236}">
+                <a16:creationId xmlns:a16="http://schemas.microsoft.com/office/drawing/2014/main" id="{43A00769-208F-4F50-A9C7-84D5CB66E24F}"/>
+              </a:ext>
+            </a:extLst>
+          </p:cNvPr>
+          <p:cNvSpPr txBox="1"/>
+          <p:nvPr/>
+        </p:nvSpPr>
+        <p:spPr>
+          <a:xfrm>
+            <a:off x="1893631" y="3809700"/>
+            <a:ext cx="8408709" cy="707886"/>
+          </a:xfrm>
+          <a:prstGeom prst="rect">
+            <a:avLst/>
+          </a:prstGeom>
+          <a:noFill/>
+        </p:spPr>
+        <p:txBody>
+          <a:bodyPr wrap="square" rtlCol="0">
+            <a:spAutoFit/>
+          </a:bodyPr>
+          <a:lstStyle/>
+          <a:p>
+            <a:pPr algn="ctr"/>
+            <a:r>
+              <a:rPr lang="fr-FR" sz="4000" dirty="0">
+                <a:hlinkClick r:id="rId2"/>
+              </a:rPr>
+              <a:t>https://hub.docker.com/</a:t>
+            </a:r>
+            <a:endParaRPr lang="fr-FR" sz="4000" dirty="0"/>
+          </a:p>
+        </p:txBody>
+      </p:sp>
+    </p:spTree>
+    <p:extLst>
+      <p:ext uri="{BB962C8B-B14F-4D97-AF65-F5344CB8AC3E}">
+        <p14:creationId xmlns:p14="http://schemas.microsoft.com/office/powerpoint/2010/main" val="1016195677"/>
       </p:ext>
     </p:extLst>
   </p:cSld>

--- a/cours/docker/DOCKER.pptx
+++ b/cours/docker/DOCKER.pptx
@@ -2438,7 +2438,7 @@
 <dgm:dataModel xmlns:dgm="http://schemas.openxmlformats.org/drawingml/2006/diagram" xmlns:a="http://schemas.openxmlformats.org/drawingml/2006/main">
   <dgm:ptLst>
     <dgm:pt modelId="{626240A5-0DD9-4F0E-B8EE-1FD8388D0181}" type="doc">
-      <dgm:prSet loTypeId="urn:microsoft.com/office/officeart/2005/8/layout/vList2" loCatId="list" qsTypeId="urn:microsoft.com/office/officeart/2005/8/quickstyle/simple1" qsCatId="simple" csTypeId="urn:microsoft.com/office/officeart/2005/8/colors/colorful5" csCatId="colorful"/>
+      <dgm:prSet loTypeId="urn:microsoft.com/office/officeart/2005/8/layout/vList2" loCatId="list" qsTypeId="urn:microsoft.com/office/officeart/2005/8/quickstyle/simple1" qsCatId="simple" csTypeId="urn:microsoft.com/office/officeart/2005/8/colors/colorful5" csCatId="colorful" phldr="1"/>
       <dgm:spPr/>
       <dgm:t>
         <a:bodyPr/>
@@ -2456,7 +2456,7 @@
         <a:lstStyle/>
         <a:p>
           <a:r>
-            <a:rPr lang="en-US"/>
+            <a:rPr lang="en-US" dirty="0"/>
             <a:t>Introduction</a:t>
           </a:r>
         </a:p>
@@ -2492,12 +2492,12 @@
         <a:lstStyle/>
         <a:p>
           <a:r>
-            <a:rPr lang="fr-FR"/>
+            <a:rPr lang="fr-FR" dirty="0"/>
             <a:t>Fonctionnement</a:t>
           </a:r>
           <a:r>
-            <a:rPr lang="en-US"/>
-            <a:t> de docker</a:t>
+            <a:rPr lang="en-US" dirty="0"/>
+            <a:t> de Docker</a:t>
           </a:r>
         </a:p>
       </dgm:t>
@@ -2532,10 +2532,10 @@
         <a:lstStyle/>
         <a:p>
           <a:r>
-            <a:rPr lang="fr-FR"/>
+            <a:rPr lang="fr-FR" dirty="0"/>
             <a:t>Dockerfile</a:t>
           </a:r>
-          <a:endParaRPr lang="en-US"/>
+          <a:endParaRPr lang="en-US" dirty="0"/>
         </a:p>
       </dgm:t>
     </dgm:pt>
@@ -2569,15 +2569,15 @@
         <a:lstStyle/>
         <a:p>
           <a:r>
-            <a:rPr lang="en-US"/>
+            <a:rPr lang="en-US" dirty="0"/>
             <a:t>Les </a:t>
           </a:r>
           <a:r>
-            <a:rPr lang="fr-FR"/>
-            <a:t>commandes</a:t>
+            <a:rPr lang="fr-FR" dirty="0"/>
+            <a:t>fonctionnalités</a:t>
           </a:r>
           <a:r>
-            <a:rPr lang="en-US"/>
+            <a:rPr lang="en-US" dirty="0"/>
             <a:t> Docker</a:t>
           </a:r>
         </a:p>
@@ -2705,43 +2705,6 @@
         </a:p>
       </dgm:t>
     </dgm:pt>
-    <dgm:pt modelId="{6C7D6867-B109-44D2-97F2-9BE17BCE70F9}">
-      <dgm:prSet/>
-      <dgm:spPr/>
-      <dgm:t>
-        <a:bodyPr/>
-        <a:lstStyle/>
-        <a:p>
-          <a:r>
-            <a:rPr lang="fr-FR"/>
-            <a:t>Fonctionnalités de docker</a:t>
-          </a:r>
-          <a:endParaRPr lang="en-US"/>
-        </a:p>
-      </dgm:t>
-    </dgm:pt>
-    <dgm:pt modelId="{070F0213-81F6-421A-8E8F-4B3FD8CD8916}" type="parTrans" cxnId="{C3626B6B-9D98-4485-A24F-57581BA301B0}">
-      <dgm:prSet/>
-      <dgm:spPr/>
-      <dgm:t>
-        <a:bodyPr/>
-        <a:lstStyle/>
-        <a:p>
-          <a:endParaRPr lang="en-US"/>
-        </a:p>
-      </dgm:t>
-    </dgm:pt>
-    <dgm:pt modelId="{F8B8560B-7F09-4A86-847C-E2F4E757BA80}" type="sibTrans" cxnId="{C3626B6B-9D98-4485-A24F-57581BA301B0}">
-      <dgm:prSet/>
-      <dgm:spPr/>
-      <dgm:t>
-        <a:bodyPr/>
-        <a:lstStyle/>
-        <a:p>
-          <a:endParaRPr lang="en-US"/>
-        </a:p>
-      </dgm:t>
-    </dgm:pt>
     <dgm:pt modelId="{B41F7BAD-7A97-4CE1-8C35-C2324E7E8270}">
       <dgm:prSet/>
       <dgm:spPr/>
@@ -2750,10 +2713,10 @@
         <a:lstStyle/>
         <a:p>
           <a:r>
-            <a:rPr lang="fr-FR"/>
+            <a:rPr lang="fr-FR" dirty="0"/>
             <a:t>Comment marche docker</a:t>
           </a:r>
-          <a:endParaRPr lang="en-US"/>
+          <a:endParaRPr lang="en-US" dirty="0"/>
         </a:p>
       </dgm:t>
     </dgm:pt>
@@ -2824,10 +2787,10 @@
         <a:lstStyle/>
         <a:p>
           <a:r>
-            <a:rPr lang="fr-FR"/>
-            <a:t>Docker image</a:t>
+            <a:rPr lang="fr-FR" dirty="0"/>
+            <a:t>Dockerfile</a:t>
           </a:r>
-          <a:endParaRPr lang="en-US"/>
+          <a:endParaRPr lang="en-US" dirty="0"/>
         </a:p>
       </dgm:t>
     </dgm:pt>
@@ -2899,21 +2862,8 @@
       </dgm:prSet>
       <dgm:spPr/>
     </dgm:pt>
-    <dgm:pt modelId="{05C15723-EDA9-45AC-9BC3-D705E5F01B1F}" type="pres">
-      <dgm:prSet presAssocID="{6C7D6867-B109-44D2-97F2-9BE17BCE70F9}" presName="parentText" presStyleLbl="node1" presStyleIdx="0" presStyleCnt="5">
-        <dgm:presLayoutVars>
-          <dgm:chMax val="0"/>
-          <dgm:bulletEnabled val="1"/>
-        </dgm:presLayoutVars>
-      </dgm:prSet>
-      <dgm:spPr/>
-    </dgm:pt>
-    <dgm:pt modelId="{3BBC0163-F59A-41DD-92AA-7341343D2894}" type="pres">
-      <dgm:prSet presAssocID="{F8B8560B-7F09-4A86-847C-E2F4E757BA80}" presName="spacer" presStyleCnt="0"/>
-      <dgm:spPr/>
-    </dgm:pt>
     <dgm:pt modelId="{5F816E54-3F92-419B-B9C6-E90C69841053}" type="pres">
-      <dgm:prSet presAssocID="{B41F7BAD-7A97-4CE1-8C35-C2324E7E8270}" presName="parentText" presStyleLbl="node1" presStyleIdx="1" presStyleCnt="5">
+      <dgm:prSet presAssocID="{B41F7BAD-7A97-4CE1-8C35-C2324E7E8270}" presName="parentText" presStyleLbl="node1" presStyleIdx="0" presStyleCnt="4">
         <dgm:presLayoutVars>
           <dgm:chMax val="0"/>
           <dgm:bulletEnabled val="1"/>
@@ -2926,7 +2876,7 @@
       <dgm:spPr/>
     </dgm:pt>
     <dgm:pt modelId="{41F45B60-EF16-48B6-BD2D-31DDB6081947}" type="pres">
-      <dgm:prSet presAssocID="{B849DFBC-966D-4132-9BF8-C9D4DE0F70FF}" presName="parentText" presStyleLbl="node1" presStyleIdx="2" presStyleCnt="5">
+      <dgm:prSet presAssocID="{B849DFBC-966D-4132-9BF8-C9D4DE0F70FF}" presName="parentText" presStyleLbl="node1" presStyleIdx="1" presStyleCnt="4">
         <dgm:presLayoutVars>
           <dgm:chMax val="0"/>
           <dgm:bulletEnabled val="1"/>
@@ -2939,7 +2889,7 @@
       <dgm:spPr/>
     </dgm:pt>
     <dgm:pt modelId="{46A17985-4E71-45F1-9263-0B389DD166F0}" type="pres">
-      <dgm:prSet presAssocID="{AA9A4EAE-DB4F-4F92-B86B-573D238ABCEF}" presName="parentText" presStyleLbl="node1" presStyleIdx="3" presStyleCnt="5">
+      <dgm:prSet presAssocID="{AA9A4EAE-DB4F-4F92-B86B-573D238ABCEF}" presName="parentText" presStyleLbl="node1" presStyleIdx="2" presStyleCnt="4">
         <dgm:presLayoutVars>
           <dgm:chMax val="0"/>
           <dgm:bulletEnabled val="1"/>
@@ -2952,7 +2902,7 @@
       <dgm:spPr/>
     </dgm:pt>
     <dgm:pt modelId="{FDB73E89-EE95-41FD-80C2-3041A128AE10}" type="pres">
-      <dgm:prSet presAssocID="{4EFEBBF6-0779-45B2-B23D-966801E55057}" presName="parentText" presStyleLbl="node1" presStyleIdx="4" presStyleCnt="5">
+      <dgm:prSet presAssocID="{4EFEBBF6-0779-45B2-B23D-966801E55057}" presName="parentText" presStyleLbl="node1" presStyleIdx="3" presStyleCnt="4">
         <dgm:presLayoutVars>
           <dgm:chMax val="0"/>
           <dgm:bulletEnabled val="1"/>
@@ -2963,25 +2913,21 @@
   </dgm:ptLst>
   <dgm:cxnLst>
     <dgm:cxn modelId="{FF69FD03-A3F3-4EE2-8594-7266A800595D}" type="presOf" srcId="{B41F7BAD-7A97-4CE1-8C35-C2324E7E8270}" destId="{5F816E54-3F92-419B-B9C6-E90C69841053}" srcOrd="0" destOrd="0" presId="urn:microsoft.com/office/officeart/2005/8/layout/vList2"/>
-    <dgm:cxn modelId="{8694671C-7BA8-468C-A86B-006D3E768B8D}" srcId="{3E716A25-69D3-4A6D-9FC9-EEC8EAD37375}" destId="{B41F7BAD-7A97-4CE1-8C35-C2324E7E8270}" srcOrd="1" destOrd="0" parTransId="{035B7CD6-B17C-489E-A560-AB5F77AB06A7}" sibTransId="{AA100453-4EAE-49A8-9E5B-6911F614511A}"/>
-    <dgm:cxn modelId="{A6409C27-E746-4EDE-9BE5-A4B453D55739}" srcId="{3E716A25-69D3-4A6D-9FC9-EEC8EAD37375}" destId="{AA9A4EAE-DB4F-4F92-B86B-573D238ABCEF}" srcOrd="3" destOrd="0" parTransId="{9F78CD93-1171-4DF0-9BFC-D84D6C59E5B5}" sibTransId="{176CDDC8-49ED-430E-812D-8D3FFCD65924}"/>
+    <dgm:cxn modelId="{8694671C-7BA8-468C-A86B-006D3E768B8D}" srcId="{3E716A25-69D3-4A6D-9FC9-EEC8EAD37375}" destId="{B41F7BAD-7A97-4CE1-8C35-C2324E7E8270}" srcOrd="0" destOrd="0" parTransId="{035B7CD6-B17C-489E-A560-AB5F77AB06A7}" sibTransId="{AA100453-4EAE-49A8-9E5B-6911F614511A}"/>
+    <dgm:cxn modelId="{A6409C27-E746-4EDE-9BE5-A4B453D55739}" srcId="{3E716A25-69D3-4A6D-9FC9-EEC8EAD37375}" destId="{AA9A4EAE-DB4F-4F92-B86B-573D238ABCEF}" srcOrd="2" destOrd="0" parTransId="{9F78CD93-1171-4DF0-9BFC-D84D6C59E5B5}" sibTransId="{176CDDC8-49ED-430E-812D-8D3FFCD65924}"/>
     <dgm:cxn modelId="{DD4E3937-D476-47C0-B803-C9610FF9A42A}" type="presOf" srcId="{4EFEBBF6-0779-45B2-B23D-966801E55057}" destId="{FDB73E89-EE95-41FD-80C2-3041A128AE10}" srcOrd="0" destOrd="0" presId="urn:microsoft.com/office/officeart/2005/8/layout/vList2"/>
-    <dgm:cxn modelId="{9E2ACA49-A9F6-4DCD-97FF-1DD895CB68C4}" type="presOf" srcId="{6C7D6867-B109-44D2-97F2-9BE17BCE70F9}" destId="{05C15723-EDA9-45AC-9BC3-D705E5F01B1F}" srcOrd="0" destOrd="0" presId="urn:microsoft.com/office/officeart/2005/8/layout/vList2"/>
-    <dgm:cxn modelId="{C3626B6B-9D98-4485-A24F-57581BA301B0}" srcId="{3E716A25-69D3-4A6D-9FC9-EEC8EAD37375}" destId="{6C7D6867-B109-44D2-97F2-9BE17BCE70F9}" srcOrd="0" destOrd="0" parTransId="{070F0213-81F6-421A-8E8F-4B3FD8CD8916}" sibTransId="{F8B8560B-7F09-4A86-847C-E2F4E757BA80}"/>
     <dgm:cxn modelId="{277D814F-BB28-46C5-B8AE-8FC740D40CB3}" type="presOf" srcId="{3E716A25-69D3-4A6D-9FC9-EEC8EAD37375}" destId="{1DA91748-FC28-44BD-B677-BE089DAFDBA4}" srcOrd="0" destOrd="0" presId="urn:microsoft.com/office/officeart/2005/8/layout/vList2"/>
     <dgm:cxn modelId="{69BD2553-ED16-4EC5-BCD2-0C9D0D2BD67C}" type="presOf" srcId="{B849DFBC-966D-4132-9BF8-C9D4DE0F70FF}" destId="{41F45B60-EF16-48B6-BD2D-31DDB6081947}" srcOrd="0" destOrd="0" presId="urn:microsoft.com/office/officeart/2005/8/layout/vList2"/>
-    <dgm:cxn modelId="{7D50527A-105F-434A-A4B4-C9AEDADE2F7B}" srcId="{3E716A25-69D3-4A6D-9FC9-EEC8EAD37375}" destId="{4EFEBBF6-0779-45B2-B23D-966801E55057}" srcOrd="4" destOrd="0" parTransId="{72EE2EE5-840D-404E-8D09-CB8A74DC983D}" sibTransId="{2EEB2D7A-B00A-431D-B19A-A5AA7BA29140}"/>
+    <dgm:cxn modelId="{7D50527A-105F-434A-A4B4-C9AEDADE2F7B}" srcId="{3E716A25-69D3-4A6D-9FC9-EEC8EAD37375}" destId="{4EFEBBF6-0779-45B2-B23D-966801E55057}" srcOrd="3" destOrd="0" parTransId="{72EE2EE5-840D-404E-8D09-CB8A74DC983D}" sibTransId="{2EEB2D7A-B00A-431D-B19A-A5AA7BA29140}"/>
     <dgm:cxn modelId="{1B11279E-3549-41DB-9515-7D3BEAF48360}" type="presOf" srcId="{AA9A4EAE-DB4F-4F92-B86B-573D238ABCEF}" destId="{46A17985-4E71-45F1-9263-0B389DD166F0}" srcOrd="0" destOrd="0" presId="urn:microsoft.com/office/officeart/2005/8/layout/vList2"/>
-    <dgm:cxn modelId="{80EB66DC-5773-4BFF-8B38-3FBB1E90EAAC}" srcId="{3E716A25-69D3-4A6D-9FC9-EEC8EAD37375}" destId="{B849DFBC-966D-4132-9BF8-C9D4DE0F70FF}" srcOrd="2" destOrd="0" parTransId="{A0165C73-50E0-42BE-AF16-D65CFDC8F2AB}" sibTransId="{26853628-CAE8-42E5-A98F-F01034F2EB6B}"/>
-    <dgm:cxn modelId="{B49465A9-A662-44D5-8FC4-F250D8B715E5}" type="presParOf" srcId="{1DA91748-FC28-44BD-B677-BE089DAFDBA4}" destId="{05C15723-EDA9-45AC-9BC3-D705E5F01B1F}" srcOrd="0" destOrd="0" presId="urn:microsoft.com/office/officeart/2005/8/layout/vList2"/>
-    <dgm:cxn modelId="{7A7FB29E-3EC0-459E-9B0B-542551F3DBF4}" type="presParOf" srcId="{1DA91748-FC28-44BD-B677-BE089DAFDBA4}" destId="{3BBC0163-F59A-41DD-92AA-7341343D2894}" srcOrd="1" destOrd="0" presId="urn:microsoft.com/office/officeart/2005/8/layout/vList2"/>
-    <dgm:cxn modelId="{A859E783-3900-4A2D-8A12-D98587BE721B}" type="presParOf" srcId="{1DA91748-FC28-44BD-B677-BE089DAFDBA4}" destId="{5F816E54-3F92-419B-B9C6-E90C69841053}" srcOrd="2" destOrd="0" presId="urn:microsoft.com/office/officeart/2005/8/layout/vList2"/>
-    <dgm:cxn modelId="{C7168F1F-B579-4BE9-AC91-7654218A39A4}" type="presParOf" srcId="{1DA91748-FC28-44BD-B677-BE089DAFDBA4}" destId="{56BAD18D-4CFE-4B04-8642-5DA478F27B7A}" srcOrd="3" destOrd="0" presId="urn:microsoft.com/office/officeart/2005/8/layout/vList2"/>
-    <dgm:cxn modelId="{13754E20-7C51-41E3-8A61-521C7A7F45E3}" type="presParOf" srcId="{1DA91748-FC28-44BD-B677-BE089DAFDBA4}" destId="{41F45B60-EF16-48B6-BD2D-31DDB6081947}" srcOrd="4" destOrd="0" presId="urn:microsoft.com/office/officeart/2005/8/layout/vList2"/>
-    <dgm:cxn modelId="{56510EDE-6555-4F08-A463-9DA1771917E3}" type="presParOf" srcId="{1DA91748-FC28-44BD-B677-BE089DAFDBA4}" destId="{3600EE2F-7AC3-44D6-ABD0-ACD41006FC4D}" srcOrd="5" destOrd="0" presId="urn:microsoft.com/office/officeart/2005/8/layout/vList2"/>
-    <dgm:cxn modelId="{0C6972F5-4CF8-4776-85AC-BAC114526BA5}" type="presParOf" srcId="{1DA91748-FC28-44BD-B677-BE089DAFDBA4}" destId="{46A17985-4E71-45F1-9263-0B389DD166F0}" srcOrd="6" destOrd="0" presId="urn:microsoft.com/office/officeart/2005/8/layout/vList2"/>
-    <dgm:cxn modelId="{24B30DD4-50B7-43C5-88E3-A07B1C2A7311}" type="presParOf" srcId="{1DA91748-FC28-44BD-B677-BE089DAFDBA4}" destId="{E9DAB214-AE24-4EE9-BB3E-57A2EE48CE0B}" srcOrd="7" destOrd="0" presId="urn:microsoft.com/office/officeart/2005/8/layout/vList2"/>
-    <dgm:cxn modelId="{A615785A-AF61-42C6-8E14-BDD15F6FB2CE}" type="presParOf" srcId="{1DA91748-FC28-44BD-B677-BE089DAFDBA4}" destId="{FDB73E89-EE95-41FD-80C2-3041A128AE10}" srcOrd="8" destOrd="0" presId="urn:microsoft.com/office/officeart/2005/8/layout/vList2"/>
+    <dgm:cxn modelId="{80EB66DC-5773-4BFF-8B38-3FBB1E90EAAC}" srcId="{3E716A25-69D3-4A6D-9FC9-EEC8EAD37375}" destId="{B849DFBC-966D-4132-9BF8-C9D4DE0F70FF}" srcOrd="1" destOrd="0" parTransId="{A0165C73-50E0-42BE-AF16-D65CFDC8F2AB}" sibTransId="{26853628-CAE8-42E5-A98F-F01034F2EB6B}"/>
+    <dgm:cxn modelId="{A859E783-3900-4A2D-8A12-D98587BE721B}" type="presParOf" srcId="{1DA91748-FC28-44BD-B677-BE089DAFDBA4}" destId="{5F816E54-3F92-419B-B9C6-E90C69841053}" srcOrd="0" destOrd="0" presId="urn:microsoft.com/office/officeart/2005/8/layout/vList2"/>
+    <dgm:cxn modelId="{C7168F1F-B579-4BE9-AC91-7654218A39A4}" type="presParOf" srcId="{1DA91748-FC28-44BD-B677-BE089DAFDBA4}" destId="{56BAD18D-4CFE-4B04-8642-5DA478F27B7A}" srcOrd="1" destOrd="0" presId="urn:microsoft.com/office/officeart/2005/8/layout/vList2"/>
+    <dgm:cxn modelId="{13754E20-7C51-41E3-8A61-521C7A7F45E3}" type="presParOf" srcId="{1DA91748-FC28-44BD-B677-BE089DAFDBA4}" destId="{41F45B60-EF16-48B6-BD2D-31DDB6081947}" srcOrd="2" destOrd="0" presId="urn:microsoft.com/office/officeart/2005/8/layout/vList2"/>
+    <dgm:cxn modelId="{56510EDE-6555-4F08-A463-9DA1771917E3}" type="presParOf" srcId="{1DA91748-FC28-44BD-B677-BE089DAFDBA4}" destId="{3600EE2F-7AC3-44D6-ABD0-ACD41006FC4D}" srcOrd="3" destOrd="0" presId="urn:microsoft.com/office/officeart/2005/8/layout/vList2"/>
+    <dgm:cxn modelId="{0C6972F5-4CF8-4776-85AC-BAC114526BA5}" type="presParOf" srcId="{1DA91748-FC28-44BD-B677-BE089DAFDBA4}" destId="{46A17985-4E71-45F1-9263-0B389DD166F0}" srcOrd="4" destOrd="0" presId="urn:microsoft.com/office/officeart/2005/8/layout/vList2"/>
+    <dgm:cxn modelId="{24B30DD4-50B7-43C5-88E3-A07B1C2A7311}" type="presParOf" srcId="{1DA91748-FC28-44BD-B677-BE089DAFDBA4}" destId="{E9DAB214-AE24-4EE9-BB3E-57A2EE48CE0B}" srcOrd="5" destOrd="0" presId="urn:microsoft.com/office/officeart/2005/8/layout/vList2"/>
+    <dgm:cxn modelId="{A615785A-AF61-42C6-8E14-BDD15F6FB2CE}" type="presParOf" srcId="{1DA91748-FC28-44BD-B677-BE089DAFDBA4}" destId="{FDB73E89-EE95-41FD-80C2-3041A128AE10}" srcOrd="6" destOrd="0" presId="urn:microsoft.com/office/officeart/2005/8/layout/vList2"/>
   </dgm:cxnLst>
   <dgm:bg/>
   <dgm:whole/>
@@ -3045,13 +2991,8 @@
         <a:p>
           <a:r>
             <a:rPr lang="fr-FR" dirty="0"/>
-            <a:t>Docker </a:t>
+            <a:t>Docker Container</a:t>
           </a:r>
-          <a:r>
-            <a:rPr lang="fr-FR" dirty="0" err="1"/>
-            <a:t>Contianer</a:t>
-          </a:r>
-          <a:endParaRPr lang="fr-FR" dirty="0"/>
         </a:p>
       </dgm:t>
     </dgm:pt>
@@ -3262,7 +3203,7 @@
             <a:buNone/>
           </a:pPr>
           <a:r>
-            <a:rPr lang="en-US" sz="3500" kern="1200"/>
+            <a:rPr lang="en-US" sz="3500" kern="1200" dirty="0"/>
             <a:t>Introduction</a:t>
           </a:r>
         </a:p>
@@ -3340,12 +3281,12 @@
             <a:buNone/>
           </a:pPr>
           <a:r>
-            <a:rPr lang="fr-FR" sz="3500" kern="1200"/>
+            <a:rPr lang="fr-FR" sz="3500" kern="1200" dirty="0"/>
             <a:t>Fonctionnement</a:t>
           </a:r>
           <a:r>
-            <a:rPr lang="en-US" sz="3500" kern="1200"/>
-            <a:t> de docker</a:t>
+            <a:rPr lang="en-US" sz="3500" kern="1200" dirty="0"/>
+            <a:t> de Docker</a:t>
           </a:r>
         </a:p>
       </dsp:txBody>
@@ -3422,10 +3363,10 @@
             <a:buNone/>
           </a:pPr>
           <a:r>
-            <a:rPr lang="fr-FR" sz="3500" kern="1200"/>
+            <a:rPr lang="fr-FR" sz="3500" kern="1200" dirty="0"/>
             <a:t>Dockerfile</a:t>
           </a:r>
-          <a:endParaRPr lang="en-US" sz="3500" kern="1200"/>
+          <a:endParaRPr lang="en-US" sz="3500" kern="1200" dirty="0"/>
         </a:p>
       </dsp:txBody>
       <dsp:txXfrm>
@@ -3501,15 +3442,15 @@
             <a:buNone/>
           </a:pPr>
           <a:r>
-            <a:rPr lang="en-US" sz="3500" kern="1200"/>
+            <a:rPr lang="en-US" sz="3500" kern="1200" dirty="0"/>
             <a:t>Les </a:t>
           </a:r>
           <a:r>
-            <a:rPr lang="fr-FR" sz="3500" kern="1200"/>
-            <a:t>commandes</a:t>
+            <a:rPr lang="fr-FR" sz="3500" kern="1200" dirty="0"/>
+            <a:t>fonctionnalités</a:t>
           </a:r>
           <a:r>
-            <a:rPr lang="en-US" sz="3500" kern="1200"/>
+            <a:rPr lang="en-US" sz="3500" kern="1200" dirty="0"/>
             <a:t> Docker</a:t>
           </a:r>
         </a:p>
@@ -3531,15 +3472,15 @@
       <dsp:cNvGrpSpPr/>
     </dsp:nvGrpSpPr>
     <dsp:grpSpPr/>
-    <dsp:sp modelId="{05C15723-EDA9-45AC-9BC3-D705E5F01B1F}">
+    <dsp:sp modelId="{5F816E54-3F92-419B-B9C6-E90C69841053}">
       <dsp:nvSpPr>
         <dsp:cNvPr id="0" name=""/>
         <dsp:cNvSpPr/>
       </dsp:nvSpPr>
       <dsp:spPr>
         <a:xfrm>
-          <a:off x="0" y="58818"/>
-          <a:ext cx="6589260" cy="935415"/>
+          <a:off x="0" y="321236"/>
+          <a:ext cx="6589260" cy="1055340"/>
         </a:xfrm>
         <a:prstGeom prst="roundRect">
           <a:avLst/>
@@ -3581,12 +3522,12 @@
         </a:fontRef>
       </dsp:style>
       <dsp:txBody>
-        <a:bodyPr spcFirstLastPara="0" vert="horz" wrap="square" lIns="148590" tIns="148590" rIns="148590" bIns="148590" numCol="1" spcCol="1270" anchor="ctr" anchorCtr="0">
+        <a:bodyPr spcFirstLastPara="0" vert="horz" wrap="square" lIns="167640" tIns="167640" rIns="167640" bIns="167640" numCol="1" spcCol="1270" anchor="ctr" anchorCtr="0">
           <a:noAutofit/>
         </a:bodyPr>
         <a:lstStyle/>
         <a:p>
-          <a:pPr marL="0" lvl="0" indent="0" algn="l" defTabSz="1733550">
+          <a:pPr marL="0" lvl="0" indent="0" algn="l" defTabSz="1955800">
             <a:lnSpc>
               <a:spcPct val="90000"/>
             </a:lnSpc>
@@ -3599,35 +3540,35 @@
             <a:buNone/>
           </a:pPr>
           <a:r>
-            <a:rPr lang="fr-FR" sz="3900" kern="1200"/>
-            <a:t>Fonctionnalités de docker</a:t>
+            <a:rPr lang="fr-FR" sz="4400" kern="1200" dirty="0"/>
+            <a:t>Comment marche docker</a:t>
           </a:r>
-          <a:endParaRPr lang="en-US" sz="3900" kern="1200"/>
+          <a:endParaRPr lang="en-US" sz="4400" kern="1200" dirty="0"/>
         </a:p>
       </dsp:txBody>
       <dsp:txXfrm>
-        <a:off x="45663" y="104481"/>
-        <a:ext cx="6497934" cy="844089"/>
+        <a:off x="51517" y="372753"/>
+        <a:ext cx="6486226" cy="952306"/>
       </dsp:txXfrm>
     </dsp:sp>
-    <dsp:sp modelId="{5F816E54-3F92-419B-B9C6-E90C69841053}">
+    <dsp:sp modelId="{41F45B60-EF16-48B6-BD2D-31DDB6081947}">
       <dsp:nvSpPr>
         <dsp:cNvPr id="0" name=""/>
         <dsp:cNvSpPr/>
       </dsp:nvSpPr>
       <dsp:spPr>
         <a:xfrm>
-          <a:off x="0" y="1106553"/>
-          <a:ext cx="6589260" cy="935415"/>
+          <a:off x="0" y="1503296"/>
+          <a:ext cx="6589260" cy="1055340"/>
         </a:xfrm>
         <a:prstGeom prst="roundRect">
           <a:avLst/>
         </a:prstGeom>
         <a:solidFill>
           <a:schemeClr val="accent5">
-            <a:hueOff val="-1689636"/>
-            <a:satOff val="-4355"/>
-            <a:lumOff val="-2941"/>
+            <a:hueOff val="-2252848"/>
+            <a:satOff val="-5806"/>
+            <a:lumOff val="-3922"/>
             <a:alphaOff val="0"/>
           </a:schemeClr>
         </a:solidFill>
@@ -3660,12 +3601,12 @@
         </a:fontRef>
       </dsp:style>
       <dsp:txBody>
-        <a:bodyPr spcFirstLastPara="0" vert="horz" wrap="square" lIns="148590" tIns="148590" rIns="148590" bIns="148590" numCol="1" spcCol="1270" anchor="ctr" anchorCtr="0">
+        <a:bodyPr spcFirstLastPara="0" vert="horz" wrap="square" lIns="167640" tIns="167640" rIns="167640" bIns="167640" numCol="1" spcCol="1270" anchor="ctr" anchorCtr="0">
           <a:noAutofit/>
         </a:bodyPr>
         <a:lstStyle/>
         <a:p>
-          <a:pPr marL="0" lvl="0" indent="0" algn="l" defTabSz="1733550">
+          <a:pPr marL="0" lvl="0" indent="0" algn="l" defTabSz="1955800">
             <a:lnSpc>
               <a:spcPct val="90000"/>
             </a:lnSpc>
@@ -3678,35 +3619,35 @@
             <a:buNone/>
           </a:pPr>
           <a:r>
-            <a:rPr lang="fr-FR" sz="3900" kern="1200"/>
-            <a:t>Comment marche docker</a:t>
+            <a:rPr lang="fr-FR" sz="4400" kern="1200"/>
+            <a:t>Docker hub</a:t>
           </a:r>
-          <a:endParaRPr lang="en-US" sz="3900" kern="1200"/>
+          <a:endParaRPr lang="en-US" sz="4400" kern="1200"/>
         </a:p>
       </dsp:txBody>
       <dsp:txXfrm>
-        <a:off x="45663" y="1152216"/>
-        <a:ext cx="6497934" cy="844089"/>
+        <a:off x="51517" y="1554813"/>
+        <a:ext cx="6486226" cy="952306"/>
       </dsp:txXfrm>
     </dsp:sp>
-    <dsp:sp modelId="{41F45B60-EF16-48B6-BD2D-31DDB6081947}">
+    <dsp:sp modelId="{46A17985-4E71-45F1-9263-0B389DD166F0}">
       <dsp:nvSpPr>
         <dsp:cNvPr id="0" name=""/>
         <dsp:cNvSpPr/>
       </dsp:nvSpPr>
       <dsp:spPr>
         <a:xfrm>
-          <a:off x="0" y="2154288"/>
-          <a:ext cx="6589260" cy="935415"/>
+          <a:off x="0" y="2685356"/>
+          <a:ext cx="6589260" cy="1055340"/>
         </a:xfrm>
         <a:prstGeom prst="roundRect">
           <a:avLst/>
         </a:prstGeom>
         <a:solidFill>
           <a:schemeClr val="accent5">
-            <a:hueOff val="-3379271"/>
-            <a:satOff val="-8710"/>
-            <a:lumOff val="-5883"/>
+            <a:hueOff val="-4505695"/>
+            <a:satOff val="-11613"/>
+            <a:lumOff val="-7843"/>
             <a:alphaOff val="0"/>
           </a:schemeClr>
         </a:solidFill>
@@ -3739,12 +3680,12 @@
         </a:fontRef>
       </dsp:style>
       <dsp:txBody>
-        <a:bodyPr spcFirstLastPara="0" vert="horz" wrap="square" lIns="148590" tIns="148590" rIns="148590" bIns="148590" numCol="1" spcCol="1270" anchor="ctr" anchorCtr="0">
+        <a:bodyPr spcFirstLastPara="0" vert="horz" wrap="square" lIns="167640" tIns="167640" rIns="167640" bIns="167640" numCol="1" spcCol="1270" anchor="ctr" anchorCtr="0">
           <a:noAutofit/>
         </a:bodyPr>
         <a:lstStyle/>
         <a:p>
-          <a:pPr marL="0" lvl="0" indent="0" algn="l" defTabSz="1733550">
+          <a:pPr marL="0" lvl="0" indent="0" algn="l" defTabSz="1955800">
             <a:lnSpc>
               <a:spcPct val="90000"/>
             </a:lnSpc>
@@ -3757,94 +3698,15 @@
             <a:buNone/>
           </a:pPr>
           <a:r>
-            <a:rPr lang="fr-FR" sz="3900" kern="1200"/>
-            <a:t>Docker hub</a:t>
+            <a:rPr lang="fr-FR" sz="4400" kern="1200" dirty="0"/>
+            <a:t>Dockerfile</a:t>
           </a:r>
-          <a:endParaRPr lang="en-US" sz="3900" kern="1200"/>
+          <a:endParaRPr lang="en-US" sz="4400" kern="1200" dirty="0"/>
         </a:p>
       </dsp:txBody>
       <dsp:txXfrm>
-        <a:off x="45663" y="2199951"/>
-        <a:ext cx="6497934" cy="844089"/>
-      </dsp:txXfrm>
-    </dsp:sp>
-    <dsp:sp modelId="{46A17985-4E71-45F1-9263-0B389DD166F0}">
-      <dsp:nvSpPr>
-        <dsp:cNvPr id="0" name=""/>
-        <dsp:cNvSpPr/>
-      </dsp:nvSpPr>
-      <dsp:spPr>
-        <a:xfrm>
-          <a:off x="0" y="3202023"/>
-          <a:ext cx="6589260" cy="935415"/>
-        </a:xfrm>
-        <a:prstGeom prst="roundRect">
-          <a:avLst/>
-        </a:prstGeom>
-        <a:solidFill>
-          <a:schemeClr val="accent5">
-            <a:hueOff val="-5068907"/>
-            <a:satOff val="-13064"/>
-            <a:lumOff val="-8824"/>
-            <a:alphaOff val="0"/>
-          </a:schemeClr>
-        </a:solidFill>
-        <a:ln w="12700" cap="flat" cmpd="sng" algn="ctr">
-          <a:solidFill>
-            <a:schemeClr val="lt1">
-              <a:hueOff val="0"/>
-              <a:satOff val="0"/>
-              <a:lumOff val="0"/>
-              <a:alphaOff val="0"/>
-            </a:schemeClr>
-          </a:solidFill>
-          <a:prstDash val="solid"/>
-          <a:miter lim="800000"/>
-        </a:ln>
-        <a:effectLst/>
-      </dsp:spPr>
-      <dsp:style>
-        <a:lnRef idx="2">
-          <a:scrgbClr r="0" g="0" b="0"/>
-        </a:lnRef>
-        <a:fillRef idx="1">
-          <a:scrgbClr r="0" g="0" b="0"/>
-        </a:fillRef>
-        <a:effectRef idx="0">
-          <a:scrgbClr r="0" g="0" b="0"/>
-        </a:effectRef>
-        <a:fontRef idx="minor">
-          <a:schemeClr val="lt1"/>
-        </a:fontRef>
-      </dsp:style>
-      <dsp:txBody>
-        <a:bodyPr spcFirstLastPara="0" vert="horz" wrap="square" lIns="148590" tIns="148590" rIns="148590" bIns="148590" numCol="1" spcCol="1270" anchor="ctr" anchorCtr="0">
-          <a:noAutofit/>
-        </a:bodyPr>
-        <a:lstStyle/>
-        <a:p>
-          <a:pPr marL="0" lvl="0" indent="0" algn="l" defTabSz="1733550">
-            <a:lnSpc>
-              <a:spcPct val="90000"/>
-            </a:lnSpc>
-            <a:spcBef>
-              <a:spcPct val="0"/>
-            </a:spcBef>
-            <a:spcAft>
-              <a:spcPct val="35000"/>
-            </a:spcAft>
-            <a:buNone/>
-          </a:pPr>
-          <a:r>
-            <a:rPr lang="fr-FR" sz="3900" kern="1200"/>
-            <a:t>Docker image</a:t>
-          </a:r>
-          <a:endParaRPr lang="en-US" sz="3900" kern="1200"/>
-        </a:p>
-      </dsp:txBody>
-      <dsp:txXfrm>
-        <a:off x="45663" y="3247686"/>
-        <a:ext cx="6497934" cy="844089"/>
+        <a:off x="51517" y="2736873"/>
+        <a:ext cx="6486226" cy="952306"/>
       </dsp:txXfrm>
     </dsp:sp>
     <dsp:sp modelId="{FDB73E89-EE95-41FD-80C2-3041A128AE10}">
@@ -3854,8 +3716,8 @@
       </dsp:nvSpPr>
       <dsp:spPr>
         <a:xfrm>
-          <a:off x="0" y="4249759"/>
-          <a:ext cx="6589260" cy="935415"/>
+          <a:off x="0" y="3867416"/>
+          <a:ext cx="6589260" cy="1055340"/>
         </a:xfrm>
         <a:prstGeom prst="roundRect">
           <a:avLst/>
@@ -3897,12 +3759,12 @@
         </a:fontRef>
       </dsp:style>
       <dsp:txBody>
-        <a:bodyPr spcFirstLastPara="0" vert="horz" wrap="square" lIns="148590" tIns="148590" rIns="148590" bIns="148590" numCol="1" spcCol="1270" anchor="ctr" anchorCtr="0">
+        <a:bodyPr spcFirstLastPara="0" vert="horz" wrap="square" lIns="167640" tIns="167640" rIns="167640" bIns="167640" numCol="1" spcCol="1270" anchor="ctr" anchorCtr="0">
           <a:noAutofit/>
         </a:bodyPr>
         <a:lstStyle/>
         <a:p>
-          <a:pPr marL="0" lvl="0" indent="0" algn="l" defTabSz="1733550">
+          <a:pPr marL="0" lvl="0" indent="0" algn="l" defTabSz="1955800">
             <a:lnSpc>
               <a:spcPct val="90000"/>
             </a:lnSpc>
@@ -3915,15 +3777,15 @@
             <a:buNone/>
           </a:pPr>
           <a:r>
-            <a:rPr lang="fr-FR" sz="3900" kern="1200" dirty="0"/>
+            <a:rPr lang="fr-FR" sz="4400" kern="1200" dirty="0"/>
             <a:t>Des fonctionnalités Docker</a:t>
           </a:r>
-          <a:endParaRPr lang="en-US" sz="3900" kern="1200" dirty="0"/>
+          <a:endParaRPr lang="en-US" sz="4400" kern="1200" dirty="0"/>
         </a:p>
       </dsp:txBody>
       <dsp:txXfrm>
-        <a:off x="45663" y="4295422"/>
-        <a:ext cx="6497934" cy="844089"/>
+        <a:off x="51517" y="3918933"/>
+        <a:ext cx="6486226" cy="952306"/>
       </dsp:txXfrm>
     </dsp:sp>
   </dsp:spTree>
@@ -4163,13 +4025,8 @@
           </a:pPr>
           <a:r>
             <a:rPr lang="fr-FR" sz="4000" kern="1200" dirty="0"/>
-            <a:t>Docker </a:t>
+            <a:t>Docker Container</a:t>
           </a:r>
-          <a:r>
-            <a:rPr lang="fr-FR" sz="4000" kern="1200" dirty="0" err="1"/>
-            <a:t>Contianer</a:t>
-          </a:r>
-          <a:endParaRPr lang="fr-FR" sz="4000" kern="1200" dirty="0"/>
         </a:p>
       </dsp:txBody>
       <dsp:txXfrm>
@@ -14527,7 +14384,7 @@
             <p:ph idx="1"/>
             <p:extLst>
               <p:ext uri="{D42A27DB-BD31-4B8C-83A1-F6EECF244321}">
-                <p14:modId xmlns:p14="http://schemas.microsoft.com/office/powerpoint/2010/main" val="1201692515"/>
+                <p14:modId xmlns:p14="http://schemas.microsoft.com/office/powerpoint/2010/main" val="3498427909"/>
               </p:ext>
             </p:extLst>
           </p:nvPr>
@@ -15838,7 +15695,7 @@
             <p:ph idx="1"/>
             <p:extLst>
               <p:ext uri="{D42A27DB-BD31-4B8C-83A1-F6EECF244321}">
-                <p14:modId xmlns:p14="http://schemas.microsoft.com/office/powerpoint/2010/main" val="1013674847"/>
+                <p14:modId xmlns:p14="http://schemas.microsoft.com/office/powerpoint/2010/main" val="1740902117"/>
               </p:ext>
             </p:extLst>
           </p:nvPr>
@@ -16447,7 +16304,7 @@
                   <a:srgbClr val="FFFFFF"/>
                 </a:solidFill>
               </a:rPr>
-              <a:t>Le fonctionnement de Docker </a:t>
+              <a:t>Comment marche Docker</a:t>
             </a:r>
           </a:p>
         </p:txBody>
@@ -16468,7 +16325,7 @@
             <p:ph idx="1"/>
             <p:extLst>
               <p:ext uri="{D42A27DB-BD31-4B8C-83A1-F6EECF244321}">
-                <p14:modId xmlns:p14="http://schemas.microsoft.com/office/powerpoint/2010/main" val="3509410448"/>
+                <p14:modId xmlns:p14="http://schemas.microsoft.com/office/powerpoint/2010/main" val="2670600003"/>
               </p:ext>
             </p:extLst>
           </p:nvPr>
